--- a/Housez.pptx
+++ b/Housez.pptx
@@ -17,21 +17,22 @@
     <p:sldId id="345" r:id="rId10"/>
     <p:sldId id="346" r:id="rId11"/>
     <p:sldId id="347" r:id="rId12"/>
-    <p:sldId id="348" r:id="rId13"/>
-    <p:sldId id="349" r:id="rId14"/>
-    <p:sldId id="384" r:id="rId15"/>
-    <p:sldId id="385" r:id="rId16"/>
-    <p:sldId id="419" r:id="rId17"/>
-    <p:sldId id="420" r:id="rId18"/>
-    <p:sldId id="386" r:id="rId19"/>
-    <p:sldId id="262" r:id="rId20"/>
-    <p:sldId id="263" r:id="rId21"/>
-    <p:sldId id="421" r:id="rId22"/>
-    <p:sldId id="426" r:id="rId23"/>
-    <p:sldId id="427" r:id="rId24"/>
-    <p:sldId id="428" r:id="rId25"/>
-    <p:sldId id="429" r:id="rId26"/>
-    <p:sldId id="272" r:id="rId27"/>
+    <p:sldId id="431" r:id="rId13"/>
+    <p:sldId id="348" r:id="rId14"/>
+    <p:sldId id="349" r:id="rId15"/>
+    <p:sldId id="384" r:id="rId16"/>
+    <p:sldId id="385" r:id="rId17"/>
+    <p:sldId id="419" r:id="rId18"/>
+    <p:sldId id="420" r:id="rId19"/>
+    <p:sldId id="386" r:id="rId20"/>
+    <p:sldId id="262" r:id="rId21"/>
+    <p:sldId id="263" r:id="rId22"/>
+    <p:sldId id="421" r:id="rId23"/>
+    <p:sldId id="426" r:id="rId24"/>
+    <p:sldId id="427" r:id="rId25"/>
+    <p:sldId id="428" r:id="rId26"/>
+    <p:sldId id="429" r:id="rId27"/>
+    <p:sldId id="272" r:id="rId28"/>
   </p:sldIdLst>
   <p:sldSz cx="12192000" cy="6858000"/>
   <p:notesSz cx="6858000" cy="9144000"/>
@@ -4125,7 +4126,7 @@
       <p:grpSpPr/>
       <p:sp>
         <p:nvSpPr>
-          <p:cNvPr id="21" name="Title 20"/>
+          <p:cNvPr id="8" name="Title 7"/>
           <p:cNvSpPr>
             <a:spLocks noGrp="1"/>
           </p:cNvSpPr>
@@ -4186,81 +4187,615 @@
           </a:p>
         </p:txBody>
       </p:sp>
+      <p:sp>
+        <p:nvSpPr>
+          <p:cNvPr id="4" name="Title 1"/>
+          <p:cNvSpPr>
+            <a:spLocks noGrp="1"/>
+          </p:cNvSpPr>
+          <p:nvPr/>
+        </p:nvSpPr>
+        <p:spPr>
+          <a:xfrm>
+            <a:off x="875030" y="365125"/>
+            <a:ext cx="10515600" cy="1325563"/>
+          </a:xfrm>
+          <a:prstGeom prst="rect">
+            <a:avLst/>
+          </a:prstGeom>
+        </p:spPr>
+        <p:txBody>
+          <a:bodyPr vert="horz" lIns="91440" tIns="45720" rIns="91440" bIns="45720" rtlCol="0" anchor="ctr">
+            <a:normAutofit/>
+          </a:bodyPr>
+          <a:lstStyle>
+            <a:lvl1pPr algn="l" defTabSz="914400" rtl="0" eaLnBrk="1" latinLnBrk="0" hangingPunct="1">
+              <a:lnSpc>
+                <a:spcPct val="90000"/>
+              </a:lnSpc>
+              <a:spcBef>
+                <a:spcPct val="0"/>
+              </a:spcBef>
+              <a:buNone/>
+              <a:defRPr sz="4400" kern="1200">
+                <a:solidFill>
+                  <a:schemeClr val="tx1"/>
+                </a:solidFill>
+                <a:latin typeface="+mj-lt"/>
+                <a:ea typeface="+mj-ea"/>
+                <a:cs typeface="+mj-cs"/>
+              </a:defRPr>
+            </a:lvl1pPr>
+          </a:lstStyle>
+          <a:p>
+            <a:r>
+              <a:rPr lang="en-IN" altLang="en-US" b="1">
+                <a:solidFill>
+                  <a:schemeClr val="bg1"/>
+                </a:solidFill>
+                <a:latin typeface="Comic Sans MS" panose="030F0702030302020204" charset="0"/>
+                <a:cs typeface="Comic Sans MS" panose="030F0702030302020204" charset="0"/>
+                <a:sym typeface="+mn-ea"/>
+              </a:rPr>
+              <a:t>Flask Api</a:t>
+            </a:r>
+            <a:endParaRPr lang="en-IN" altLang="en-US" b="1">
+              <a:solidFill>
+                <a:schemeClr val="bg1"/>
+              </a:solidFill>
+              <a:latin typeface="Comic Sans MS" panose="030F0702030302020204" charset="0"/>
+              <a:cs typeface="Comic Sans MS" panose="030F0702030302020204" charset="0"/>
+              <a:sym typeface="+mn-ea"/>
+            </a:endParaRPr>
+          </a:p>
+        </p:txBody>
+      </p:sp>
+      <p:sp>
+        <p:nvSpPr>
+          <p:cNvPr id="5" name="Content Placeholder 2"/>
+          <p:cNvSpPr>
+            <a:spLocks noGrp="1"/>
+          </p:cNvSpPr>
+          <p:nvPr/>
+        </p:nvSpPr>
+        <p:spPr>
+          <a:xfrm>
+            <a:off x="838200" y="1449070"/>
+            <a:ext cx="7534910" cy="4643755"/>
+          </a:xfrm>
+          <a:prstGeom prst="rect">
+            <a:avLst/>
+          </a:prstGeom>
+        </p:spPr>
+        <p:txBody>
+          <a:bodyPr vert="horz" lIns="91440" tIns="45720" rIns="91440" bIns="45720" rtlCol="0">
+            <a:normAutofit lnSpcReduction="20000"/>
+          </a:bodyPr>
+          <a:lstStyle>
+            <a:lvl1pPr marL="228600" indent="-228600" algn="l" defTabSz="914400" rtl="0" eaLnBrk="1" latinLnBrk="0" hangingPunct="1">
+              <a:lnSpc>
+                <a:spcPct val="90000"/>
+              </a:lnSpc>
+              <a:spcBef>
+                <a:spcPts val="1000"/>
+              </a:spcBef>
+              <a:buFont typeface="Arial" panose="020B0604020202020204" pitchFamily="34" charset="0"/>
+              <a:buChar char="•"/>
+              <a:defRPr sz="2800" kern="1200">
+                <a:solidFill>
+                  <a:schemeClr val="tx1"/>
+                </a:solidFill>
+                <a:latin typeface="+mn-lt"/>
+                <a:ea typeface="+mn-ea"/>
+                <a:cs typeface="+mn-cs"/>
+              </a:defRPr>
+            </a:lvl1pPr>
+            <a:lvl2pPr marL="685800" indent="-228600" algn="l" defTabSz="914400" rtl="0" eaLnBrk="1" latinLnBrk="0" hangingPunct="1">
+              <a:lnSpc>
+                <a:spcPct val="90000"/>
+              </a:lnSpc>
+              <a:spcBef>
+                <a:spcPts val="500"/>
+              </a:spcBef>
+              <a:buFont typeface="Arial" panose="020B0604020202020204" pitchFamily="34" charset="0"/>
+              <a:buChar char="•"/>
+              <a:defRPr sz="2400" kern="1200">
+                <a:solidFill>
+                  <a:schemeClr val="tx1"/>
+                </a:solidFill>
+                <a:latin typeface="+mn-lt"/>
+                <a:ea typeface="+mn-ea"/>
+                <a:cs typeface="+mn-cs"/>
+              </a:defRPr>
+            </a:lvl2pPr>
+            <a:lvl3pPr marL="1143000" indent="-228600" algn="l" defTabSz="914400" rtl="0" eaLnBrk="1" latinLnBrk="0" hangingPunct="1">
+              <a:lnSpc>
+                <a:spcPct val="90000"/>
+              </a:lnSpc>
+              <a:spcBef>
+                <a:spcPts val="500"/>
+              </a:spcBef>
+              <a:buFont typeface="Arial" panose="020B0604020202020204" pitchFamily="34" charset="0"/>
+              <a:buChar char="•"/>
+              <a:defRPr sz="2000" kern="1200">
+                <a:solidFill>
+                  <a:schemeClr val="tx1"/>
+                </a:solidFill>
+                <a:latin typeface="+mn-lt"/>
+                <a:ea typeface="+mn-ea"/>
+                <a:cs typeface="+mn-cs"/>
+              </a:defRPr>
+            </a:lvl3pPr>
+            <a:lvl4pPr marL="1600200" indent="-228600" algn="l" defTabSz="914400" rtl="0" eaLnBrk="1" latinLnBrk="0" hangingPunct="1">
+              <a:lnSpc>
+                <a:spcPct val="90000"/>
+              </a:lnSpc>
+              <a:spcBef>
+                <a:spcPts val="500"/>
+              </a:spcBef>
+              <a:buFont typeface="Arial" panose="020B0604020202020204" pitchFamily="34" charset="0"/>
+              <a:buChar char="•"/>
+              <a:defRPr sz="1800" kern="1200">
+                <a:solidFill>
+                  <a:schemeClr val="tx1"/>
+                </a:solidFill>
+                <a:latin typeface="+mn-lt"/>
+                <a:ea typeface="+mn-ea"/>
+                <a:cs typeface="+mn-cs"/>
+              </a:defRPr>
+            </a:lvl4pPr>
+            <a:lvl5pPr marL="2057400" indent="-228600" algn="l" defTabSz="914400" rtl="0" eaLnBrk="1" latinLnBrk="0" hangingPunct="1">
+              <a:lnSpc>
+                <a:spcPct val="90000"/>
+              </a:lnSpc>
+              <a:spcBef>
+                <a:spcPts val="500"/>
+              </a:spcBef>
+              <a:buFont typeface="Arial" panose="020B0604020202020204" pitchFamily="34" charset="0"/>
+              <a:buChar char="•"/>
+              <a:defRPr sz="1800" kern="1200">
+                <a:solidFill>
+                  <a:schemeClr val="tx1"/>
+                </a:solidFill>
+                <a:latin typeface="+mn-lt"/>
+                <a:ea typeface="+mn-ea"/>
+                <a:cs typeface="+mn-cs"/>
+              </a:defRPr>
+            </a:lvl5pPr>
+            <a:lvl6pPr marL="2514600" indent="-228600" algn="l" defTabSz="914400" rtl="0" eaLnBrk="1" latinLnBrk="0" hangingPunct="1">
+              <a:lnSpc>
+                <a:spcPct val="90000"/>
+              </a:lnSpc>
+              <a:spcBef>
+                <a:spcPts val="500"/>
+              </a:spcBef>
+              <a:buFont typeface="Arial" panose="020B0604020202020204" pitchFamily="34" charset="0"/>
+              <a:buChar char="•"/>
+              <a:defRPr sz="1800" kern="1200">
+                <a:solidFill>
+                  <a:schemeClr val="tx1"/>
+                </a:solidFill>
+                <a:latin typeface="+mn-lt"/>
+                <a:ea typeface="+mn-ea"/>
+                <a:cs typeface="+mn-cs"/>
+              </a:defRPr>
+            </a:lvl6pPr>
+            <a:lvl7pPr marL="2971800" indent="-228600" algn="l" defTabSz="914400" rtl="0" eaLnBrk="1" latinLnBrk="0" hangingPunct="1">
+              <a:lnSpc>
+                <a:spcPct val="90000"/>
+              </a:lnSpc>
+              <a:spcBef>
+                <a:spcPts val="500"/>
+              </a:spcBef>
+              <a:buFont typeface="Arial" panose="020B0604020202020204" pitchFamily="34" charset="0"/>
+              <a:buChar char="•"/>
+              <a:defRPr sz="1800" kern="1200">
+                <a:solidFill>
+                  <a:schemeClr val="tx1"/>
+                </a:solidFill>
+                <a:latin typeface="+mn-lt"/>
+                <a:ea typeface="+mn-ea"/>
+                <a:cs typeface="+mn-cs"/>
+              </a:defRPr>
+            </a:lvl7pPr>
+            <a:lvl8pPr marL="3429000" indent="-228600" algn="l" defTabSz="914400" rtl="0" eaLnBrk="1" latinLnBrk="0" hangingPunct="1">
+              <a:lnSpc>
+                <a:spcPct val="90000"/>
+              </a:lnSpc>
+              <a:spcBef>
+                <a:spcPts val="500"/>
+              </a:spcBef>
+              <a:buFont typeface="Arial" panose="020B0604020202020204" pitchFamily="34" charset="0"/>
+              <a:buChar char="•"/>
+              <a:defRPr sz="1800" kern="1200">
+                <a:solidFill>
+                  <a:schemeClr val="tx1"/>
+                </a:solidFill>
+                <a:latin typeface="+mn-lt"/>
+                <a:ea typeface="+mn-ea"/>
+                <a:cs typeface="+mn-cs"/>
+              </a:defRPr>
+            </a:lvl8pPr>
+            <a:lvl9pPr marL="3886200" indent="-228600" algn="l" defTabSz="914400" rtl="0" eaLnBrk="1" latinLnBrk="0" hangingPunct="1">
+              <a:lnSpc>
+                <a:spcPct val="90000"/>
+              </a:lnSpc>
+              <a:spcBef>
+                <a:spcPts val="500"/>
+              </a:spcBef>
+              <a:buFont typeface="Arial" panose="020B0604020202020204" pitchFamily="34" charset="0"/>
+              <a:buChar char="•"/>
+              <a:defRPr sz="1800" kern="1200">
+                <a:solidFill>
+                  <a:schemeClr val="tx1"/>
+                </a:solidFill>
+                <a:latin typeface="+mn-lt"/>
+                <a:ea typeface="+mn-ea"/>
+                <a:cs typeface="+mn-cs"/>
+              </a:defRPr>
+            </a:lvl9pPr>
+          </a:lstStyle>
+          <a:p>
+            <a:pPr marL="0" indent="0">
+              <a:buNone/>
+            </a:pPr>
+            <a:r>
+              <a:rPr lang="en-IN" altLang="en-US" sz="2400">
+                <a:solidFill>
+                  <a:schemeClr val="bg1"/>
+                </a:solidFill>
+                <a:latin typeface="Comic Sans MS" panose="030F0702030302020204" charset="0"/>
+                <a:cs typeface="Comic Sans MS" panose="030F0702030302020204" charset="0"/>
+                <a:sym typeface="+mn-ea"/>
+              </a:rPr>
+              <a:t>Flask is a popular micro framework for building web applications. Since it is a micro-framework it is easy to use</a:t>
+            </a:r>
+            <a:endParaRPr lang="en-IN" altLang="en-US" sz="2400">
+              <a:solidFill>
+                <a:schemeClr val="bg1"/>
+              </a:solidFill>
+              <a:latin typeface="Comic Sans MS" panose="030F0702030302020204" charset="0"/>
+              <a:cs typeface="Comic Sans MS" panose="030F0702030302020204" charset="0"/>
+              <a:sym typeface="+mn-ea"/>
+            </a:endParaRPr>
+          </a:p>
+          <a:p>
+            <a:pPr marL="0" indent="0">
+              <a:buNone/>
+            </a:pPr>
+            <a:endParaRPr lang="en-IN" altLang="en-US" sz="2400">
+              <a:solidFill>
+                <a:schemeClr val="bg1"/>
+              </a:solidFill>
+              <a:latin typeface="Comic Sans MS" panose="030F0702030302020204" charset="0"/>
+              <a:cs typeface="Comic Sans MS" panose="030F0702030302020204" charset="0"/>
+              <a:sym typeface="+mn-ea"/>
+            </a:endParaRPr>
+          </a:p>
+          <a:p>
+            <a:pPr marL="0" indent="0">
+              <a:buNone/>
+            </a:pPr>
+            <a:r>
+              <a:rPr lang="en-IN" altLang="en-US" sz="2400">
+                <a:solidFill>
+                  <a:schemeClr val="bg1"/>
+                </a:solidFill>
+                <a:latin typeface="Comic Sans MS" panose="030F0702030302020204" charset="0"/>
+                <a:cs typeface="Comic Sans MS" panose="030F0702030302020204" charset="0"/>
+                <a:sym typeface="+mn-ea"/>
+              </a:rPr>
+              <a:t>Here, the instance of the traine</a:t>
+            </a:r>
+            <a:r>
+              <a:rPr lang="en-IN" altLang="en-US" sz="2400">
+                <a:solidFill>
+                  <a:schemeClr val="bg1"/>
+                </a:solidFill>
+                <a:latin typeface="Comic Sans MS" panose="030F0702030302020204" charset="0"/>
+                <a:cs typeface="Comic Sans MS" panose="030F0702030302020204" charset="0"/>
+                <a:sym typeface="+mn-ea"/>
+              </a:rPr>
+              <a:t>d ml-model is extracted using “pickle” &amp; converted to REST-Api using “Flask”</a:t>
+            </a:r>
+            <a:endParaRPr lang="en-IN" altLang="en-US" sz="2400">
+              <a:solidFill>
+                <a:schemeClr val="bg1"/>
+              </a:solidFill>
+              <a:latin typeface="Comic Sans MS" panose="030F0702030302020204" charset="0"/>
+              <a:cs typeface="Comic Sans MS" panose="030F0702030302020204" charset="0"/>
+              <a:sym typeface="+mn-ea"/>
+            </a:endParaRPr>
+          </a:p>
+          <a:p>
+            <a:pPr marL="0" indent="0">
+              <a:buNone/>
+            </a:pPr>
+            <a:endParaRPr lang="en-IN" altLang="en-US" sz="2400">
+              <a:solidFill>
+                <a:schemeClr val="bg1"/>
+              </a:solidFill>
+              <a:latin typeface="Comic Sans MS" panose="030F0702030302020204" charset="0"/>
+              <a:cs typeface="Comic Sans MS" panose="030F0702030302020204" charset="0"/>
+              <a:sym typeface="+mn-ea"/>
+            </a:endParaRPr>
+          </a:p>
+          <a:p>
+            <a:pPr marL="0" indent="0">
+              <a:buNone/>
+            </a:pPr>
+            <a:r>
+              <a:rPr lang="en-IN" altLang="en-US" sz="2400" b="1" i="1">
+                <a:solidFill>
+                  <a:schemeClr val="bg1"/>
+                </a:solidFill>
+                <a:latin typeface="Comic Sans MS" panose="030F0702030302020204" charset="0"/>
+                <a:cs typeface="Comic Sans MS" panose="030F0702030302020204" charset="0"/>
+                <a:sym typeface="+mn-ea"/>
+              </a:rPr>
+              <a:t>En</a:t>
+            </a:r>
+            <a:r>
+              <a:rPr lang="en-IN" altLang="en-US" sz="2400" b="1" i="1">
+                <a:solidFill>
+                  <a:schemeClr val="bg1"/>
+                </a:solidFill>
+                <a:latin typeface="Comic Sans MS" panose="030F0702030302020204" charset="0"/>
+                <a:cs typeface="Comic Sans MS" panose="030F0702030302020204" charset="0"/>
+                <a:sym typeface="+mn-ea"/>
+              </a:rPr>
+              <a:t>d-</a:t>
+            </a:r>
+            <a:r>
+              <a:rPr lang="en-IN" altLang="en-US" sz="2400" b="1" i="1">
+                <a:solidFill>
+                  <a:schemeClr val="bg1"/>
+                </a:solidFill>
+                <a:latin typeface="Comic Sans MS" panose="030F0702030302020204" charset="0"/>
+                <a:cs typeface="Comic Sans MS" panose="030F0702030302020204" charset="0"/>
+                <a:sym typeface="+mn-ea"/>
+              </a:rPr>
+              <a:t>points Create</a:t>
+            </a:r>
+            <a:r>
+              <a:rPr lang="en-IN" altLang="en-US" sz="2400" b="1" i="1">
+                <a:solidFill>
+                  <a:schemeClr val="bg1"/>
+                </a:solidFill>
+                <a:latin typeface="Comic Sans MS" panose="030F0702030302020204" charset="0"/>
+                <a:cs typeface="Comic Sans MS" panose="030F0702030302020204" charset="0"/>
+                <a:sym typeface="+mn-ea"/>
+              </a:rPr>
+              <a:t>d </a:t>
+            </a:r>
+            <a:r>
+              <a:rPr lang="en-IN" altLang="en-US" sz="2400" b="1" i="1">
+                <a:solidFill>
+                  <a:schemeClr val="bg1"/>
+                </a:solidFill>
+                <a:latin typeface="Comic Sans MS" panose="030F0702030302020204" charset="0"/>
+                <a:cs typeface="Comic Sans MS" panose="030F0702030302020204" charset="0"/>
+                <a:sym typeface="+mn-ea"/>
+              </a:rPr>
+              <a:t>:</a:t>
+            </a:r>
+            <a:endParaRPr lang="en-IN" altLang="en-US" sz="2400">
+              <a:solidFill>
+                <a:schemeClr val="bg1"/>
+              </a:solidFill>
+              <a:latin typeface="Comic Sans MS" panose="030F0702030302020204" charset="0"/>
+              <a:cs typeface="Comic Sans MS" panose="030F0702030302020204" charset="0"/>
+              <a:sym typeface="+mn-ea"/>
+            </a:endParaRPr>
+          </a:p>
+          <a:p>
+            <a:pPr marL="0" indent="0">
+              <a:buNone/>
+            </a:pPr>
+            <a:r>
+              <a:rPr lang="en-US" sz="2400" b="1">
+                <a:solidFill>
+                  <a:schemeClr val="bg1"/>
+                </a:solidFill>
+                <a:latin typeface="Arial" panose="020B0604020202020204" pitchFamily="34" charset="0"/>
+                <a:cs typeface="Arial" panose="020B0604020202020204" pitchFamily="34" charset="0"/>
+                <a:sym typeface="+mn-ea"/>
+              </a:rPr>
+              <a:t>→</a:t>
+            </a:r>
+            <a:r>
+              <a:rPr lang="en-IN" altLang="en-US" sz="2400" b="1">
+                <a:solidFill>
+                  <a:schemeClr val="bg1"/>
+                </a:solidFill>
+                <a:latin typeface="Arial" panose="020B0604020202020204" pitchFamily="34" charset="0"/>
+                <a:cs typeface="Arial" panose="020B0604020202020204" pitchFamily="34" charset="0"/>
+                <a:sym typeface="+mn-ea"/>
+              </a:rPr>
+              <a:t> </a:t>
+            </a:r>
+            <a:r>
+              <a:rPr lang="en-IN" altLang="en-US" sz="2400">
+                <a:solidFill>
+                  <a:schemeClr val="bg1"/>
+                </a:solidFill>
+                <a:latin typeface="Comic Sans MS" panose="030F0702030302020204" charset="0"/>
+                <a:cs typeface="Comic Sans MS" panose="030F0702030302020204" charset="0"/>
+                <a:sym typeface="+mn-ea"/>
+              </a:rPr>
+              <a:t>getLocations(GET) - </a:t>
+            </a:r>
+            <a:r>
+              <a:rPr lang="en-IN" altLang="en-US" sz="1800">
+                <a:solidFill>
+                  <a:schemeClr val="bg1"/>
+                </a:solidFill>
+                <a:latin typeface="Comic Sans MS" panose="030F0702030302020204" charset="0"/>
+                <a:cs typeface="Comic Sans MS" panose="030F0702030302020204" charset="0"/>
+                <a:sym typeface="+mn-ea"/>
+              </a:rPr>
+              <a:t>get locations</a:t>
+            </a:r>
+            <a:endParaRPr lang="en-IN" altLang="en-US" sz="2400">
+              <a:solidFill>
+                <a:schemeClr val="bg1"/>
+              </a:solidFill>
+              <a:latin typeface="Comic Sans MS" panose="030F0702030302020204" charset="0"/>
+              <a:cs typeface="Comic Sans MS" panose="030F0702030302020204" charset="0"/>
+              <a:sym typeface="+mn-ea"/>
+            </a:endParaRPr>
+          </a:p>
+          <a:p>
+            <a:pPr marL="0" indent="0">
+              <a:buNone/>
+            </a:pPr>
+            <a:r>
+              <a:rPr lang="en-US" sz="2400" b="1">
+                <a:solidFill>
+                  <a:schemeClr val="bg1"/>
+                </a:solidFill>
+                <a:latin typeface="Arial" panose="020B0604020202020204" pitchFamily="34" charset="0"/>
+                <a:cs typeface="Arial" panose="020B0604020202020204" pitchFamily="34" charset="0"/>
+                <a:sym typeface="+mn-ea"/>
+              </a:rPr>
+              <a:t>→</a:t>
+            </a:r>
+            <a:r>
+              <a:rPr lang="en-IN" altLang="en-US" sz="2400" b="1">
+                <a:solidFill>
+                  <a:schemeClr val="bg1"/>
+                </a:solidFill>
+                <a:latin typeface="Arial" panose="020B0604020202020204" pitchFamily="34" charset="0"/>
+                <a:cs typeface="Arial" panose="020B0604020202020204" pitchFamily="34" charset="0"/>
+                <a:sym typeface="+mn-ea"/>
+              </a:rPr>
+              <a:t> </a:t>
+            </a:r>
+            <a:r>
+              <a:rPr lang="en-IN" altLang="en-US" sz="2400">
+                <a:solidFill>
+                  <a:schemeClr val="bg1"/>
+                </a:solidFill>
+                <a:latin typeface="Comic Sans MS" panose="030F0702030302020204" charset="0"/>
+                <a:cs typeface="Comic Sans MS" panose="030F0702030302020204" charset="0"/>
+                <a:sym typeface="+mn-ea"/>
+              </a:rPr>
+              <a:t>getPricePre</a:t>
+            </a:r>
+            <a:r>
+              <a:rPr lang="en-IN" altLang="en-US" sz="2400">
+                <a:solidFill>
+                  <a:schemeClr val="bg1"/>
+                </a:solidFill>
+                <a:latin typeface="Comic Sans MS" panose="030F0702030302020204" charset="0"/>
+                <a:cs typeface="Comic Sans MS" panose="030F0702030302020204" charset="0"/>
+                <a:sym typeface="+mn-ea"/>
+              </a:rPr>
+              <a:t>d</a:t>
+            </a:r>
+            <a:r>
+              <a:rPr lang="en-IN" altLang="en-US" sz="2400">
+                <a:solidFill>
+                  <a:schemeClr val="bg1"/>
+                </a:solidFill>
+                <a:latin typeface="Comic Sans MS" panose="030F0702030302020204" charset="0"/>
+                <a:cs typeface="Comic Sans MS" panose="030F0702030302020204" charset="0"/>
+                <a:sym typeface="+mn-ea"/>
+              </a:rPr>
+              <a:t>iction(POST) - </a:t>
+            </a:r>
+            <a:r>
+              <a:rPr lang="en-IN" altLang="en-US" sz="1800">
+                <a:solidFill>
+                  <a:schemeClr val="bg1"/>
+                </a:solidFill>
+                <a:latin typeface="Comic Sans MS" panose="030F0702030302020204" charset="0"/>
+                <a:cs typeface="Comic Sans MS" panose="030F0702030302020204" charset="0"/>
+                <a:sym typeface="+mn-ea"/>
+              </a:rPr>
+              <a:t>get the pre</a:t>
+            </a:r>
+            <a:r>
+              <a:rPr lang="en-IN" altLang="en-US" sz="1800">
+                <a:solidFill>
+                  <a:schemeClr val="bg1"/>
+                </a:solidFill>
+                <a:latin typeface="Comic Sans MS" panose="030F0702030302020204" charset="0"/>
+                <a:cs typeface="Comic Sans MS" panose="030F0702030302020204" charset="0"/>
+                <a:sym typeface="+mn-ea"/>
+              </a:rPr>
+              <a:t>d</a:t>
+            </a:r>
+            <a:r>
+              <a:rPr lang="en-IN" altLang="en-US" sz="1800">
+                <a:solidFill>
+                  <a:schemeClr val="bg1"/>
+                </a:solidFill>
+                <a:latin typeface="Comic Sans MS" panose="030F0702030302020204" charset="0"/>
+                <a:cs typeface="Comic Sans MS" panose="030F0702030302020204" charset="0"/>
+                <a:sym typeface="+mn-ea"/>
+              </a:rPr>
+              <a:t>icte</a:t>
+            </a:r>
+            <a:r>
+              <a:rPr lang="en-IN" altLang="en-US" sz="1800">
+                <a:solidFill>
+                  <a:schemeClr val="bg1"/>
+                </a:solidFill>
+                <a:latin typeface="Comic Sans MS" panose="030F0702030302020204" charset="0"/>
+                <a:cs typeface="Comic Sans MS" panose="030F0702030302020204" charset="0"/>
+                <a:sym typeface="+mn-ea"/>
+              </a:rPr>
+              <a:t>d</a:t>
+            </a:r>
+            <a:r>
+              <a:rPr lang="en-IN" altLang="en-US" sz="1800">
+                <a:solidFill>
+                  <a:schemeClr val="bg1"/>
+                </a:solidFill>
+                <a:latin typeface="Comic Sans MS" panose="030F0702030302020204" charset="0"/>
+                <a:cs typeface="Comic Sans MS" panose="030F0702030302020204" charset="0"/>
+                <a:sym typeface="+mn-ea"/>
+              </a:rPr>
+              <a:t> price on 					 parameters</a:t>
+            </a:r>
+            <a:endParaRPr lang="en-IN" altLang="en-US" sz="1800">
+              <a:solidFill>
+                <a:schemeClr val="bg1"/>
+              </a:solidFill>
+              <a:latin typeface="Comic Sans MS" panose="030F0702030302020204" charset="0"/>
+              <a:cs typeface="Comic Sans MS" panose="030F0702030302020204" charset="0"/>
+              <a:sym typeface="+mn-ea"/>
+            </a:endParaRPr>
+          </a:p>
+        </p:txBody>
+      </p:sp>
       <p:pic>
         <p:nvPicPr>
-          <p:cNvPr id="7" name="Content Placeholder 6" descr="A picture containing animal, reptile&#10;&#10;Description automatically generated"/>
+          <p:cNvPr id="3" name="Content Placeholder 2" descr="flask"/>
           <p:cNvPicPr>
             <a:picLocks noChangeAspect="1"/>
           </p:cNvPicPr>
           <p:nvPr>
-            <p:ph sz="half" idx="1"/>
+            <p:ph idx="1"/>
           </p:nvPr>
         </p:nvPicPr>
-        <p:blipFill rotWithShape="1">
-          <a:blip r:embed="rId1">
-            <a:alphaModFix amt="18000"/>
-            <a:extLst>
-              <a:ext uri="{28A0092B-C50C-407E-A947-70E740481C1C}">
-                <a14:useLocalDpi xmlns:a14="http://schemas.microsoft.com/office/drawing/2010/main" val="0"/>
-              </a:ext>
-            </a:extLst>
-          </a:blip>
-          <a:srcRect l="27557" t="32804" r="19028" b="32275"/>
+        <p:blipFill>
+          <a:blip r:embed="rId1"/>
           <a:stretch>
             <a:fillRect/>
           </a:stretch>
         </p:blipFill>
         <p:spPr>
           <a:xfrm>
-            <a:off x="306070" y="2119630"/>
-            <a:ext cx="11652885" cy="4598670"/>
+            <a:off x="8278495" y="1691005"/>
+            <a:ext cx="3622675" cy="3622675"/>
           </a:xfrm>
           <a:prstGeom prst="rect">
             <a:avLst/>
           </a:prstGeom>
         </p:spPr>
       </p:pic>
-      <p:sp>
-        <p:nvSpPr>
-          <p:cNvPr id="22" name="Text Box 21"/>
-          <p:cNvSpPr txBox="1"/>
-          <p:nvPr/>
-        </p:nvSpPr>
-        <p:spPr>
-          <a:xfrm>
-            <a:off x="2552700" y="2617470"/>
-            <a:ext cx="6819900" cy="1445260"/>
-          </a:xfrm>
-          <a:prstGeom prst="rect">
-            <a:avLst/>
-          </a:prstGeom>
-          <a:noFill/>
-        </p:spPr>
-        <p:txBody>
-          <a:bodyPr wrap="square" rtlCol="0">
-            <a:spAutoFit/>
-          </a:bodyPr>
-          <a:p>
-            <a:r>
-              <a:rPr lang="en-IN" altLang="en-US" sz="8800" b="1">
-                <a:solidFill>
-                  <a:schemeClr val="bg1"/>
-                </a:solidFill>
-                <a:latin typeface="Comic Sans MS" panose="030F0702030302020204" charset="0"/>
-                <a:cs typeface="Comic Sans MS" panose="030F0702030302020204" charset="0"/>
-              </a:rPr>
-              <a:t>~ Web App</a:t>
-            </a:r>
-            <a:endParaRPr lang="en-IN" altLang="en-US" sz="8800" b="1">
-              <a:solidFill>
-                <a:schemeClr val="bg1"/>
-              </a:solidFill>
-              <a:latin typeface="Comic Sans MS" panose="030F0702030302020204" charset="0"/>
-              <a:cs typeface="Comic Sans MS" panose="030F0702030302020204" charset="0"/>
-            </a:endParaRPr>
-          </a:p>
-        </p:txBody>
-      </p:sp>
       <p:sp>
         <p:nvSpPr>
           <p:cNvPr id="17" name="Rectangle: Rounded Corners 16"/>
@@ -4441,7 +4976,7 @@
         </p:blipFill>
         <p:spPr>
           <a:xfrm>
-            <a:off x="-64135" y="2169795"/>
+            <a:off x="306070" y="2119630"/>
             <a:ext cx="11652885" cy="4598670"/>
           </a:xfrm>
           <a:prstGeom prst="rect">
@@ -4457,8 +4992,8 @@
         </p:nvSpPr>
         <p:spPr>
           <a:xfrm>
-            <a:off x="238125" y="457200"/>
-            <a:ext cx="11566525" cy="829945"/>
+            <a:off x="2552700" y="2617470"/>
+            <a:ext cx="6819900" cy="1445260"/>
           </a:xfrm>
           <a:prstGeom prst="rect">
             <a:avLst/>
@@ -4471,17 +5006,16 @@
           </a:bodyPr>
           <a:p>
             <a:r>
-              <a:rPr lang="en-IN" altLang="en-US" sz="4800" b="1">
-                <a:solidFill>
-                  <a:schemeClr val="bg1"/>
-                </a:solidFill>
-                <a:latin typeface="Comic Sans MS" panose="030F0702030302020204" charset="0"/>
-                <a:cs typeface="Comic Sans MS" panose="030F0702030302020204" charset="0"/>
-                <a:sym typeface="+mn-ea"/>
-              </a:rPr>
-              <a:t>Steps</a:t>
-            </a:r>
-            <a:endParaRPr lang="en-US" sz="4800">
+              <a:rPr lang="en-IN" altLang="en-US" sz="8800" b="1">
+                <a:solidFill>
+                  <a:schemeClr val="bg1"/>
+                </a:solidFill>
+                <a:latin typeface="Comic Sans MS" panose="030F0702030302020204" charset="0"/>
+                <a:cs typeface="Comic Sans MS" panose="030F0702030302020204" charset="0"/>
+              </a:rPr>
+              <a:t>~ Web App</a:t>
+            </a:r>
+            <a:endParaRPr lang="en-IN" altLang="en-US" sz="8800" b="1">
               <a:solidFill>
                 <a:schemeClr val="bg1"/>
               </a:solidFill>
@@ -4564,928 +5098,6 @@
           </a:p>
         </p:txBody>
       </p:sp>
-      <p:sp>
-        <p:nvSpPr>
-          <p:cNvPr id="3" name="Content Placeholder 2"/>
-          <p:cNvSpPr>
-            <a:spLocks noGrp="1"/>
-          </p:cNvSpPr>
-          <p:nvPr/>
-        </p:nvSpPr>
-        <p:spPr>
-          <a:xfrm>
-            <a:off x="0" y="1540510"/>
-            <a:ext cx="12265025" cy="5178425"/>
-          </a:xfrm>
-          <a:prstGeom prst="rect">
-            <a:avLst/>
-          </a:prstGeom>
-        </p:spPr>
-        <p:txBody>
-          <a:bodyPr vert="horz" lIns="91440" tIns="45720" rIns="91440" bIns="45720" rtlCol="0">
-            <a:normAutofit lnSpcReduction="20000"/>
-          </a:bodyPr>
-          <a:lstStyle>
-            <a:lvl1pPr marL="228600" indent="-228600" algn="l" defTabSz="914400" rtl="0" eaLnBrk="1" latinLnBrk="0" hangingPunct="1">
-              <a:lnSpc>
-                <a:spcPct val="90000"/>
-              </a:lnSpc>
-              <a:spcBef>
-                <a:spcPts val="1000"/>
-              </a:spcBef>
-              <a:buFont typeface="Arial" panose="020B0604020202020204" pitchFamily="34" charset="0"/>
-              <a:buChar char="•"/>
-              <a:defRPr sz="2800" kern="1200">
-                <a:solidFill>
-                  <a:schemeClr val="tx1"/>
-                </a:solidFill>
-                <a:latin typeface="+mn-lt"/>
-                <a:ea typeface="+mn-ea"/>
-                <a:cs typeface="+mn-cs"/>
-              </a:defRPr>
-            </a:lvl1pPr>
-            <a:lvl2pPr marL="685800" indent="-228600" algn="l" defTabSz="914400" rtl="0" eaLnBrk="1" latinLnBrk="0" hangingPunct="1">
-              <a:lnSpc>
-                <a:spcPct val="90000"/>
-              </a:lnSpc>
-              <a:spcBef>
-                <a:spcPts val="500"/>
-              </a:spcBef>
-              <a:buFont typeface="Arial" panose="020B0604020202020204" pitchFamily="34" charset="0"/>
-              <a:buChar char="•"/>
-              <a:defRPr sz="2400" kern="1200">
-                <a:solidFill>
-                  <a:schemeClr val="tx1"/>
-                </a:solidFill>
-                <a:latin typeface="+mn-lt"/>
-                <a:ea typeface="+mn-ea"/>
-                <a:cs typeface="+mn-cs"/>
-              </a:defRPr>
-            </a:lvl2pPr>
-            <a:lvl3pPr marL="1143000" indent="-228600" algn="l" defTabSz="914400" rtl="0" eaLnBrk="1" latinLnBrk="0" hangingPunct="1">
-              <a:lnSpc>
-                <a:spcPct val="90000"/>
-              </a:lnSpc>
-              <a:spcBef>
-                <a:spcPts val="500"/>
-              </a:spcBef>
-              <a:buFont typeface="Arial" panose="020B0604020202020204" pitchFamily="34" charset="0"/>
-              <a:buChar char="•"/>
-              <a:defRPr sz="2000" kern="1200">
-                <a:solidFill>
-                  <a:schemeClr val="tx1"/>
-                </a:solidFill>
-                <a:latin typeface="+mn-lt"/>
-                <a:ea typeface="+mn-ea"/>
-                <a:cs typeface="+mn-cs"/>
-              </a:defRPr>
-            </a:lvl3pPr>
-            <a:lvl4pPr marL="1600200" indent="-228600" algn="l" defTabSz="914400" rtl="0" eaLnBrk="1" latinLnBrk="0" hangingPunct="1">
-              <a:lnSpc>
-                <a:spcPct val="90000"/>
-              </a:lnSpc>
-              <a:spcBef>
-                <a:spcPts val="500"/>
-              </a:spcBef>
-              <a:buFont typeface="Arial" panose="020B0604020202020204" pitchFamily="34" charset="0"/>
-              <a:buChar char="•"/>
-              <a:defRPr sz="1800" kern="1200">
-                <a:solidFill>
-                  <a:schemeClr val="tx1"/>
-                </a:solidFill>
-                <a:latin typeface="+mn-lt"/>
-                <a:ea typeface="+mn-ea"/>
-                <a:cs typeface="+mn-cs"/>
-              </a:defRPr>
-            </a:lvl4pPr>
-            <a:lvl5pPr marL="2057400" indent="-228600" algn="l" defTabSz="914400" rtl="0" eaLnBrk="1" latinLnBrk="0" hangingPunct="1">
-              <a:lnSpc>
-                <a:spcPct val="90000"/>
-              </a:lnSpc>
-              <a:spcBef>
-                <a:spcPts val="500"/>
-              </a:spcBef>
-              <a:buFont typeface="Arial" panose="020B0604020202020204" pitchFamily="34" charset="0"/>
-              <a:buChar char="•"/>
-              <a:defRPr sz="1800" kern="1200">
-                <a:solidFill>
-                  <a:schemeClr val="tx1"/>
-                </a:solidFill>
-                <a:latin typeface="+mn-lt"/>
-                <a:ea typeface="+mn-ea"/>
-                <a:cs typeface="+mn-cs"/>
-              </a:defRPr>
-            </a:lvl5pPr>
-            <a:lvl6pPr marL="2514600" indent="-228600" algn="l" defTabSz="914400" rtl="0" eaLnBrk="1" latinLnBrk="0" hangingPunct="1">
-              <a:lnSpc>
-                <a:spcPct val="90000"/>
-              </a:lnSpc>
-              <a:spcBef>
-                <a:spcPts val="500"/>
-              </a:spcBef>
-              <a:buFont typeface="Arial" panose="020B0604020202020204" pitchFamily="34" charset="0"/>
-              <a:buChar char="•"/>
-              <a:defRPr sz="1800" kern="1200">
-                <a:solidFill>
-                  <a:schemeClr val="tx1"/>
-                </a:solidFill>
-                <a:latin typeface="+mn-lt"/>
-                <a:ea typeface="+mn-ea"/>
-                <a:cs typeface="+mn-cs"/>
-              </a:defRPr>
-            </a:lvl6pPr>
-            <a:lvl7pPr marL="2971800" indent="-228600" algn="l" defTabSz="914400" rtl="0" eaLnBrk="1" latinLnBrk="0" hangingPunct="1">
-              <a:lnSpc>
-                <a:spcPct val="90000"/>
-              </a:lnSpc>
-              <a:spcBef>
-                <a:spcPts val="500"/>
-              </a:spcBef>
-              <a:buFont typeface="Arial" panose="020B0604020202020204" pitchFamily="34" charset="0"/>
-              <a:buChar char="•"/>
-              <a:defRPr sz="1800" kern="1200">
-                <a:solidFill>
-                  <a:schemeClr val="tx1"/>
-                </a:solidFill>
-                <a:latin typeface="+mn-lt"/>
-                <a:ea typeface="+mn-ea"/>
-                <a:cs typeface="+mn-cs"/>
-              </a:defRPr>
-            </a:lvl7pPr>
-            <a:lvl8pPr marL="3429000" indent="-228600" algn="l" defTabSz="914400" rtl="0" eaLnBrk="1" latinLnBrk="0" hangingPunct="1">
-              <a:lnSpc>
-                <a:spcPct val="90000"/>
-              </a:lnSpc>
-              <a:spcBef>
-                <a:spcPts val="500"/>
-              </a:spcBef>
-              <a:buFont typeface="Arial" panose="020B0604020202020204" pitchFamily="34" charset="0"/>
-              <a:buChar char="•"/>
-              <a:defRPr sz="1800" kern="1200">
-                <a:solidFill>
-                  <a:schemeClr val="tx1"/>
-                </a:solidFill>
-                <a:latin typeface="+mn-lt"/>
-                <a:ea typeface="+mn-ea"/>
-                <a:cs typeface="+mn-cs"/>
-              </a:defRPr>
-            </a:lvl8pPr>
-            <a:lvl9pPr marL="3886200" indent="-228600" algn="l" defTabSz="914400" rtl="0" eaLnBrk="1" latinLnBrk="0" hangingPunct="1">
-              <a:lnSpc>
-                <a:spcPct val="90000"/>
-              </a:lnSpc>
-              <a:spcBef>
-                <a:spcPts val="500"/>
-              </a:spcBef>
-              <a:buFont typeface="Arial" panose="020B0604020202020204" pitchFamily="34" charset="0"/>
-              <a:buChar char="•"/>
-              <a:defRPr sz="1800" kern="1200">
-                <a:solidFill>
-                  <a:schemeClr val="tx1"/>
-                </a:solidFill>
-                <a:latin typeface="+mn-lt"/>
-                <a:ea typeface="+mn-ea"/>
-                <a:cs typeface="+mn-cs"/>
-              </a:defRPr>
-            </a:lvl9pPr>
-          </a:lstStyle>
-          <a:p>
-            <a:pPr>
-              <a:buFont typeface="Arial" panose="020B0604020202020204" pitchFamily="34" charset="0"/>
-              <a:buChar char="•"/>
-            </a:pPr>
-            <a:r>
-              <a:rPr lang="en-US" i="1">
-                <a:solidFill>
-                  <a:schemeClr val="bg1"/>
-                </a:solidFill>
-                <a:latin typeface="Comic Sans MS" panose="030F0702030302020204" charset="0"/>
-                <a:cs typeface="Comic Sans MS" panose="030F0702030302020204" charset="0"/>
-              </a:rPr>
-              <a:t>Importing libraries</a:t>
-            </a:r>
-            <a:r>
-              <a:rPr lang="en-IN" altLang="en-US" i="1">
-                <a:solidFill>
-                  <a:schemeClr val="bg1"/>
-                </a:solidFill>
-                <a:latin typeface="Comic Sans MS" panose="030F0702030302020204" charset="0"/>
-                <a:cs typeface="Comic Sans MS" panose="030F0702030302020204" charset="0"/>
-              </a:rPr>
-              <a:t> </a:t>
-            </a:r>
-            <a:r>
-              <a:rPr lang="en-US" i="1">
-                <a:solidFill>
-                  <a:schemeClr val="bg1"/>
-                </a:solidFill>
-                <a:latin typeface="Comic Sans MS" panose="030F0702030302020204" charset="0"/>
-                <a:cs typeface="Comic Sans MS" panose="030F0702030302020204" charset="0"/>
-              </a:rPr>
-              <a:t>:</a:t>
-            </a:r>
-            <a:r>
-              <a:rPr lang="en-US">
-                <a:solidFill>
-                  <a:schemeClr val="bg1"/>
-                </a:solidFill>
-                <a:latin typeface="Comic Sans MS" panose="030F0702030302020204" charset="0"/>
-                <a:cs typeface="Comic Sans MS" panose="030F0702030302020204" charset="0"/>
-              </a:rPr>
-              <a:t> </a:t>
-            </a:r>
-            <a:r>
-              <a:rPr lang="en-IN" altLang="en-US" sz="1800">
-                <a:solidFill>
-                  <a:schemeClr val="bg1"/>
-                </a:solidFill>
-                <a:latin typeface="Comic Sans MS" panose="030F0702030302020204" charset="0"/>
-                <a:cs typeface="Comic Sans MS" panose="030F0702030302020204" charset="0"/>
-              </a:rPr>
-              <a:t>axios, mui, formik, mapbox-gl, closest-match, react-bootstrap, </a:t>
-            </a:r>
-            <a:br>
-              <a:rPr lang="en-IN" altLang="en-US" sz="1800">
-                <a:solidFill>
-                  <a:schemeClr val="bg1"/>
-                </a:solidFill>
-                <a:latin typeface="Comic Sans MS" panose="030F0702030302020204" charset="0"/>
-                <a:cs typeface="Comic Sans MS" panose="030F0702030302020204" charset="0"/>
-              </a:rPr>
-            </a:br>
-            <a:r>
-              <a:rPr lang="en-IN" altLang="en-US" sz="1800">
-                <a:solidFill>
-                  <a:schemeClr val="bg1"/>
-                </a:solidFill>
-                <a:latin typeface="Comic Sans MS" panose="030F0702030302020204" charset="0"/>
-                <a:cs typeface="Comic Sans MS" panose="030F0702030302020204" charset="0"/>
-              </a:rPr>
-              <a:t>				react-mapbox-gl-geoco</a:t>
-            </a:r>
-            <a:r>
-              <a:rPr lang="en-US" sz="1800" i="1">
-                <a:solidFill>
-                  <a:schemeClr val="bg1"/>
-                </a:solidFill>
-                <a:latin typeface="Comic Sans MS" panose="030F0702030302020204" charset="0"/>
-                <a:cs typeface="Comic Sans MS" panose="030F0702030302020204" charset="0"/>
-                <a:sym typeface="+mn-ea"/>
-              </a:rPr>
-              <a:t>d</a:t>
-            </a:r>
-            <a:r>
-              <a:rPr lang="en-IN" altLang="en-US" sz="1800">
-                <a:solidFill>
-                  <a:schemeClr val="bg1"/>
-                </a:solidFill>
-                <a:latin typeface="Comic Sans MS" panose="030F0702030302020204" charset="0"/>
-                <a:cs typeface="Comic Sans MS" panose="030F0702030302020204" charset="0"/>
-              </a:rPr>
-              <a:t>er</a:t>
-            </a:r>
-            <a:endParaRPr lang="en-US" sz="1800">
-              <a:solidFill>
-                <a:schemeClr val="bg1"/>
-              </a:solidFill>
-              <a:latin typeface="Comic Sans MS" panose="030F0702030302020204" charset="0"/>
-              <a:cs typeface="Comic Sans MS" panose="030F0702030302020204" charset="0"/>
-            </a:endParaRPr>
-          </a:p>
-          <a:p>
-            <a:pPr>
-              <a:lnSpc>
-                <a:spcPct val="130000"/>
-              </a:lnSpc>
-              <a:buFont typeface="Arial" panose="020B0604020202020204" pitchFamily="34" charset="0"/>
-              <a:buChar char="•"/>
-            </a:pPr>
-            <a:r>
-              <a:rPr lang="en-IN" altLang="en-US" i="1">
-                <a:solidFill>
-                  <a:schemeClr val="bg1"/>
-                </a:solidFill>
-                <a:latin typeface="Comic Sans MS" panose="030F0702030302020204" charset="0"/>
-                <a:cs typeface="Comic Sans MS" panose="030F0702030302020204" charset="0"/>
-              </a:rPr>
-              <a:t>Components </a:t>
-            </a:r>
-            <a:r>
-              <a:rPr lang="en-US" i="1">
-                <a:solidFill>
-                  <a:schemeClr val="bg1"/>
-                </a:solidFill>
-                <a:latin typeface="Comic Sans MS" panose="030F0702030302020204" charset="0"/>
-                <a:cs typeface="Comic Sans MS" panose="030F0702030302020204" charset="0"/>
-              </a:rPr>
-              <a:t>:</a:t>
-            </a:r>
-            <a:r>
-              <a:rPr lang="en-US">
-                <a:solidFill>
-                  <a:schemeClr val="bg1"/>
-                </a:solidFill>
-                <a:latin typeface="Comic Sans MS" panose="030F0702030302020204" charset="0"/>
-                <a:cs typeface="Comic Sans MS" panose="030F0702030302020204" charset="0"/>
-              </a:rPr>
-              <a:t> </a:t>
-            </a:r>
-            <a:r>
-              <a:rPr lang="en-US">
-                <a:solidFill>
-                  <a:schemeClr val="bg1"/>
-                </a:solidFill>
-                <a:latin typeface="Comic Sans MS" panose="030F0702030302020204" charset="0"/>
-                <a:cs typeface="Comic Sans MS" panose="030F0702030302020204" charset="0"/>
-                <a:sym typeface="+mn-ea"/>
-              </a:rPr>
-              <a:t> </a:t>
-            </a:r>
-            <a:r>
-              <a:rPr lang="en-IN" altLang="en-US" sz="1800">
-                <a:solidFill>
-                  <a:schemeClr val="bg1"/>
-                </a:solidFill>
-                <a:latin typeface="Comic Sans MS" panose="030F0702030302020204" charset="0"/>
-                <a:cs typeface="Comic Sans MS" panose="030F0702030302020204" charset="0"/>
-                <a:sym typeface="+mn-ea"/>
-              </a:rPr>
-              <a:t>Creating Map, Input &amp; </a:t>
-            </a:r>
-            <a:r>
-              <a:rPr lang="en-IN" altLang="en-US" sz="1800">
-                <a:solidFill>
-                  <a:schemeClr val="bg1"/>
-                </a:solidFill>
-                <a:latin typeface="Comic Sans MS" panose="030F0702030302020204" charset="0"/>
-                <a:cs typeface="Comic Sans MS" panose="030F0702030302020204" charset="0"/>
-                <a:sym typeface="+mn-ea"/>
-              </a:rPr>
-              <a:t>D</a:t>
-            </a:r>
-            <a:r>
-              <a:rPr lang="en-IN" altLang="en-US" sz="1800" i="1">
-                <a:solidFill>
-                  <a:schemeClr val="bg1"/>
-                </a:solidFill>
-                <a:latin typeface="Comic Sans MS" panose="030F0702030302020204" charset="0"/>
-                <a:cs typeface="Comic Sans MS" panose="030F0702030302020204" charset="0"/>
-                <a:sym typeface="+mn-ea"/>
-              </a:rPr>
-              <a:t>ata</a:t>
-            </a:r>
-            <a:r>
-              <a:rPr lang="en-IN" altLang="en-US" sz="1800">
-                <a:solidFill>
-                  <a:schemeClr val="bg1"/>
-                </a:solidFill>
-                <a:latin typeface="Comic Sans MS" panose="030F0702030302020204" charset="0"/>
-                <a:cs typeface="Comic Sans MS" panose="030F0702030302020204" charset="0"/>
-                <a:sym typeface="+mn-ea"/>
-              </a:rPr>
-              <a:t> Componets to reuse</a:t>
-            </a:r>
-            <a:endParaRPr lang="en-US">
-              <a:solidFill>
-                <a:schemeClr val="bg1"/>
-              </a:solidFill>
-              <a:latin typeface="Comic Sans MS" panose="030F0702030302020204" charset="0"/>
-              <a:cs typeface="Comic Sans MS" panose="030F0702030302020204" charset="0"/>
-            </a:endParaRPr>
-          </a:p>
-          <a:p>
-            <a:pPr>
-              <a:lnSpc>
-                <a:spcPct val="100000"/>
-              </a:lnSpc>
-              <a:buFont typeface="Arial" panose="020B0604020202020204" pitchFamily="34" charset="0"/>
-              <a:buChar char="•"/>
-            </a:pPr>
-            <a:r>
-              <a:rPr lang="en-IN" altLang="en-US">
-                <a:solidFill>
-                  <a:schemeClr val="bg1"/>
-                </a:solidFill>
-                <a:latin typeface="Comic Sans MS" panose="030F0702030302020204" charset="0"/>
-                <a:cs typeface="Comic Sans MS" panose="030F0702030302020204" charset="0"/>
-                <a:sym typeface="+mn-ea"/>
-              </a:rPr>
-              <a:t>D</a:t>
-            </a:r>
-            <a:r>
-              <a:rPr lang="en-IN" altLang="en-US" i="1">
-                <a:solidFill>
-                  <a:schemeClr val="bg1"/>
-                </a:solidFill>
-                <a:latin typeface="Comic Sans MS" panose="030F0702030302020204" charset="0"/>
-                <a:cs typeface="Comic Sans MS" panose="030F0702030302020204" charset="0"/>
-              </a:rPr>
-              <a:t>ata Link </a:t>
-            </a:r>
-            <a:r>
-              <a:rPr lang="en-US" i="1">
-                <a:solidFill>
-                  <a:schemeClr val="bg1"/>
-                </a:solidFill>
-                <a:latin typeface="Comic Sans MS" panose="030F0702030302020204" charset="0"/>
-                <a:cs typeface="Comic Sans MS" panose="030F0702030302020204" charset="0"/>
-              </a:rPr>
-              <a:t>:</a:t>
-            </a:r>
-            <a:r>
-              <a:rPr lang="en-US">
-                <a:solidFill>
-                  <a:schemeClr val="bg1"/>
-                </a:solidFill>
-                <a:latin typeface="Comic Sans MS" panose="030F0702030302020204" charset="0"/>
-                <a:cs typeface="Comic Sans MS" panose="030F0702030302020204" charset="0"/>
-              </a:rPr>
-              <a:t> </a:t>
-            </a:r>
-            <a:r>
-              <a:rPr lang="en-IN" sz="1800">
-                <a:solidFill>
-                  <a:schemeClr val="bg1"/>
-                </a:solidFill>
-                <a:latin typeface="Comic Sans MS" panose="030F0702030302020204" charset="0"/>
-                <a:cs typeface="Comic Sans MS" panose="030F0702030302020204" charset="0"/>
-              </a:rPr>
-              <a:t>Connecting to REST Service using axios &amp; storing the information in optimize</a:t>
-            </a:r>
-            <a:r>
-              <a:rPr lang="en-US" sz="1800">
-                <a:solidFill>
-                  <a:schemeClr val="bg1"/>
-                </a:solidFill>
-                <a:latin typeface="Comic Sans MS" panose="030F0702030302020204" charset="0"/>
-                <a:cs typeface="Comic Sans MS" panose="030F0702030302020204" charset="0"/>
-                <a:sym typeface="+mn-ea"/>
-              </a:rPr>
-              <a:t>d</a:t>
-            </a:r>
-            <a:r>
-              <a:rPr lang="en-IN" sz="1800">
-                <a:solidFill>
-                  <a:schemeClr val="bg1"/>
-                </a:solidFill>
-                <a:latin typeface="Comic Sans MS" panose="030F0702030302020204" charset="0"/>
-                <a:cs typeface="Comic Sans MS" panose="030F0702030302020204" charset="0"/>
-              </a:rPr>
-              <a:t> manner</a:t>
-            </a:r>
-            <a:endParaRPr lang="en-US" sz="1800">
-              <a:solidFill>
-                <a:schemeClr val="bg1"/>
-              </a:solidFill>
-              <a:latin typeface="Comic Sans MS" panose="030F0702030302020204" charset="0"/>
-              <a:cs typeface="Comic Sans MS" panose="030F0702030302020204" charset="0"/>
-            </a:endParaRPr>
-          </a:p>
-          <a:p>
-            <a:pPr>
-              <a:lnSpc>
-                <a:spcPct val="100000"/>
-              </a:lnSpc>
-              <a:buFont typeface="Arial" panose="020B0604020202020204" pitchFamily="34" charset="0"/>
-              <a:buChar char="•"/>
-            </a:pPr>
-            <a:r>
-              <a:rPr lang="en-IN" i="1">
-                <a:solidFill>
-                  <a:schemeClr val="bg1"/>
-                </a:solidFill>
-                <a:latin typeface="Comic Sans MS" panose="030F0702030302020204" charset="0"/>
-                <a:cs typeface="Comic Sans MS" panose="030F0702030302020204" charset="0"/>
-              </a:rPr>
-              <a:t>Resolving </a:t>
-            </a:r>
-            <a:br>
-              <a:rPr lang="en-IN" i="1">
-                <a:solidFill>
-                  <a:schemeClr val="bg1"/>
-                </a:solidFill>
-                <a:latin typeface="Comic Sans MS" panose="030F0702030302020204" charset="0"/>
-                <a:cs typeface="Comic Sans MS" panose="030F0702030302020204" charset="0"/>
-              </a:rPr>
-            </a:br>
-            <a:r>
-              <a:rPr lang="en-IN" i="1">
-                <a:solidFill>
-                  <a:schemeClr val="bg1"/>
-                </a:solidFill>
-                <a:latin typeface="Comic Sans MS" panose="030F0702030302020204" charset="0"/>
-                <a:cs typeface="Comic Sans MS" panose="030F0702030302020204" charset="0"/>
-              </a:rPr>
-              <a:t>Prop-</a:t>
-            </a:r>
-            <a:r>
-              <a:rPr lang="en-US">
-                <a:solidFill>
-                  <a:schemeClr val="bg1"/>
-                </a:solidFill>
-                <a:latin typeface="Comic Sans MS" panose="030F0702030302020204" charset="0"/>
-                <a:cs typeface="Comic Sans MS" panose="030F0702030302020204" charset="0"/>
-                <a:sym typeface="+mn-ea"/>
-              </a:rPr>
-              <a:t>D</a:t>
-            </a:r>
-            <a:r>
-              <a:rPr lang="en-IN" i="1">
-                <a:solidFill>
-                  <a:schemeClr val="bg1"/>
-                </a:solidFill>
-                <a:latin typeface="Comic Sans MS" panose="030F0702030302020204" charset="0"/>
-                <a:cs typeface="Comic Sans MS" panose="030F0702030302020204" charset="0"/>
-              </a:rPr>
-              <a:t>rilling </a:t>
-            </a:r>
-            <a:r>
-              <a:rPr lang="en-US" i="1">
-                <a:solidFill>
-                  <a:schemeClr val="bg1"/>
-                </a:solidFill>
-                <a:latin typeface="Comic Sans MS" panose="030F0702030302020204" charset="0"/>
-                <a:cs typeface="Comic Sans MS" panose="030F0702030302020204" charset="0"/>
-              </a:rPr>
-              <a:t>:</a:t>
-            </a:r>
-            <a:r>
-              <a:rPr lang="en-US">
-                <a:solidFill>
-                  <a:schemeClr val="bg1"/>
-                </a:solidFill>
-                <a:latin typeface="Comic Sans MS" panose="030F0702030302020204" charset="0"/>
-                <a:cs typeface="Comic Sans MS" panose="030F0702030302020204" charset="0"/>
-              </a:rPr>
-              <a:t> </a:t>
-            </a:r>
-            <a:r>
-              <a:rPr lang="en-IN" sz="1800">
-                <a:solidFill>
-                  <a:schemeClr val="bg1"/>
-                </a:solidFill>
-                <a:latin typeface="Comic Sans MS" panose="030F0702030302020204" charset="0"/>
-                <a:cs typeface="Comic Sans MS" panose="030F0702030302020204" charset="0"/>
-              </a:rPr>
-              <a:t>Making the states global using Context-Api &amp; passing to its chil</a:t>
-            </a:r>
-            <a:r>
-              <a:rPr lang="en-US" sz="1800">
-                <a:solidFill>
-                  <a:schemeClr val="bg1"/>
-                </a:solidFill>
-                <a:latin typeface="Comic Sans MS" panose="030F0702030302020204" charset="0"/>
-                <a:cs typeface="Comic Sans MS" panose="030F0702030302020204" charset="0"/>
-                <a:sym typeface="+mn-ea"/>
-              </a:rPr>
-              <a:t>d</a:t>
-            </a:r>
-            <a:r>
-              <a:rPr lang="en-IN" sz="1800">
-                <a:solidFill>
-                  <a:schemeClr val="bg1"/>
-                </a:solidFill>
-                <a:latin typeface="Comic Sans MS" panose="030F0702030302020204" charset="0"/>
-                <a:cs typeface="Comic Sans MS" panose="030F0702030302020204" charset="0"/>
-              </a:rPr>
-              <a:t>ren</a:t>
-            </a:r>
-            <a:br>
-              <a:rPr lang="en-IN" sz="1800">
-                <a:solidFill>
-                  <a:schemeClr val="bg1"/>
-                </a:solidFill>
-                <a:latin typeface="Comic Sans MS" panose="030F0702030302020204" charset="0"/>
-                <a:cs typeface="Comic Sans MS" panose="030F0702030302020204" charset="0"/>
-              </a:rPr>
-            </a:br>
-            <a:endParaRPr lang="en-US" sz="1800">
-              <a:solidFill>
-                <a:schemeClr val="bg1"/>
-              </a:solidFill>
-              <a:latin typeface="Comic Sans MS" panose="030F0702030302020204" charset="0"/>
-              <a:cs typeface="Comic Sans MS" panose="030F0702030302020204" charset="0"/>
-            </a:endParaRPr>
-          </a:p>
-          <a:p>
-            <a:pPr>
-              <a:lnSpc>
-                <a:spcPct val="100000"/>
-              </a:lnSpc>
-              <a:buFont typeface="Arial" panose="020B0604020202020204" pitchFamily="34" charset="0"/>
-              <a:buChar char="•"/>
-            </a:pPr>
-            <a:r>
-              <a:rPr lang="en-IN" altLang="en-US" i="1">
-                <a:solidFill>
-                  <a:schemeClr val="bg1"/>
-                </a:solidFill>
-                <a:latin typeface="Comic Sans MS" panose="030F0702030302020204" charset="0"/>
-                <a:cs typeface="Comic Sans MS" panose="030F0702030302020204" charset="0"/>
-              </a:rPr>
-              <a:t>Using Component</a:t>
-            </a:r>
-            <a:br>
-              <a:rPr lang="en-IN" altLang="en-US" i="1">
-                <a:solidFill>
-                  <a:schemeClr val="bg1"/>
-                </a:solidFill>
-                <a:latin typeface="Comic Sans MS" panose="030F0702030302020204" charset="0"/>
-                <a:cs typeface="Comic Sans MS" panose="030F0702030302020204" charset="0"/>
-              </a:rPr>
-            </a:br>
-            <a:r>
-              <a:rPr lang="en-IN" altLang="en-US" i="1">
-                <a:solidFill>
-                  <a:schemeClr val="bg1"/>
-                </a:solidFill>
-                <a:latin typeface="Comic Sans MS" panose="030F0702030302020204" charset="0"/>
-                <a:cs typeface="Comic Sans MS" panose="030F0702030302020204" charset="0"/>
-              </a:rPr>
-              <a:t>LifeCycle </a:t>
-            </a:r>
-            <a:r>
-              <a:rPr lang="en-US" i="1">
-                <a:solidFill>
-                  <a:schemeClr val="bg1"/>
-                </a:solidFill>
-                <a:latin typeface="Comic Sans MS" panose="030F0702030302020204" charset="0"/>
-                <a:cs typeface="Comic Sans MS" panose="030F0702030302020204" charset="0"/>
-              </a:rPr>
-              <a:t>:</a:t>
-            </a:r>
-            <a:r>
-              <a:rPr lang="en-US">
-                <a:solidFill>
-                  <a:schemeClr val="bg1"/>
-                </a:solidFill>
-                <a:latin typeface="Comic Sans MS" panose="030F0702030302020204" charset="0"/>
-                <a:cs typeface="Comic Sans MS" panose="030F0702030302020204" charset="0"/>
-              </a:rPr>
-              <a:t> </a:t>
-            </a:r>
-            <a:r>
-              <a:rPr lang="en-IN" altLang="en-US" sz="1800">
-                <a:solidFill>
-                  <a:schemeClr val="bg1"/>
-                </a:solidFill>
-                <a:latin typeface="Comic Sans MS" panose="030F0702030302020204" charset="0"/>
-                <a:cs typeface="Comic Sans MS" panose="030F0702030302020204" charset="0"/>
-              </a:rPr>
-              <a:t>useEffect() has been use</a:t>
-            </a:r>
-            <a:r>
-              <a:rPr lang="en-US" sz="1800">
-                <a:solidFill>
-                  <a:schemeClr val="bg1"/>
-                </a:solidFill>
-                <a:latin typeface="Comic Sans MS" panose="030F0702030302020204" charset="0"/>
-                <a:cs typeface="Comic Sans MS" panose="030F0702030302020204" charset="0"/>
-                <a:sym typeface="+mn-ea"/>
-              </a:rPr>
-              <a:t>d</a:t>
-            </a:r>
-            <a:r>
-              <a:rPr lang="en-IN" altLang="en-US" sz="1800">
-                <a:solidFill>
-                  <a:schemeClr val="bg1"/>
-                </a:solidFill>
-                <a:latin typeface="Comic Sans MS" panose="030F0702030302020204" charset="0"/>
-                <a:cs typeface="Comic Sans MS" panose="030F0702030302020204" charset="0"/>
-              </a:rPr>
-              <a:t> to </a:t>
-            </a:r>
-            <a:r>
-              <a:rPr lang="en-US" sz="1800">
-                <a:solidFill>
-                  <a:schemeClr val="bg1"/>
-                </a:solidFill>
-                <a:latin typeface="Comic Sans MS" panose="030F0702030302020204" charset="0"/>
-                <a:cs typeface="Comic Sans MS" panose="030F0702030302020204" charset="0"/>
-                <a:sym typeface="+mn-ea"/>
-              </a:rPr>
-              <a:t>d</a:t>
-            </a:r>
-            <a:r>
-              <a:rPr lang="en-IN" altLang="en-US" sz="1800">
-                <a:solidFill>
-                  <a:schemeClr val="bg1"/>
-                </a:solidFill>
-                <a:latin typeface="Comic Sans MS" panose="030F0702030302020204" charset="0"/>
-                <a:cs typeface="Comic Sans MS" panose="030F0702030302020204" charset="0"/>
-              </a:rPr>
-              <a:t>etect &amp; ren</a:t>
-            </a:r>
-            <a:r>
-              <a:rPr lang="en-US" sz="1800">
-                <a:solidFill>
-                  <a:schemeClr val="bg1"/>
-                </a:solidFill>
-                <a:latin typeface="Comic Sans MS" panose="030F0702030302020204" charset="0"/>
-                <a:cs typeface="Comic Sans MS" panose="030F0702030302020204" charset="0"/>
-                <a:sym typeface="+mn-ea"/>
-              </a:rPr>
-              <a:t>d</a:t>
-            </a:r>
-            <a:r>
-              <a:rPr lang="en-IN" altLang="en-US" sz="1800">
-                <a:solidFill>
-                  <a:schemeClr val="bg1"/>
-                </a:solidFill>
-                <a:latin typeface="Comic Sans MS" panose="030F0702030302020204" charset="0"/>
-                <a:cs typeface="Comic Sans MS" panose="030F0702030302020204" charset="0"/>
-              </a:rPr>
-              <a:t>er the changes on the Web-App</a:t>
-            </a:r>
-            <a:br>
-              <a:rPr lang="en-IN" altLang="en-US" sz="1800">
-                <a:solidFill>
-                  <a:schemeClr val="bg1"/>
-                </a:solidFill>
-                <a:latin typeface="Comic Sans MS" panose="030F0702030302020204" charset="0"/>
-                <a:cs typeface="Comic Sans MS" panose="030F0702030302020204" charset="0"/>
-              </a:rPr>
-            </a:br>
-            <a:endParaRPr lang="en-US" sz="1800">
-              <a:solidFill>
-                <a:schemeClr val="bg1"/>
-              </a:solidFill>
-              <a:latin typeface="Comic Sans MS" panose="030F0702030302020204" charset="0"/>
-              <a:cs typeface="Comic Sans MS" panose="030F0702030302020204" charset="0"/>
-            </a:endParaRPr>
-          </a:p>
-          <a:p>
-            <a:pPr>
-              <a:lnSpc>
-                <a:spcPct val="100000"/>
-              </a:lnSpc>
-              <a:buFont typeface="Arial" panose="020B0604020202020204" pitchFamily="34" charset="0"/>
-              <a:buChar char="•"/>
-            </a:pPr>
-            <a:r>
-              <a:rPr lang="en-IN" altLang="en-US" i="1">
-                <a:solidFill>
-                  <a:schemeClr val="bg1"/>
-                </a:solidFill>
-                <a:latin typeface="Comic Sans MS" panose="030F0702030302020204" charset="0"/>
-                <a:cs typeface="Comic Sans MS" panose="030F0702030302020204" charset="0"/>
-              </a:rPr>
-              <a:t>Testing &amp;</a:t>
-            </a:r>
-            <a:br>
-              <a:rPr lang="en-IN" altLang="en-US" i="1">
-                <a:solidFill>
-                  <a:schemeClr val="bg1"/>
-                </a:solidFill>
-                <a:latin typeface="Comic Sans MS" panose="030F0702030302020204" charset="0"/>
-                <a:cs typeface="Comic Sans MS" panose="030F0702030302020204" charset="0"/>
-              </a:rPr>
-            </a:br>
-            <a:r>
-              <a:rPr lang="en-IN" altLang="en-US">
-                <a:solidFill>
-                  <a:schemeClr val="bg1"/>
-                </a:solidFill>
-                <a:latin typeface="Comic Sans MS" panose="030F0702030302020204" charset="0"/>
-                <a:cs typeface="Comic Sans MS" panose="030F0702030302020204" charset="0"/>
-                <a:sym typeface="+mn-ea"/>
-              </a:rPr>
-              <a:t>D</a:t>
-            </a:r>
-            <a:r>
-              <a:rPr lang="en-IN" altLang="en-US" i="1">
-                <a:solidFill>
-                  <a:schemeClr val="bg1"/>
-                </a:solidFill>
-                <a:latin typeface="Comic Sans MS" panose="030F0702030302020204" charset="0"/>
-                <a:cs typeface="Comic Sans MS" panose="030F0702030302020204" charset="0"/>
-              </a:rPr>
-              <a:t>eployment </a:t>
-            </a:r>
-            <a:r>
-              <a:rPr lang="en-US" i="1">
-                <a:solidFill>
-                  <a:schemeClr val="bg1"/>
-                </a:solidFill>
-                <a:latin typeface="Comic Sans MS" panose="030F0702030302020204" charset="0"/>
-                <a:cs typeface="Comic Sans MS" panose="030F0702030302020204" charset="0"/>
-              </a:rPr>
-              <a:t>:</a:t>
-            </a:r>
-            <a:r>
-              <a:rPr lang="en-US">
-                <a:solidFill>
-                  <a:schemeClr val="bg1"/>
-                </a:solidFill>
-                <a:latin typeface="Comic Sans MS" panose="030F0702030302020204" charset="0"/>
-                <a:cs typeface="Comic Sans MS" panose="030F0702030302020204" charset="0"/>
-              </a:rPr>
-              <a:t> </a:t>
-            </a:r>
-            <a:r>
-              <a:rPr lang="en-IN" altLang="en-US" sz="1800">
-                <a:solidFill>
-                  <a:schemeClr val="bg1"/>
-                </a:solidFill>
-                <a:latin typeface="Comic Sans MS" panose="030F0702030302020204" charset="0"/>
-                <a:cs typeface="Comic Sans MS" panose="030F0702030302020204" charset="0"/>
-              </a:rPr>
-              <a:t>React co</a:t>
-            </a:r>
-            <a:r>
-              <a:rPr lang="en-US" sz="1800">
-                <a:solidFill>
-                  <a:schemeClr val="bg1"/>
-                </a:solidFill>
-                <a:latin typeface="Comic Sans MS" panose="030F0702030302020204" charset="0"/>
-                <a:cs typeface="Comic Sans MS" panose="030F0702030302020204" charset="0"/>
-                <a:sym typeface="+mn-ea"/>
-              </a:rPr>
-              <a:t>d</a:t>
-            </a:r>
-            <a:r>
-              <a:rPr lang="en-IN" altLang="en-US" sz="1800">
-                <a:solidFill>
-                  <a:schemeClr val="bg1"/>
-                </a:solidFill>
-                <a:latin typeface="Comic Sans MS" panose="030F0702030302020204" charset="0"/>
-                <a:cs typeface="Comic Sans MS" panose="030F0702030302020204" charset="0"/>
-              </a:rPr>
-              <a:t>e was teste</a:t>
-            </a:r>
-            <a:r>
-              <a:rPr lang="en-US" sz="1800">
-                <a:solidFill>
-                  <a:schemeClr val="bg1"/>
-                </a:solidFill>
-                <a:latin typeface="Comic Sans MS" panose="030F0702030302020204" charset="0"/>
-                <a:cs typeface="Comic Sans MS" panose="030F0702030302020204" charset="0"/>
-                <a:sym typeface="+mn-ea"/>
-              </a:rPr>
-              <a:t>d</a:t>
-            </a:r>
-            <a:r>
-              <a:rPr lang="en-IN" altLang="en-US" sz="1800">
-                <a:solidFill>
-                  <a:schemeClr val="bg1"/>
-                </a:solidFill>
-                <a:latin typeface="Comic Sans MS" panose="030F0702030302020204" charset="0"/>
-                <a:cs typeface="Comic Sans MS" panose="030F0702030302020204" charset="0"/>
-              </a:rPr>
-              <a:t> using JEST &amp; </a:t>
-            </a:r>
-            <a:r>
-              <a:rPr lang="en-US" sz="1800">
-                <a:solidFill>
-                  <a:schemeClr val="bg1"/>
-                </a:solidFill>
-                <a:latin typeface="Comic Sans MS" panose="030F0702030302020204" charset="0"/>
-                <a:cs typeface="Comic Sans MS" panose="030F0702030302020204" charset="0"/>
-                <a:sym typeface="+mn-ea"/>
-              </a:rPr>
-              <a:t>d</a:t>
-            </a:r>
-            <a:r>
-              <a:rPr lang="en-IN" altLang="en-US" sz="1800">
-                <a:solidFill>
-                  <a:schemeClr val="bg1"/>
-                </a:solidFill>
-                <a:latin typeface="Comic Sans MS" panose="030F0702030302020204" charset="0"/>
-                <a:cs typeface="Comic Sans MS" panose="030F0702030302020204" charset="0"/>
-              </a:rPr>
-              <a:t>eploye</a:t>
-            </a:r>
-            <a:r>
-              <a:rPr lang="en-US" sz="1800">
-                <a:solidFill>
-                  <a:schemeClr val="bg1"/>
-                </a:solidFill>
-                <a:latin typeface="Comic Sans MS" panose="030F0702030302020204" charset="0"/>
-                <a:cs typeface="Comic Sans MS" panose="030F0702030302020204" charset="0"/>
-                <a:sym typeface="+mn-ea"/>
-              </a:rPr>
-              <a:t>d</a:t>
-            </a:r>
-            <a:r>
-              <a:rPr lang="en-IN" altLang="en-US" sz="1800">
-                <a:solidFill>
-                  <a:schemeClr val="bg1"/>
-                </a:solidFill>
-                <a:latin typeface="Comic Sans MS" panose="030F0702030302020204" charset="0"/>
-                <a:cs typeface="Comic Sans MS" panose="030F0702030302020204" charset="0"/>
-              </a:rPr>
-              <a:t> on Netlify using Github pipelining </a:t>
-            </a:r>
-            <a:endParaRPr lang="en-IN" altLang="en-US" sz="1800">
-              <a:solidFill>
-                <a:schemeClr val="bg1"/>
-              </a:solidFill>
-              <a:latin typeface="Comic Sans MS" panose="030F0702030302020204" charset="0"/>
-              <a:cs typeface="Comic Sans MS" panose="030F0702030302020204" charset="0"/>
-            </a:endParaRPr>
-          </a:p>
-        </p:txBody>
-      </p:sp>
     </p:spTree>
   </p:cSld>
   <p:clrMapOvr>
@@ -5506,14 +5118,32 @@
       <p:grpSpPr/>
       <p:sp>
         <p:nvSpPr>
-          <p:cNvPr id="5" name="Rectangle 4"/>
+          <p:cNvPr id="21" name="Title 20"/>
+          <p:cNvSpPr>
+            <a:spLocks noGrp="1"/>
+          </p:cNvSpPr>
+          <p:nvPr>
+            <p:ph type="title"/>
+          </p:nvPr>
+        </p:nvSpPr>
+        <p:spPr/>
+        <p:txBody>
+          <a:bodyPr/>
+          <a:p>
+            <a:endParaRPr lang="en-US"/>
+          </a:p>
+        </p:txBody>
+      </p:sp>
+      <p:sp>
+        <p:nvSpPr>
+          <p:cNvPr id="6" name="Rectangle 4"/>
           <p:cNvSpPr/>
           <p:nvPr/>
         </p:nvSpPr>
         <p:spPr>
           <a:xfrm>
             <a:off x="0" y="0"/>
-            <a:ext cx="12192000" cy="6858000"/>
+            <a:ext cx="12265660" cy="6858000"/>
           </a:xfrm>
           <a:prstGeom prst="rect">
             <a:avLst/>
@@ -5551,11 +5181,13 @@
       </p:sp>
       <p:pic>
         <p:nvPicPr>
-          <p:cNvPr id="7" name="Picture 6" descr="A picture containing animal, reptile&#10;&#10;Description automatically generated"/>
+          <p:cNvPr id="7" name="Content Placeholder 6" descr="A picture containing animal, reptile&#10;&#10;Description automatically generated"/>
           <p:cNvPicPr>
             <a:picLocks noChangeAspect="1"/>
           </p:cNvPicPr>
-          <p:nvPr/>
+          <p:nvPr>
+            <p:ph sz="half" idx="1"/>
+          </p:nvPr>
         </p:nvPicPr>
         <p:blipFill rotWithShape="1">
           <a:blip r:embed="rId1">
@@ -5573,8 +5205,8 @@
         </p:blipFill>
         <p:spPr>
           <a:xfrm>
-            <a:off x="184785" y="2726690"/>
-            <a:ext cx="12192000" cy="5358765"/>
+            <a:off x="-64135" y="2169795"/>
+            <a:ext cx="11652885" cy="4598670"/>
           </a:xfrm>
           <a:prstGeom prst="rect">
             <a:avLst/>
@@ -5583,14 +5215,14 @@
       </p:pic>
       <p:sp>
         <p:nvSpPr>
-          <p:cNvPr id="9" name="Text Box 8"/>
+          <p:cNvPr id="22" name="Text Box 21"/>
           <p:cNvSpPr txBox="1"/>
           <p:nvPr/>
         </p:nvSpPr>
         <p:spPr>
           <a:xfrm>
-            <a:off x="537210" y="1333500"/>
-            <a:ext cx="7535545" cy="5384800"/>
+            <a:off x="238125" y="457200"/>
+            <a:ext cx="11566525" cy="829945"/>
           </a:xfrm>
           <a:prstGeom prst="rect">
             <a:avLst/>
@@ -5603,100 +5235,17 @@
           </a:bodyPr>
           <a:p>
             <a:r>
-              <a:rPr lang="en-IN" altLang="en-US" sz="2400">
-                <a:solidFill>
-                  <a:schemeClr val="bg1"/>
-                </a:solidFill>
-                <a:latin typeface="Comic Sans MS" panose="030F0702030302020204" charset="0"/>
-                <a:cs typeface="Comic Sans MS" panose="030F0702030302020204" charset="0"/>
-              </a:rPr>
-              <a:t>Firstly the Web-App is connecte</a:t>
-            </a:r>
-            <a:r>
-              <a:rPr lang="en-US" sz="2400">
-                <a:solidFill>
-                  <a:schemeClr val="bg1"/>
-                </a:solidFill>
-                <a:latin typeface="Comic Sans MS" panose="030F0702030302020204" charset="0"/>
-                <a:cs typeface="Comic Sans MS" panose="030F0702030302020204" charset="0"/>
-                <a:sym typeface="+mn-ea"/>
-              </a:rPr>
-              <a:t>d</a:t>
-            </a:r>
-            <a:r>
-              <a:rPr lang="en-IN" altLang="en-US" sz="2400">
-                <a:solidFill>
-                  <a:schemeClr val="bg1"/>
-                </a:solidFill>
-                <a:latin typeface="Comic Sans MS" panose="030F0702030302020204" charset="0"/>
-                <a:cs typeface="Comic Sans MS" panose="030F0702030302020204" charset="0"/>
-              </a:rPr>
-              <a:t> to REST Service using “Axios” &amp; the </a:t>
-            </a:r>
-            <a:r>
-              <a:rPr lang="en-US" sz="2400">
-                <a:solidFill>
-                  <a:schemeClr val="bg1"/>
-                </a:solidFill>
-                <a:latin typeface="Comic Sans MS" panose="030F0702030302020204" charset="0"/>
-                <a:cs typeface="Comic Sans MS" panose="030F0702030302020204" charset="0"/>
-                <a:sym typeface="+mn-ea"/>
-              </a:rPr>
-              <a:t>d</a:t>
-            </a:r>
-            <a:r>
-              <a:rPr lang="en-IN" altLang="en-US" sz="2400">
-                <a:solidFill>
-                  <a:schemeClr val="bg1"/>
-                </a:solidFill>
-                <a:latin typeface="Comic Sans MS" panose="030F0702030302020204" charset="0"/>
-                <a:cs typeface="Comic Sans MS" panose="030F0702030302020204" charset="0"/>
-              </a:rPr>
-              <a:t>ata is fetche</a:t>
-            </a:r>
-            <a:r>
-              <a:rPr lang="en-US" sz="2400">
-                <a:solidFill>
-                  <a:schemeClr val="bg1"/>
-                </a:solidFill>
-                <a:latin typeface="Comic Sans MS" panose="030F0702030302020204" charset="0"/>
-                <a:cs typeface="Comic Sans MS" panose="030F0702030302020204" charset="0"/>
-                <a:sym typeface="+mn-ea"/>
-              </a:rPr>
-              <a:t>d</a:t>
-            </a:r>
-            <a:r>
-              <a:rPr lang="en-IN" altLang="en-US" sz="2400">
-                <a:solidFill>
-                  <a:schemeClr val="bg1"/>
-                </a:solidFill>
-                <a:latin typeface="Comic Sans MS" panose="030F0702030302020204" charset="0"/>
-                <a:cs typeface="Comic Sans MS" panose="030F0702030302020204" charset="0"/>
-              </a:rPr>
-              <a:t> store</a:t>
-            </a:r>
-            <a:r>
-              <a:rPr lang="en-US" sz="2400">
-                <a:solidFill>
-                  <a:schemeClr val="bg1"/>
-                </a:solidFill>
-                <a:latin typeface="Comic Sans MS" panose="030F0702030302020204" charset="0"/>
-                <a:cs typeface="Comic Sans MS" panose="030F0702030302020204" charset="0"/>
-                <a:sym typeface="+mn-ea"/>
-              </a:rPr>
-              <a:t>d</a:t>
-            </a:r>
-            <a:r>
-              <a:rPr lang="en-IN" altLang="en-US" sz="2400">
-                <a:solidFill>
-                  <a:schemeClr val="bg1"/>
-                </a:solidFill>
-                <a:latin typeface="Comic Sans MS" panose="030F0702030302020204" charset="0"/>
-                <a:cs typeface="Comic Sans MS" panose="030F0702030302020204" charset="0"/>
-              </a:rPr>
-              <a:t> in states in optimize manner :</a:t>
-            </a:r>
-            <a:endParaRPr lang="en-IN" altLang="en-US" sz="2400">
+              <a:rPr lang="en-IN" altLang="en-US" sz="4800" b="1">
+                <a:solidFill>
+                  <a:schemeClr val="bg1"/>
+                </a:solidFill>
+                <a:latin typeface="Comic Sans MS" panose="030F0702030302020204" charset="0"/>
+                <a:cs typeface="Comic Sans MS" panose="030F0702030302020204" charset="0"/>
+                <a:sym typeface="+mn-ea"/>
+              </a:rPr>
+              <a:t>Steps</a:t>
+            </a:r>
+            <a:endParaRPr lang="en-US" sz="4800">
               <a:solidFill>
                 <a:schemeClr val="bg1"/>
               </a:solidFill>
@@ -5704,305 +5253,11 @@
               <a:cs typeface="Comic Sans MS" panose="030F0702030302020204" charset="0"/>
             </a:endParaRPr>
           </a:p>
-          <a:p>
-            <a:endParaRPr lang="en-IN" altLang="en-US" sz="2400">
-              <a:solidFill>
-                <a:schemeClr val="bg1"/>
-              </a:solidFill>
-              <a:latin typeface="Comic Sans MS" panose="030F0702030302020204" charset="0"/>
-              <a:cs typeface="Comic Sans MS" panose="030F0702030302020204" charset="0"/>
-            </a:endParaRPr>
-          </a:p>
-          <a:p>
-            <a:pPr marL="514350" indent="-514350">
-              <a:buAutoNum type="arabicPeriod"/>
-            </a:pPr>
-            <a:r>
-              <a:rPr lang="en-IN" altLang="en-US" sz="2800" b="1" i="1">
-                <a:solidFill>
-                  <a:schemeClr val="bg1"/>
-                </a:solidFill>
-                <a:latin typeface="Comic Sans MS" panose="030F0702030302020204" charset="0"/>
-                <a:cs typeface="Comic Sans MS" panose="030F0702030302020204" charset="0"/>
-              </a:rPr>
-              <a:t>Locations (GET) :</a:t>
-            </a:r>
-            <a:r>
-              <a:rPr lang="en-IN" altLang="en-US" sz="2400">
-                <a:solidFill>
-                  <a:schemeClr val="bg1"/>
-                </a:solidFill>
-                <a:latin typeface="Comic Sans MS" panose="030F0702030302020204" charset="0"/>
-                <a:cs typeface="Comic Sans MS" panose="030F0702030302020204" charset="0"/>
-              </a:rPr>
-              <a:t> it throws back the locations of the available areas in Bangalore. It’s store</a:t>
-            </a:r>
-            <a:r>
-              <a:rPr lang="en-US" sz="2400">
-                <a:solidFill>
-                  <a:schemeClr val="bg1"/>
-                </a:solidFill>
-                <a:latin typeface="Comic Sans MS" panose="030F0702030302020204" charset="0"/>
-                <a:cs typeface="Comic Sans MS" panose="030F0702030302020204" charset="0"/>
-                <a:sym typeface="+mn-ea"/>
-              </a:rPr>
-              <a:t>d</a:t>
-            </a:r>
-            <a:r>
-              <a:rPr lang="en-IN" altLang="en-US" sz="2400">
-                <a:solidFill>
-                  <a:schemeClr val="bg1"/>
-                </a:solidFill>
-                <a:latin typeface="Comic Sans MS" panose="030F0702030302020204" charset="0"/>
-                <a:cs typeface="Comic Sans MS" panose="030F0702030302020204" charset="0"/>
-              </a:rPr>
-              <a:t> in the Context for free access without the prop-</a:t>
-            </a:r>
-            <a:r>
-              <a:rPr lang="en-US" sz="2400">
-                <a:solidFill>
-                  <a:schemeClr val="bg1"/>
-                </a:solidFill>
-                <a:latin typeface="Comic Sans MS" panose="030F0702030302020204" charset="0"/>
-                <a:cs typeface="Comic Sans MS" panose="030F0702030302020204" charset="0"/>
-                <a:sym typeface="+mn-ea"/>
-              </a:rPr>
-              <a:t>d</a:t>
-            </a:r>
-            <a:r>
-              <a:rPr lang="en-IN" altLang="en-US" sz="2400">
-                <a:solidFill>
-                  <a:schemeClr val="bg1"/>
-                </a:solidFill>
-                <a:latin typeface="Comic Sans MS" panose="030F0702030302020204" charset="0"/>
-                <a:cs typeface="Comic Sans MS" panose="030F0702030302020204" charset="0"/>
-              </a:rPr>
-              <a:t>rilling</a:t>
-            </a:r>
-            <a:br>
-              <a:rPr lang="en-IN" altLang="en-US" sz="2400">
-                <a:solidFill>
-                  <a:schemeClr val="bg1"/>
-                </a:solidFill>
-                <a:latin typeface="Comic Sans MS" panose="030F0702030302020204" charset="0"/>
-                <a:cs typeface="Comic Sans MS" panose="030F0702030302020204" charset="0"/>
-              </a:rPr>
-            </a:br>
-            <a:endParaRPr lang="en-IN" altLang="en-US" sz="2400">
-              <a:solidFill>
-                <a:schemeClr val="bg1"/>
-              </a:solidFill>
-              <a:latin typeface="Comic Sans MS" panose="030F0702030302020204" charset="0"/>
-              <a:cs typeface="Comic Sans MS" panose="030F0702030302020204" charset="0"/>
-            </a:endParaRPr>
-          </a:p>
-          <a:p>
-            <a:pPr marL="514350" indent="-514350">
-              <a:buAutoNum type="arabicPeriod"/>
-            </a:pPr>
-            <a:r>
-              <a:rPr lang="en-IN" altLang="en-US" sz="2800" b="1" i="1">
-                <a:solidFill>
-                  <a:schemeClr val="bg1"/>
-                </a:solidFill>
-                <a:latin typeface="Comic Sans MS" panose="030F0702030302020204" charset="0"/>
-                <a:cs typeface="Comic Sans MS" panose="030F0702030302020204" charset="0"/>
-              </a:rPr>
-              <a:t>Price Pre</a:t>
-            </a:r>
-            <a:r>
-              <a:rPr lang="en-US" sz="2800" b="1" i="1">
-                <a:solidFill>
-                  <a:schemeClr val="bg1"/>
-                </a:solidFill>
-                <a:latin typeface="Comic Sans MS" panose="030F0702030302020204" charset="0"/>
-                <a:cs typeface="Comic Sans MS" panose="030F0702030302020204" charset="0"/>
-                <a:sym typeface="+mn-ea"/>
-              </a:rPr>
-              <a:t>d</a:t>
-            </a:r>
-            <a:r>
-              <a:rPr lang="en-IN" altLang="en-US" sz="2800" b="1" i="1">
-                <a:solidFill>
-                  <a:schemeClr val="bg1"/>
-                </a:solidFill>
-                <a:latin typeface="Comic Sans MS" panose="030F0702030302020204" charset="0"/>
-                <a:cs typeface="Comic Sans MS" panose="030F0702030302020204" charset="0"/>
-              </a:rPr>
-              <a:t>iction (POST) :</a:t>
-            </a:r>
-            <a:r>
-              <a:rPr lang="en-IN" altLang="en-US" sz="2400">
-                <a:solidFill>
-                  <a:schemeClr val="bg1"/>
-                </a:solidFill>
-                <a:latin typeface="Comic Sans MS" panose="030F0702030302020204" charset="0"/>
-                <a:cs typeface="Comic Sans MS" panose="030F0702030302020204" charset="0"/>
-              </a:rPr>
-              <a:t> it respon</a:t>
-            </a:r>
-            <a:r>
-              <a:rPr lang="en-US" sz="2400">
-                <a:solidFill>
-                  <a:schemeClr val="bg1"/>
-                </a:solidFill>
-                <a:latin typeface="Comic Sans MS" panose="030F0702030302020204" charset="0"/>
-                <a:cs typeface="Comic Sans MS" panose="030F0702030302020204" charset="0"/>
-                <a:sym typeface="+mn-ea"/>
-              </a:rPr>
-              <a:t>d</a:t>
-            </a:r>
-            <a:r>
-              <a:rPr lang="en-IN" altLang="en-US" sz="2400">
-                <a:solidFill>
-                  <a:schemeClr val="bg1"/>
-                </a:solidFill>
-                <a:latin typeface="Comic Sans MS" panose="030F0702030302020204" charset="0"/>
-                <a:cs typeface="Comic Sans MS" panose="030F0702030302020204" charset="0"/>
-              </a:rPr>
-              <a:t> in price in lakhs &amp; has require</a:t>
-            </a:r>
-            <a:r>
-              <a:rPr lang="en-US" sz="2400">
-                <a:solidFill>
-                  <a:schemeClr val="bg1"/>
-                </a:solidFill>
-                <a:latin typeface="Comic Sans MS" panose="030F0702030302020204" charset="0"/>
-                <a:cs typeface="Comic Sans MS" panose="030F0702030302020204" charset="0"/>
-                <a:sym typeface="+mn-ea"/>
-              </a:rPr>
-              <a:t>d</a:t>
-            </a:r>
-            <a:r>
-              <a:rPr lang="en-IN" altLang="en-US" sz="2400">
-                <a:solidFill>
-                  <a:schemeClr val="bg1"/>
-                </a:solidFill>
-                <a:latin typeface="Comic Sans MS" panose="030F0702030302020204" charset="0"/>
-                <a:cs typeface="Comic Sans MS" panose="030F0702030302020204" charset="0"/>
-              </a:rPr>
-              <a:t> parameters in its request such as the bhk, sqft, location, bath &amp; balcony. Its not global but a hook which is calle</a:t>
-            </a:r>
-            <a:r>
-              <a:rPr lang="en-US" sz="2400">
-                <a:solidFill>
-                  <a:schemeClr val="bg1"/>
-                </a:solidFill>
-                <a:latin typeface="Comic Sans MS" panose="030F0702030302020204" charset="0"/>
-                <a:cs typeface="Comic Sans MS" panose="030F0702030302020204" charset="0"/>
-                <a:sym typeface="+mn-ea"/>
-              </a:rPr>
-              <a:t>d</a:t>
-            </a:r>
-            <a:r>
-              <a:rPr lang="en-IN" altLang="en-US" sz="2400">
-                <a:solidFill>
-                  <a:schemeClr val="bg1"/>
-                </a:solidFill>
-                <a:latin typeface="Comic Sans MS" panose="030F0702030302020204" charset="0"/>
-                <a:cs typeface="Comic Sans MS" panose="030F0702030302020204" charset="0"/>
-              </a:rPr>
-              <a:t> when require</a:t>
-            </a:r>
-            <a:r>
-              <a:rPr lang="en-US" sz="2400">
-                <a:solidFill>
-                  <a:schemeClr val="bg1"/>
-                </a:solidFill>
-                <a:latin typeface="Comic Sans MS" panose="030F0702030302020204" charset="0"/>
-                <a:cs typeface="Comic Sans MS" panose="030F0702030302020204" charset="0"/>
-                <a:sym typeface="+mn-ea"/>
-              </a:rPr>
-              <a:t>d</a:t>
-            </a:r>
-            <a:endParaRPr lang="en-IN" altLang="en-US" sz="2400">
-              <a:solidFill>
-                <a:schemeClr val="bg1"/>
-              </a:solidFill>
-              <a:latin typeface="Comic Sans MS" panose="030F0702030302020204" charset="0"/>
-              <a:cs typeface="Comic Sans MS" panose="030F0702030302020204" charset="0"/>
-            </a:endParaRPr>
-          </a:p>
-        </p:txBody>
-      </p:sp>
-      <p:sp>
-        <p:nvSpPr>
-          <p:cNvPr id="3" name="Text Box 2"/>
-          <p:cNvSpPr txBox="1"/>
-          <p:nvPr/>
-        </p:nvSpPr>
-        <p:spPr>
-          <a:xfrm>
-            <a:off x="461010" y="375920"/>
-            <a:ext cx="7042785" cy="829945"/>
-          </a:xfrm>
-          <a:prstGeom prst="rect">
-            <a:avLst/>
-          </a:prstGeom>
-          <a:noFill/>
-        </p:spPr>
-        <p:txBody>
-          <a:bodyPr wrap="square" rtlCol="0">
-            <a:spAutoFit/>
-          </a:bodyPr>
-          <a:p>
-            <a:r>
-              <a:rPr lang="en-IN" altLang="en-US" sz="4800">
-                <a:solidFill>
-                  <a:schemeClr val="bg1"/>
-                </a:solidFill>
-                <a:latin typeface="Comic Sans MS" panose="030F0702030302020204" charset="0"/>
-                <a:cs typeface="Comic Sans MS" panose="030F0702030302020204" charset="0"/>
-                <a:sym typeface="+mn-ea"/>
-              </a:rPr>
-              <a:t>D</a:t>
-            </a:r>
-            <a:r>
-              <a:rPr lang="en-IN" altLang="en-US" sz="4800" i="1">
-                <a:solidFill>
-                  <a:schemeClr val="bg1"/>
-                </a:solidFill>
-                <a:latin typeface="Comic Sans MS" panose="030F0702030302020204" charset="0"/>
-                <a:cs typeface="Comic Sans MS" panose="030F0702030302020204" charset="0"/>
-                <a:sym typeface="+mn-ea"/>
-              </a:rPr>
-              <a:t>ata Link Layer</a:t>
-            </a:r>
-            <a:endParaRPr lang="en-IN" altLang="en-US" sz="4800">
-              <a:solidFill>
-                <a:schemeClr val="bg1"/>
-              </a:solidFill>
-            </a:endParaRPr>
-          </a:p>
-        </p:txBody>
-      </p:sp>
-      <p:pic>
-        <p:nvPicPr>
-          <p:cNvPr id="4" name="Picture 3" descr="layers"/>
-          <p:cNvPicPr>
-            <a:picLocks noChangeAspect="1"/>
-          </p:cNvPicPr>
-          <p:nvPr/>
-        </p:nvPicPr>
-        <p:blipFill>
-          <a:blip r:embed="rId2"/>
-          <a:stretch>
-            <a:fillRect/>
-          </a:stretch>
-        </p:blipFill>
-        <p:spPr>
-          <a:xfrm>
-            <a:off x="8072755" y="1712595"/>
-            <a:ext cx="3735705" cy="3735705"/>
-          </a:xfrm>
-          <a:prstGeom prst="rect">
-            <a:avLst/>
-          </a:prstGeom>
-        </p:spPr>
-      </p:pic>
-      <p:sp>
-        <p:nvSpPr>
-          <p:cNvPr id="6" name="Rectangle: Rounded Corners 16"/>
+        </p:txBody>
+      </p:sp>
+      <p:sp>
+        <p:nvSpPr>
+          <p:cNvPr id="17" name="Rectangle: Rounded Corners 16"/>
           <p:cNvSpPr/>
           <p:nvPr/>
         </p:nvSpPr>
@@ -6073,6 +5328,928 @@
           </a:p>
         </p:txBody>
       </p:sp>
+      <p:sp>
+        <p:nvSpPr>
+          <p:cNvPr id="3" name="Content Placeholder 2"/>
+          <p:cNvSpPr>
+            <a:spLocks noGrp="1"/>
+          </p:cNvSpPr>
+          <p:nvPr/>
+        </p:nvSpPr>
+        <p:spPr>
+          <a:xfrm>
+            <a:off x="0" y="1540510"/>
+            <a:ext cx="12265025" cy="5178425"/>
+          </a:xfrm>
+          <a:prstGeom prst="rect">
+            <a:avLst/>
+          </a:prstGeom>
+        </p:spPr>
+        <p:txBody>
+          <a:bodyPr vert="horz" lIns="91440" tIns="45720" rIns="91440" bIns="45720" rtlCol="0">
+            <a:normAutofit lnSpcReduction="20000"/>
+          </a:bodyPr>
+          <a:lstStyle>
+            <a:lvl1pPr marL="228600" indent="-228600" algn="l" defTabSz="914400" rtl="0" eaLnBrk="1" latinLnBrk="0" hangingPunct="1">
+              <a:lnSpc>
+                <a:spcPct val="90000"/>
+              </a:lnSpc>
+              <a:spcBef>
+                <a:spcPts val="1000"/>
+              </a:spcBef>
+              <a:buFont typeface="Arial" panose="020B0604020202020204" pitchFamily="34" charset="0"/>
+              <a:buChar char="•"/>
+              <a:defRPr sz="2800" kern="1200">
+                <a:solidFill>
+                  <a:schemeClr val="tx1"/>
+                </a:solidFill>
+                <a:latin typeface="+mn-lt"/>
+                <a:ea typeface="+mn-ea"/>
+                <a:cs typeface="+mn-cs"/>
+              </a:defRPr>
+            </a:lvl1pPr>
+            <a:lvl2pPr marL="685800" indent="-228600" algn="l" defTabSz="914400" rtl="0" eaLnBrk="1" latinLnBrk="0" hangingPunct="1">
+              <a:lnSpc>
+                <a:spcPct val="90000"/>
+              </a:lnSpc>
+              <a:spcBef>
+                <a:spcPts val="500"/>
+              </a:spcBef>
+              <a:buFont typeface="Arial" panose="020B0604020202020204" pitchFamily="34" charset="0"/>
+              <a:buChar char="•"/>
+              <a:defRPr sz="2400" kern="1200">
+                <a:solidFill>
+                  <a:schemeClr val="tx1"/>
+                </a:solidFill>
+                <a:latin typeface="+mn-lt"/>
+                <a:ea typeface="+mn-ea"/>
+                <a:cs typeface="+mn-cs"/>
+              </a:defRPr>
+            </a:lvl2pPr>
+            <a:lvl3pPr marL="1143000" indent="-228600" algn="l" defTabSz="914400" rtl="0" eaLnBrk="1" latinLnBrk="0" hangingPunct="1">
+              <a:lnSpc>
+                <a:spcPct val="90000"/>
+              </a:lnSpc>
+              <a:spcBef>
+                <a:spcPts val="500"/>
+              </a:spcBef>
+              <a:buFont typeface="Arial" panose="020B0604020202020204" pitchFamily="34" charset="0"/>
+              <a:buChar char="•"/>
+              <a:defRPr sz="2000" kern="1200">
+                <a:solidFill>
+                  <a:schemeClr val="tx1"/>
+                </a:solidFill>
+                <a:latin typeface="+mn-lt"/>
+                <a:ea typeface="+mn-ea"/>
+                <a:cs typeface="+mn-cs"/>
+              </a:defRPr>
+            </a:lvl3pPr>
+            <a:lvl4pPr marL="1600200" indent="-228600" algn="l" defTabSz="914400" rtl="0" eaLnBrk="1" latinLnBrk="0" hangingPunct="1">
+              <a:lnSpc>
+                <a:spcPct val="90000"/>
+              </a:lnSpc>
+              <a:spcBef>
+                <a:spcPts val="500"/>
+              </a:spcBef>
+              <a:buFont typeface="Arial" panose="020B0604020202020204" pitchFamily="34" charset="0"/>
+              <a:buChar char="•"/>
+              <a:defRPr sz="1800" kern="1200">
+                <a:solidFill>
+                  <a:schemeClr val="tx1"/>
+                </a:solidFill>
+                <a:latin typeface="+mn-lt"/>
+                <a:ea typeface="+mn-ea"/>
+                <a:cs typeface="+mn-cs"/>
+              </a:defRPr>
+            </a:lvl4pPr>
+            <a:lvl5pPr marL="2057400" indent="-228600" algn="l" defTabSz="914400" rtl="0" eaLnBrk="1" latinLnBrk="0" hangingPunct="1">
+              <a:lnSpc>
+                <a:spcPct val="90000"/>
+              </a:lnSpc>
+              <a:spcBef>
+                <a:spcPts val="500"/>
+              </a:spcBef>
+              <a:buFont typeface="Arial" panose="020B0604020202020204" pitchFamily="34" charset="0"/>
+              <a:buChar char="•"/>
+              <a:defRPr sz="1800" kern="1200">
+                <a:solidFill>
+                  <a:schemeClr val="tx1"/>
+                </a:solidFill>
+                <a:latin typeface="+mn-lt"/>
+                <a:ea typeface="+mn-ea"/>
+                <a:cs typeface="+mn-cs"/>
+              </a:defRPr>
+            </a:lvl5pPr>
+            <a:lvl6pPr marL="2514600" indent="-228600" algn="l" defTabSz="914400" rtl="0" eaLnBrk="1" latinLnBrk="0" hangingPunct="1">
+              <a:lnSpc>
+                <a:spcPct val="90000"/>
+              </a:lnSpc>
+              <a:spcBef>
+                <a:spcPts val="500"/>
+              </a:spcBef>
+              <a:buFont typeface="Arial" panose="020B0604020202020204" pitchFamily="34" charset="0"/>
+              <a:buChar char="•"/>
+              <a:defRPr sz="1800" kern="1200">
+                <a:solidFill>
+                  <a:schemeClr val="tx1"/>
+                </a:solidFill>
+                <a:latin typeface="+mn-lt"/>
+                <a:ea typeface="+mn-ea"/>
+                <a:cs typeface="+mn-cs"/>
+              </a:defRPr>
+            </a:lvl6pPr>
+            <a:lvl7pPr marL="2971800" indent="-228600" algn="l" defTabSz="914400" rtl="0" eaLnBrk="1" latinLnBrk="0" hangingPunct="1">
+              <a:lnSpc>
+                <a:spcPct val="90000"/>
+              </a:lnSpc>
+              <a:spcBef>
+                <a:spcPts val="500"/>
+              </a:spcBef>
+              <a:buFont typeface="Arial" panose="020B0604020202020204" pitchFamily="34" charset="0"/>
+              <a:buChar char="•"/>
+              <a:defRPr sz="1800" kern="1200">
+                <a:solidFill>
+                  <a:schemeClr val="tx1"/>
+                </a:solidFill>
+                <a:latin typeface="+mn-lt"/>
+                <a:ea typeface="+mn-ea"/>
+                <a:cs typeface="+mn-cs"/>
+              </a:defRPr>
+            </a:lvl7pPr>
+            <a:lvl8pPr marL="3429000" indent="-228600" algn="l" defTabSz="914400" rtl="0" eaLnBrk="1" latinLnBrk="0" hangingPunct="1">
+              <a:lnSpc>
+                <a:spcPct val="90000"/>
+              </a:lnSpc>
+              <a:spcBef>
+                <a:spcPts val="500"/>
+              </a:spcBef>
+              <a:buFont typeface="Arial" panose="020B0604020202020204" pitchFamily="34" charset="0"/>
+              <a:buChar char="•"/>
+              <a:defRPr sz="1800" kern="1200">
+                <a:solidFill>
+                  <a:schemeClr val="tx1"/>
+                </a:solidFill>
+                <a:latin typeface="+mn-lt"/>
+                <a:ea typeface="+mn-ea"/>
+                <a:cs typeface="+mn-cs"/>
+              </a:defRPr>
+            </a:lvl8pPr>
+            <a:lvl9pPr marL="3886200" indent="-228600" algn="l" defTabSz="914400" rtl="0" eaLnBrk="1" latinLnBrk="0" hangingPunct="1">
+              <a:lnSpc>
+                <a:spcPct val="90000"/>
+              </a:lnSpc>
+              <a:spcBef>
+                <a:spcPts val="500"/>
+              </a:spcBef>
+              <a:buFont typeface="Arial" panose="020B0604020202020204" pitchFamily="34" charset="0"/>
+              <a:buChar char="•"/>
+              <a:defRPr sz="1800" kern="1200">
+                <a:solidFill>
+                  <a:schemeClr val="tx1"/>
+                </a:solidFill>
+                <a:latin typeface="+mn-lt"/>
+                <a:ea typeface="+mn-ea"/>
+                <a:cs typeface="+mn-cs"/>
+              </a:defRPr>
+            </a:lvl9pPr>
+          </a:lstStyle>
+          <a:p>
+            <a:pPr>
+              <a:buFont typeface="Arial" panose="020B0604020202020204" pitchFamily="34" charset="0"/>
+              <a:buChar char="•"/>
+            </a:pPr>
+            <a:r>
+              <a:rPr lang="en-US" i="1">
+                <a:solidFill>
+                  <a:schemeClr val="bg1"/>
+                </a:solidFill>
+                <a:latin typeface="Comic Sans MS" panose="030F0702030302020204" charset="0"/>
+                <a:cs typeface="Comic Sans MS" panose="030F0702030302020204" charset="0"/>
+              </a:rPr>
+              <a:t>Importing libraries</a:t>
+            </a:r>
+            <a:r>
+              <a:rPr lang="en-IN" altLang="en-US" i="1">
+                <a:solidFill>
+                  <a:schemeClr val="bg1"/>
+                </a:solidFill>
+                <a:latin typeface="Comic Sans MS" panose="030F0702030302020204" charset="0"/>
+                <a:cs typeface="Comic Sans MS" panose="030F0702030302020204" charset="0"/>
+              </a:rPr>
+              <a:t> </a:t>
+            </a:r>
+            <a:r>
+              <a:rPr lang="en-US" i="1">
+                <a:solidFill>
+                  <a:schemeClr val="bg1"/>
+                </a:solidFill>
+                <a:latin typeface="Comic Sans MS" panose="030F0702030302020204" charset="0"/>
+                <a:cs typeface="Comic Sans MS" panose="030F0702030302020204" charset="0"/>
+              </a:rPr>
+              <a:t>:</a:t>
+            </a:r>
+            <a:r>
+              <a:rPr lang="en-US">
+                <a:solidFill>
+                  <a:schemeClr val="bg1"/>
+                </a:solidFill>
+                <a:latin typeface="Comic Sans MS" panose="030F0702030302020204" charset="0"/>
+                <a:cs typeface="Comic Sans MS" panose="030F0702030302020204" charset="0"/>
+              </a:rPr>
+              <a:t> </a:t>
+            </a:r>
+            <a:r>
+              <a:rPr lang="en-IN" altLang="en-US" sz="1800">
+                <a:solidFill>
+                  <a:schemeClr val="bg1"/>
+                </a:solidFill>
+                <a:latin typeface="Comic Sans MS" panose="030F0702030302020204" charset="0"/>
+                <a:cs typeface="Comic Sans MS" panose="030F0702030302020204" charset="0"/>
+              </a:rPr>
+              <a:t>axios, mui, formik, mapbox-gl, closest-match, react-bootstrap, </a:t>
+            </a:r>
+            <a:br>
+              <a:rPr lang="en-IN" altLang="en-US" sz="1800">
+                <a:solidFill>
+                  <a:schemeClr val="bg1"/>
+                </a:solidFill>
+                <a:latin typeface="Comic Sans MS" panose="030F0702030302020204" charset="0"/>
+                <a:cs typeface="Comic Sans MS" panose="030F0702030302020204" charset="0"/>
+              </a:rPr>
+            </a:br>
+            <a:r>
+              <a:rPr lang="en-IN" altLang="en-US" sz="1800">
+                <a:solidFill>
+                  <a:schemeClr val="bg1"/>
+                </a:solidFill>
+                <a:latin typeface="Comic Sans MS" panose="030F0702030302020204" charset="0"/>
+                <a:cs typeface="Comic Sans MS" panose="030F0702030302020204" charset="0"/>
+              </a:rPr>
+              <a:t>				react-mapbox-gl-geoco</a:t>
+            </a:r>
+            <a:r>
+              <a:rPr lang="en-US" sz="1800" i="1">
+                <a:solidFill>
+                  <a:schemeClr val="bg1"/>
+                </a:solidFill>
+                <a:latin typeface="Comic Sans MS" panose="030F0702030302020204" charset="0"/>
+                <a:cs typeface="Comic Sans MS" panose="030F0702030302020204" charset="0"/>
+                <a:sym typeface="+mn-ea"/>
+              </a:rPr>
+              <a:t>d</a:t>
+            </a:r>
+            <a:r>
+              <a:rPr lang="en-IN" altLang="en-US" sz="1800">
+                <a:solidFill>
+                  <a:schemeClr val="bg1"/>
+                </a:solidFill>
+                <a:latin typeface="Comic Sans MS" panose="030F0702030302020204" charset="0"/>
+                <a:cs typeface="Comic Sans MS" panose="030F0702030302020204" charset="0"/>
+              </a:rPr>
+              <a:t>er</a:t>
+            </a:r>
+            <a:endParaRPr lang="en-US" sz="1800">
+              <a:solidFill>
+                <a:schemeClr val="bg1"/>
+              </a:solidFill>
+              <a:latin typeface="Comic Sans MS" panose="030F0702030302020204" charset="0"/>
+              <a:cs typeface="Comic Sans MS" panose="030F0702030302020204" charset="0"/>
+            </a:endParaRPr>
+          </a:p>
+          <a:p>
+            <a:pPr>
+              <a:lnSpc>
+                <a:spcPct val="130000"/>
+              </a:lnSpc>
+              <a:buFont typeface="Arial" panose="020B0604020202020204" pitchFamily="34" charset="0"/>
+              <a:buChar char="•"/>
+            </a:pPr>
+            <a:r>
+              <a:rPr lang="en-IN" altLang="en-US" i="1">
+                <a:solidFill>
+                  <a:schemeClr val="bg1"/>
+                </a:solidFill>
+                <a:latin typeface="Comic Sans MS" panose="030F0702030302020204" charset="0"/>
+                <a:cs typeface="Comic Sans MS" panose="030F0702030302020204" charset="0"/>
+              </a:rPr>
+              <a:t>Components </a:t>
+            </a:r>
+            <a:r>
+              <a:rPr lang="en-US" i="1">
+                <a:solidFill>
+                  <a:schemeClr val="bg1"/>
+                </a:solidFill>
+                <a:latin typeface="Comic Sans MS" panose="030F0702030302020204" charset="0"/>
+                <a:cs typeface="Comic Sans MS" panose="030F0702030302020204" charset="0"/>
+              </a:rPr>
+              <a:t>:</a:t>
+            </a:r>
+            <a:r>
+              <a:rPr lang="en-US">
+                <a:solidFill>
+                  <a:schemeClr val="bg1"/>
+                </a:solidFill>
+                <a:latin typeface="Comic Sans MS" panose="030F0702030302020204" charset="0"/>
+                <a:cs typeface="Comic Sans MS" panose="030F0702030302020204" charset="0"/>
+              </a:rPr>
+              <a:t> </a:t>
+            </a:r>
+            <a:r>
+              <a:rPr lang="en-US">
+                <a:solidFill>
+                  <a:schemeClr val="bg1"/>
+                </a:solidFill>
+                <a:latin typeface="Comic Sans MS" panose="030F0702030302020204" charset="0"/>
+                <a:cs typeface="Comic Sans MS" panose="030F0702030302020204" charset="0"/>
+                <a:sym typeface="+mn-ea"/>
+              </a:rPr>
+              <a:t> </a:t>
+            </a:r>
+            <a:r>
+              <a:rPr lang="en-IN" altLang="en-US" sz="1800">
+                <a:solidFill>
+                  <a:schemeClr val="bg1"/>
+                </a:solidFill>
+                <a:latin typeface="Comic Sans MS" panose="030F0702030302020204" charset="0"/>
+                <a:cs typeface="Comic Sans MS" panose="030F0702030302020204" charset="0"/>
+                <a:sym typeface="+mn-ea"/>
+              </a:rPr>
+              <a:t>Creating Map, Input &amp; </a:t>
+            </a:r>
+            <a:r>
+              <a:rPr lang="en-IN" altLang="en-US" sz="1800">
+                <a:solidFill>
+                  <a:schemeClr val="bg1"/>
+                </a:solidFill>
+                <a:latin typeface="Comic Sans MS" panose="030F0702030302020204" charset="0"/>
+                <a:cs typeface="Comic Sans MS" panose="030F0702030302020204" charset="0"/>
+                <a:sym typeface="+mn-ea"/>
+              </a:rPr>
+              <a:t>D</a:t>
+            </a:r>
+            <a:r>
+              <a:rPr lang="en-IN" altLang="en-US" sz="1800" i="1">
+                <a:solidFill>
+                  <a:schemeClr val="bg1"/>
+                </a:solidFill>
+                <a:latin typeface="Comic Sans MS" panose="030F0702030302020204" charset="0"/>
+                <a:cs typeface="Comic Sans MS" panose="030F0702030302020204" charset="0"/>
+                <a:sym typeface="+mn-ea"/>
+              </a:rPr>
+              <a:t>ata</a:t>
+            </a:r>
+            <a:r>
+              <a:rPr lang="en-IN" altLang="en-US" sz="1800">
+                <a:solidFill>
+                  <a:schemeClr val="bg1"/>
+                </a:solidFill>
+                <a:latin typeface="Comic Sans MS" panose="030F0702030302020204" charset="0"/>
+                <a:cs typeface="Comic Sans MS" panose="030F0702030302020204" charset="0"/>
+                <a:sym typeface="+mn-ea"/>
+              </a:rPr>
+              <a:t> Componets to reuse</a:t>
+            </a:r>
+            <a:endParaRPr lang="en-US">
+              <a:solidFill>
+                <a:schemeClr val="bg1"/>
+              </a:solidFill>
+              <a:latin typeface="Comic Sans MS" panose="030F0702030302020204" charset="0"/>
+              <a:cs typeface="Comic Sans MS" panose="030F0702030302020204" charset="0"/>
+            </a:endParaRPr>
+          </a:p>
+          <a:p>
+            <a:pPr>
+              <a:lnSpc>
+                <a:spcPct val="100000"/>
+              </a:lnSpc>
+              <a:buFont typeface="Arial" panose="020B0604020202020204" pitchFamily="34" charset="0"/>
+              <a:buChar char="•"/>
+            </a:pPr>
+            <a:r>
+              <a:rPr lang="en-IN" altLang="en-US">
+                <a:solidFill>
+                  <a:schemeClr val="bg1"/>
+                </a:solidFill>
+                <a:latin typeface="Comic Sans MS" panose="030F0702030302020204" charset="0"/>
+                <a:cs typeface="Comic Sans MS" panose="030F0702030302020204" charset="0"/>
+                <a:sym typeface="+mn-ea"/>
+              </a:rPr>
+              <a:t>D</a:t>
+            </a:r>
+            <a:r>
+              <a:rPr lang="en-IN" altLang="en-US" i="1">
+                <a:solidFill>
+                  <a:schemeClr val="bg1"/>
+                </a:solidFill>
+                <a:latin typeface="Comic Sans MS" panose="030F0702030302020204" charset="0"/>
+                <a:cs typeface="Comic Sans MS" panose="030F0702030302020204" charset="0"/>
+              </a:rPr>
+              <a:t>ata Link </a:t>
+            </a:r>
+            <a:r>
+              <a:rPr lang="en-US" i="1">
+                <a:solidFill>
+                  <a:schemeClr val="bg1"/>
+                </a:solidFill>
+                <a:latin typeface="Comic Sans MS" panose="030F0702030302020204" charset="0"/>
+                <a:cs typeface="Comic Sans MS" panose="030F0702030302020204" charset="0"/>
+              </a:rPr>
+              <a:t>:</a:t>
+            </a:r>
+            <a:r>
+              <a:rPr lang="en-US">
+                <a:solidFill>
+                  <a:schemeClr val="bg1"/>
+                </a:solidFill>
+                <a:latin typeface="Comic Sans MS" panose="030F0702030302020204" charset="0"/>
+                <a:cs typeface="Comic Sans MS" panose="030F0702030302020204" charset="0"/>
+              </a:rPr>
+              <a:t> </a:t>
+            </a:r>
+            <a:r>
+              <a:rPr lang="en-IN" sz="1800">
+                <a:solidFill>
+                  <a:schemeClr val="bg1"/>
+                </a:solidFill>
+                <a:latin typeface="Comic Sans MS" panose="030F0702030302020204" charset="0"/>
+                <a:cs typeface="Comic Sans MS" panose="030F0702030302020204" charset="0"/>
+              </a:rPr>
+              <a:t>Connecting to REST Service using axios &amp; storing the information in optimize</a:t>
+            </a:r>
+            <a:r>
+              <a:rPr lang="en-US" sz="1800">
+                <a:solidFill>
+                  <a:schemeClr val="bg1"/>
+                </a:solidFill>
+                <a:latin typeface="Comic Sans MS" panose="030F0702030302020204" charset="0"/>
+                <a:cs typeface="Comic Sans MS" panose="030F0702030302020204" charset="0"/>
+                <a:sym typeface="+mn-ea"/>
+              </a:rPr>
+              <a:t>d</a:t>
+            </a:r>
+            <a:r>
+              <a:rPr lang="en-IN" sz="1800">
+                <a:solidFill>
+                  <a:schemeClr val="bg1"/>
+                </a:solidFill>
+                <a:latin typeface="Comic Sans MS" panose="030F0702030302020204" charset="0"/>
+                <a:cs typeface="Comic Sans MS" panose="030F0702030302020204" charset="0"/>
+              </a:rPr>
+              <a:t> manner</a:t>
+            </a:r>
+            <a:endParaRPr lang="en-US" sz="1800">
+              <a:solidFill>
+                <a:schemeClr val="bg1"/>
+              </a:solidFill>
+              <a:latin typeface="Comic Sans MS" panose="030F0702030302020204" charset="0"/>
+              <a:cs typeface="Comic Sans MS" panose="030F0702030302020204" charset="0"/>
+            </a:endParaRPr>
+          </a:p>
+          <a:p>
+            <a:pPr>
+              <a:lnSpc>
+                <a:spcPct val="100000"/>
+              </a:lnSpc>
+              <a:buFont typeface="Arial" panose="020B0604020202020204" pitchFamily="34" charset="0"/>
+              <a:buChar char="•"/>
+            </a:pPr>
+            <a:r>
+              <a:rPr lang="en-IN" i="1">
+                <a:solidFill>
+                  <a:schemeClr val="bg1"/>
+                </a:solidFill>
+                <a:latin typeface="Comic Sans MS" panose="030F0702030302020204" charset="0"/>
+                <a:cs typeface="Comic Sans MS" panose="030F0702030302020204" charset="0"/>
+              </a:rPr>
+              <a:t>Resolving </a:t>
+            </a:r>
+            <a:br>
+              <a:rPr lang="en-IN" i="1">
+                <a:solidFill>
+                  <a:schemeClr val="bg1"/>
+                </a:solidFill>
+                <a:latin typeface="Comic Sans MS" panose="030F0702030302020204" charset="0"/>
+                <a:cs typeface="Comic Sans MS" panose="030F0702030302020204" charset="0"/>
+              </a:rPr>
+            </a:br>
+            <a:r>
+              <a:rPr lang="en-IN" i="1">
+                <a:solidFill>
+                  <a:schemeClr val="bg1"/>
+                </a:solidFill>
+                <a:latin typeface="Comic Sans MS" panose="030F0702030302020204" charset="0"/>
+                <a:cs typeface="Comic Sans MS" panose="030F0702030302020204" charset="0"/>
+              </a:rPr>
+              <a:t>Prop-</a:t>
+            </a:r>
+            <a:r>
+              <a:rPr lang="en-US">
+                <a:solidFill>
+                  <a:schemeClr val="bg1"/>
+                </a:solidFill>
+                <a:latin typeface="Comic Sans MS" panose="030F0702030302020204" charset="0"/>
+                <a:cs typeface="Comic Sans MS" panose="030F0702030302020204" charset="0"/>
+                <a:sym typeface="+mn-ea"/>
+              </a:rPr>
+              <a:t>D</a:t>
+            </a:r>
+            <a:r>
+              <a:rPr lang="en-IN" i="1">
+                <a:solidFill>
+                  <a:schemeClr val="bg1"/>
+                </a:solidFill>
+                <a:latin typeface="Comic Sans MS" panose="030F0702030302020204" charset="0"/>
+                <a:cs typeface="Comic Sans MS" panose="030F0702030302020204" charset="0"/>
+              </a:rPr>
+              <a:t>rilling </a:t>
+            </a:r>
+            <a:r>
+              <a:rPr lang="en-US" i="1">
+                <a:solidFill>
+                  <a:schemeClr val="bg1"/>
+                </a:solidFill>
+                <a:latin typeface="Comic Sans MS" panose="030F0702030302020204" charset="0"/>
+                <a:cs typeface="Comic Sans MS" panose="030F0702030302020204" charset="0"/>
+              </a:rPr>
+              <a:t>:</a:t>
+            </a:r>
+            <a:r>
+              <a:rPr lang="en-US">
+                <a:solidFill>
+                  <a:schemeClr val="bg1"/>
+                </a:solidFill>
+                <a:latin typeface="Comic Sans MS" panose="030F0702030302020204" charset="0"/>
+                <a:cs typeface="Comic Sans MS" panose="030F0702030302020204" charset="0"/>
+              </a:rPr>
+              <a:t> </a:t>
+            </a:r>
+            <a:r>
+              <a:rPr lang="en-IN" sz="1800">
+                <a:solidFill>
+                  <a:schemeClr val="bg1"/>
+                </a:solidFill>
+                <a:latin typeface="Comic Sans MS" panose="030F0702030302020204" charset="0"/>
+                <a:cs typeface="Comic Sans MS" panose="030F0702030302020204" charset="0"/>
+              </a:rPr>
+              <a:t>Making the states global using Context-Api &amp; passing to its chil</a:t>
+            </a:r>
+            <a:r>
+              <a:rPr lang="en-US" sz="1800">
+                <a:solidFill>
+                  <a:schemeClr val="bg1"/>
+                </a:solidFill>
+                <a:latin typeface="Comic Sans MS" panose="030F0702030302020204" charset="0"/>
+                <a:cs typeface="Comic Sans MS" panose="030F0702030302020204" charset="0"/>
+                <a:sym typeface="+mn-ea"/>
+              </a:rPr>
+              <a:t>d</a:t>
+            </a:r>
+            <a:r>
+              <a:rPr lang="en-IN" sz="1800">
+                <a:solidFill>
+                  <a:schemeClr val="bg1"/>
+                </a:solidFill>
+                <a:latin typeface="Comic Sans MS" panose="030F0702030302020204" charset="0"/>
+                <a:cs typeface="Comic Sans MS" panose="030F0702030302020204" charset="0"/>
+              </a:rPr>
+              <a:t>ren</a:t>
+            </a:r>
+            <a:br>
+              <a:rPr lang="en-IN" sz="1800">
+                <a:solidFill>
+                  <a:schemeClr val="bg1"/>
+                </a:solidFill>
+                <a:latin typeface="Comic Sans MS" panose="030F0702030302020204" charset="0"/>
+                <a:cs typeface="Comic Sans MS" panose="030F0702030302020204" charset="0"/>
+              </a:rPr>
+            </a:br>
+            <a:endParaRPr lang="en-US" sz="1800">
+              <a:solidFill>
+                <a:schemeClr val="bg1"/>
+              </a:solidFill>
+              <a:latin typeface="Comic Sans MS" panose="030F0702030302020204" charset="0"/>
+              <a:cs typeface="Comic Sans MS" panose="030F0702030302020204" charset="0"/>
+            </a:endParaRPr>
+          </a:p>
+          <a:p>
+            <a:pPr>
+              <a:lnSpc>
+                <a:spcPct val="100000"/>
+              </a:lnSpc>
+              <a:buFont typeface="Arial" panose="020B0604020202020204" pitchFamily="34" charset="0"/>
+              <a:buChar char="•"/>
+            </a:pPr>
+            <a:r>
+              <a:rPr lang="en-IN" altLang="en-US" i="1">
+                <a:solidFill>
+                  <a:schemeClr val="bg1"/>
+                </a:solidFill>
+                <a:latin typeface="Comic Sans MS" panose="030F0702030302020204" charset="0"/>
+                <a:cs typeface="Comic Sans MS" panose="030F0702030302020204" charset="0"/>
+              </a:rPr>
+              <a:t>Using Component</a:t>
+            </a:r>
+            <a:br>
+              <a:rPr lang="en-IN" altLang="en-US" i="1">
+                <a:solidFill>
+                  <a:schemeClr val="bg1"/>
+                </a:solidFill>
+                <a:latin typeface="Comic Sans MS" panose="030F0702030302020204" charset="0"/>
+                <a:cs typeface="Comic Sans MS" panose="030F0702030302020204" charset="0"/>
+              </a:rPr>
+            </a:br>
+            <a:r>
+              <a:rPr lang="en-IN" altLang="en-US" i="1">
+                <a:solidFill>
+                  <a:schemeClr val="bg1"/>
+                </a:solidFill>
+                <a:latin typeface="Comic Sans MS" panose="030F0702030302020204" charset="0"/>
+                <a:cs typeface="Comic Sans MS" panose="030F0702030302020204" charset="0"/>
+              </a:rPr>
+              <a:t>LifeCycle </a:t>
+            </a:r>
+            <a:r>
+              <a:rPr lang="en-US" i="1">
+                <a:solidFill>
+                  <a:schemeClr val="bg1"/>
+                </a:solidFill>
+                <a:latin typeface="Comic Sans MS" panose="030F0702030302020204" charset="0"/>
+                <a:cs typeface="Comic Sans MS" panose="030F0702030302020204" charset="0"/>
+              </a:rPr>
+              <a:t>:</a:t>
+            </a:r>
+            <a:r>
+              <a:rPr lang="en-US">
+                <a:solidFill>
+                  <a:schemeClr val="bg1"/>
+                </a:solidFill>
+                <a:latin typeface="Comic Sans MS" panose="030F0702030302020204" charset="0"/>
+                <a:cs typeface="Comic Sans MS" panose="030F0702030302020204" charset="0"/>
+              </a:rPr>
+              <a:t> </a:t>
+            </a:r>
+            <a:r>
+              <a:rPr lang="en-IN" altLang="en-US" sz="1800">
+                <a:solidFill>
+                  <a:schemeClr val="bg1"/>
+                </a:solidFill>
+                <a:latin typeface="Comic Sans MS" panose="030F0702030302020204" charset="0"/>
+                <a:cs typeface="Comic Sans MS" panose="030F0702030302020204" charset="0"/>
+              </a:rPr>
+              <a:t>useEffect() has been use</a:t>
+            </a:r>
+            <a:r>
+              <a:rPr lang="en-US" sz="1800">
+                <a:solidFill>
+                  <a:schemeClr val="bg1"/>
+                </a:solidFill>
+                <a:latin typeface="Comic Sans MS" panose="030F0702030302020204" charset="0"/>
+                <a:cs typeface="Comic Sans MS" panose="030F0702030302020204" charset="0"/>
+                <a:sym typeface="+mn-ea"/>
+              </a:rPr>
+              <a:t>d</a:t>
+            </a:r>
+            <a:r>
+              <a:rPr lang="en-IN" altLang="en-US" sz="1800">
+                <a:solidFill>
+                  <a:schemeClr val="bg1"/>
+                </a:solidFill>
+                <a:latin typeface="Comic Sans MS" panose="030F0702030302020204" charset="0"/>
+                <a:cs typeface="Comic Sans MS" panose="030F0702030302020204" charset="0"/>
+              </a:rPr>
+              <a:t> to </a:t>
+            </a:r>
+            <a:r>
+              <a:rPr lang="en-US" sz="1800">
+                <a:solidFill>
+                  <a:schemeClr val="bg1"/>
+                </a:solidFill>
+                <a:latin typeface="Comic Sans MS" panose="030F0702030302020204" charset="0"/>
+                <a:cs typeface="Comic Sans MS" panose="030F0702030302020204" charset="0"/>
+                <a:sym typeface="+mn-ea"/>
+              </a:rPr>
+              <a:t>d</a:t>
+            </a:r>
+            <a:r>
+              <a:rPr lang="en-IN" altLang="en-US" sz="1800">
+                <a:solidFill>
+                  <a:schemeClr val="bg1"/>
+                </a:solidFill>
+                <a:latin typeface="Comic Sans MS" panose="030F0702030302020204" charset="0"/>
+                <a:cs typeface="Comic Sans MS" panose="030F0702030302020204" charset="0"/>
+              </a:rPr>
+              <a:t>etect &amp; ren</a:t>
+            </a:r>
+            <a:r>
+              <a:rPr lang="en-US" sz="1800">
+                <a:solidFill>
+                  <a:schemeClr val="bg1"/>
+                </a:solidFill>
+                <a:latin typeface="Comic Sans MS" panose="030F0702030302020204" charset="0"/>
+                <a:cs typeface="Comic Sans MS" panose="030F0702030302020204" charset="0"/>
+                <a:sym typeface="+mn-ea"/>
+              </a:rPr>
+              <a:t>d</a:t>
+            </a:r>
+            <a:r>
+              <a:rPr lang="en-IN" altLang="en-US" sz="1800">
+                <a:solidFill>
+                  <a:schemeClr val="bg1"/>
+                </a:solidFill>
+                <a:latin typeface="Comic Sans MS" panose="030F0702030302020204" charset="0"/>
+                <a:cs typeface="Comic Sans MS" panose="030F0702030302020204" charset="0"/>
+              </a:rPr>
+              <a:t>er the changes on the Web-App</a:t>
+            </a:r>
+            <a:br>
+              <a:rPr lang="en-IN" altLang="en-US" sz="1800">
+                <a:solidFill>
+                  <a:schemeClr val="bg1"/>
+                </a:solidFill>
+                <a:latin typeface="Comic Sans MS" panose="030F0702030302020204" charset="0"/>
+                <a:cs typeface="Comic Sans MS" panose="030F0702030302020204" charset="0"/>
+              </a:rPr>
+            </a:br>
+            <a:endParaRPr lang="en-US" sz="1800">
+              <a:solidFill>
+                <a:schemeClr val="bg1"/>
+              </a:solidFill>
+              <a:latin typeface="Comic Sans MS" panose="030F0702030302020204" charset="0"/>
+              <a:cs typeface="Comic Sans MS" panose="030F0702030302020204" charset="0"/>
+            </a:endParaRPr>
+          </a:p>
+          <a:p>
+            <a:pPr>
+              <a:lnSpc>
+                <a:spcPct val="100000"/>
+              </a:lnSpc>
+              <a:buFont typeface="Arial" panose="020B0604020202020204" pitchFamily="34" charset="0"/>
+              <a:buChar char="•"/>
+            </a:pPr>
+            <a:r>
+              <a:rPr lang="en-IN" altLang="en-US" i="1">
+                <a:solidFill>
+                  <a:schemeClr val="bg1"/>
+                </a:solidFill>
+                <a:latin typeface="Comic Sans MS" panose="030F0702030302020204" charset="0"/>
+                <a:cs typeface="Comic Sans MS" panose="030F0702030302020204" charset="0"/>
+              </a:rPr>
+              <a:t>Testing &amp;</a:t>
+            </a:r>
+            <a:br>
+              <a:rPr lang="en-IN" altLang="en-US" i="1">
+                <a:solidFill>
+                  <a:schemeClr val="bg1"/>
+                </a:solidFill>
+                <a:latin typeface="Comic Sans MS" panose="030F0702030302020204" charset="0"/>
+                <a:cs typeface="Comic Sans MS" panose="030F0702030302020204" charset="0"/>
+              </a:rPr>
+            </a:br>
+            <a:r>
+              <a:rPr lang="en-IN" altLang="en-US">
+                <a:solidFill>
+                  <a:schemeClr val="bg1"/>
+                </a:solidFill>
+                <a:latin typeface="Comic Sans MS" panose="030F0702030302020204" charset="0"/>
+                <a:cs typeface="Comic Sans MS" panose="030F0702030302020204" charset="0"/>
+                <a:sym typeface="+mn-ea"/>
+              </a:rPr>
+              <a:t>D</a:t>
+            </a:r>
+            <a:r>
+              <a:rPr lang="en-IN" altLang="en-US" i="1">
+                <a:solidFill>
+                  <a:schemeClr val="bg1"/>
+                </a:solidFill>
+                <a:latin typeface="Comic Sans MS" panose="030F0702030302020204" charset="0"/>
+                <a:cs typeface="Comic Sans MS" panose="030F0702030302020204" charset="0"/>
+              </a:rPr>
+              <a:t>eployment </a:t>
+            </a:r>
+            <a:r>
+              <a:rPr lang="en-US" i="1">
+                <a:solidFill>
+                  <a:schemeClr val="bg1"/>
+                </a:solidFill>
+                <a:latin typeface="Comic Sans MS" panose="030F0702030302020204" charset="0"/>
+                <a:cs typeface="Comic Sans MS" panose="030F0702030302020204" charset="0"/>
+              </a:rPr>
+              <a:t>:</a:t>
+            </a:r>
+            <a:r>
+              <a:rPr lang="en-US">
+                <a:solidFill>
+                  <a:schemeClr val="bg1"/>
+                </a:solidFill>
+                <a:latin typeface="Comic Sans MS" panose="030F0702030302020204" charset="0"/>
+                <a:cs typeface="Comic Sans MS" panose="030F0702030302020204" charset="0"/>
+              </a:rPr>
+              <a:t> </a:t>
+            </a:r>
+            <a:r>
+              <a:rPr lang="en-IN" altLang="en-US" sz="1800">
+                <a:solidFill>
+                  <a:schemeClr val="bg1"/>
+                </a:solidFill>
+                <a:latin typeface="Comic Sans MS" panose="030F0702030302020204" charset="0"/>
+                <a:cs typeface="Comic Sans MS" panose="030F0702030302020204" charset="0"/>
+              </a:rPr>
+              <a:t>React co</a:t>
+            </a:r>
+            <a:r>
+              <a:rPr lang="en-US" sz="1800">
+                <a:solidFill>
+                  <a:schemeClr val="bg1"/>
+                </a:solidFill>
+                <a:latin typeface="Comic Sans MS" panose="030F0702030302020204" charset="0"/>
+                <a:cs typeface="Comic Sans MS" panose="030F0702030302020204" charset="0"/>
+                <a:sym typeface="+mn-ea"/>
+              </a:rPr>
+              <a:t>d</a:t>
+            </a:r>
+            <a:r>
+              <a:rPr lang="en-IN" altLang="en-US" sz="1800">
+                <a:solidFill>
+                  <a:schemeClr val="bg1"/>
+                </a:solidFill>
+                <a:latin typeface="Comic Sans MS" panose="030F0702030302020204" charset="0"/>
+                <a:cs typeface="Comic Sans MS" panose="030F0702030302020204" charset="0"/>
+              </a:rPr>
+              <a:t>e was teste</a:t>
+            </a:r>
+            <a:r>
+              <a:rPr lang="en-US" sz="1800">
+                <a:solidFill>
+                  <a:schemeClr val="bg1"/>
+                </a:solidFill>
+                <a:latin typeface="Comic Sans MS" panose="030F0702030302020204" charset="0"/>
+                <a:cs typeface="Comic Sans MS" panose="030F0702030302020204" charset="0"/>
+                <a:sym typeface="+mn-ea"/>
+              </a:rPr>
+              <a:t>d</a:t>
+            </a:r>
+            <a:r>
+              <a:rPr lang="en-IN" altLang="en-US" sz="1800">
+                <a:solidFill>
+                  <a:schemeClr val="bg1"/>
+                </a:solidFill>
+                <a:latin typeface="Comic Sans MS" panose="030F0702030302020204" charset="0"/>
+                <a:cs typeface="Comic Sans MS" panose="030F0702030302020204" charset="0"/>
+              </a:rPr>
+              <a:t> using JEST &amp; </a:t>
+            </a:r>
+            <a:r>
+              <a:rPr lang="en-US" sz="1800">
+                <a:solidFill>
+                  <a:schemeClr val="bg1"/>
+                </a:solidFill>
+                <a:latin typeface="Comic Sans MS" panose="030F0702030302020204" charset="0"/>
+                <a:cs typeface="Comic Sans MS" panose="030F0702030302020204" charset="0"/>
+                <a:sym typeface="+mn-ea"/>
+              </a:rPr>
+              <a:t>d</a:t>
+            </a:r>
+            <a:r>
+              <a:rPr lang="en-IN" altLang="en-US" sz="1800">
+                <a:solidFill>
+                  <a:schemeClr val="bg1"/>
+                </a:solidFill>
+                <a:latin typeface="Comic Sans MS" panose="030F0702030302020204" charset="0"/>
+                <a:cs typeface="Comic Sans MS" panose="030F0702030302020204" charset="0"/>
+              </a:rPr>
+              <a:t>eploye</a:t>
+            </a:r>
+            <a:r>
+              <a:rPr lang="en-US" sz="1800">
+                <a:solidFill>
+                  <a:schemeClr val="bg1"/>
+                </a:solidFill>
+                <a:latin typeface="Comic Sans MS" panose="030F0702030302020204" charset="0"/>
+                <a:cs typeface="Comic Sans MS" panose="030F0702030302020204" charset="0"/>
+                <a:sym typeface="+mn-ea"/>
+              </a:rPr>
+              <a:t>d</a:t>
+            </a:r>
+            <a:r>
+              <a:rPr lang="en-IN" altLang="en-US" sz="1800">
+                <a:solidFill>
+                  <a:schemeClr val="bg1"/>
+                </a:solidFill>
+                <a:latin typeface="Comic Sans MS" panose="030F0702030302020204" charset="0"/>
+                <a:cs typeface="Comic Sans MS" panose="030F0702030302020204" charset="0"/>
+              </a:rPr>
+              <a:t> on Netlify using Github pipelining </a:t>
+            </a:r>
+            <a:endParaRPr lang="en-IN" altLang="en-US" sz="1800">
+              <a:solidFill>
+                <a:schemeClr val="bg1"/>
+              </a:solidFill>
+              <a:latin typeface="Comic Sans MS" panose="030F0702030302020204" charset="0"/>
+              <a:cs typeface="Comic Sans MS" panose="030F0702030302020204" charset="0"/>
+            </a:endParaRPr>
+          </a:p>
+        </p:txBody>
+      </p:sp>
     </p:spTree>
   </p:cSld>
   <p:clrMapOvr>
@@ -6176,8 +6353,8 @@
         </p:nvSpPr>
         <p:spPr>
           <a:xfrm>
-            <a:off x="537210" y="1595755"/>
-            <a:ext cx="7124700" cy="4615815"/>
+            <a:off x="537210" y="1333500"/>
+            <a:ext cx="7535545" cy="5384800"/>
           </a:xfrm>
           <a:prstGeom prst="rect">
             <a:avLst/>
@@ -6190,14 +6367,14 @@
           </a:bodyPr>
           <a:p>
             <a:r>
-              <a:rPr lang="en-IN" sz="2400">
-                <a:solidFill>
-                  <a:schemeClr val="bg1"/>
-                </a:solidFill>
-                <a:latin typeface="Comic Sans MS" panose="030F0702030302020204" charset="0"/>
-                <a:cs typeface="Comic Sans MS" panose="030F0702030302020204" charset="0"/>
-              </a:rPr>
-              <a:t>The concept of library &amp; framework of JS is </a:t>
+              <a:rPr lang="en-IN" altLang="en-US" sz="2400">
+                <a:solidFill>
+                  <a:schemeClr val="bg1"/>
+                </a:solidFill>
+                <a:latin typeface="Comic Sans MS" panose="030F0702030302020204" charset="0"/>
+                <a:cs typeface="Comic Sans MS" panose="030F0702030302020204" charset="0"/>
+              </a:rPr>
+              <a:t>Firstly the Web-App is connecte</a:t>
             </a:r>
             <a:r>
               <a:rPr lang="en-US" sz="2400">
@@ -6211,14 +6388,14 @@
               <a:t>d</a:t>
             </a:r>
             <a:r>
-              <a:rPr lang="en-IN" sz="2400">
-                <a:solidFill>
-                  <a:schemeClr val="bg1"/>
-                </a:solidFill>
-                <a:latin typeface="Comic Sans MS" panose="030F0702030302020204" charset="0"/>
-                <a:cs typeface="Comic Sans MS" panose="030F0702030302020204" charset="0"/>
-              </a:rPr>
-              <a:t>epen</a:t>
+              <a:rPr lang="en-IN" altLang="en-US" sz="2400">
+                <a:solidFill>
+                  <a:schemeClr val="bg1"/>
+                </a:solidFill>
+                <a:latin typeface="Comic Sans MS" panose="030F0702030302020204" charset="0"/>
+                <a:cs typeface="Comic Sans MS" panose="030F0702030302020204" charset="0"/>
+              </a:rPr>
+              <a:t> to REST Service using “Axios” &amp; the </a:t>
             </a:r>
             <a:r>
               <a:rPr lang="en-US" sz="2400">
@@ -6232,14 +6409,14 @@
               <a:t>d</a:t>
             </a:r>
             <a:r>
-              <a:rPr lang="en-IN" sz="2400">
-                <a:solidFill>
-                  <a:schemeClr val="bg1"/>
-                </a:solidFill>
-                <a:latin typeface="Comic Sans MS" panose="030F0702030302020204" charset="0"/>
-                <a:cs typeface="Comic Sans MS" panose="030F0702030302020204" charset="0"/>
-              </a:rPr>
-              <a:t>ent upon components. Its ma</a:t>
+              <a:rPr lang="en-IN" altLang="en-US" sz="2400">
+                <a:solidFill>
+                  <a:schemeClr val="bg1"/>
+                </a:solidFill>
+                <a:latin typeface="Comic Sans MS" panose="030F0702030302020204" charset="0"/>
+                <a:cs typeface="Comic Sans MS" panose="030F0702030302020204" charset="0"/>
+              </a:rPr>
+              <a:t>ata is fetche</a:t>
             </a:r>
             <a:r>
               <a:rPr lang="en-US" sz="2400">
@@ -6253,14 +6430,14 @@
               <a:t>d</a:t>
             </a:r>
             <a:r>
-              <a:rPr lang="en-IN" sz="2400">
-                <a:solidFill>
-                  <a:schemeClr val="bg1"/>
-                </a:solidFill>
-                <a:latin typeface="Comic Sans MS" panose="030F0702030302020204" charset="0"/>
-                <a:cs typeface="Comic Sans MS" panose="030F0702030302020204" charset="0"/>
-              </a:rPr>
-              <a:t>e to make our life easy &amp; reuse as many times we want. Here we ma</a:t>
+              <a:rPr lang="en-IN" altLang="en-US" sz="2400">
+                <a:solidFill>
+                  <a:schemeClr val="bg1"/>
+                </a:solidFill>
+                <a:latin typeface="Comic Sans MS" panose="030F0702030302020204" charset="0"/>
+                <a:cs typeface="Comic Sans MS" panose="030F0702030302020204" charset="0"/>
+              </a:rPr>
+              <a:t> store</a:t>
             </a:r>
             <a:r>
               <a:rPr lang="en-US" sz="2400">
@@ -6274,14 +6451,14 @@
               <a:t>d</a:t>
             </a:r>
             <a:r>
-              <a:rPr lang="en-IN" sz="2400">
-                <a:solidFill>
-                  <a:schemeClr val="bg1"/>
-                </a:solidFill>
-                <a:latin typeface="Comic Sans MS" panose="030F0702030302020204" charset="0"/>
-                <a:cs typeface="Comic Sans MS" panose="030F0702030302020204" charset="0"/>
-              </a:rPr>
-              <a:t>e 3 components :</a:t>
+              <a:rPr lang="en-IN" altLang="en-US" sz="2400">
+                <a:solidFill>
+                  <a:schemeClr val="bg1"/>
+                </a:solidFill>
+                <a:latin typeface="Comic Sans MS" panose="030F0702030302020204" charset="0"/>
+                <a:cs typeface="Comic Sans MS" panose="030F0702030302020204" charset="0"/>
+              </a:rPr>
+              <a:t> in states in optimize manner :</a:t>
             </a:r>
             <a:endParaRPr lang="en-IN" altLang="en-US" sz="2400">
               <a:solidFill>
@@ -6305,6 +6482,16 @@
               <a:buAutoNum type="arabicPeriod"/>
             </a:pPr>
             <a:r>
+              <a:rPr lang="en-IN" altLang="en-US" sz="2800" b="1" i="1">
+                <a:solidFill>
+                  <a:schemeClr val="bg1"/>
+                </a:solidFill>
+                <a:latin typeface="Comic Sans MS" panose="030F0702030302020204" charset="0"/>
+                <a:cs typeface="Comic Sans MS" panose="030F0702030302020204" charset="0"/>
+              </a:rPr>
+              <a:t>Locations (GET) :</a:t>
+            </a:r>
+            <a:r>
               <a:rPr lang="en-IN" altLang="en-US" sz="2400">
                 <a:solidFill>
                   <a:schemeClr val="bg1"/>
@@ -6312,7 +6499,7 @@
                 <a:latin typeface="Comic Sans MS" panose="030F0702030302020204" charset="0"/>
                 <a:cs typeface="Comic Sans MS" panose="030F0702030302020204" charset="0"/>
               </a:rPr>
-              <a:t>MapBox Map &amp; Geoco</a:t>
+              <a:t> it throws back the locations of the available areas in Bangalore. It’s store</a:t>
             </a:r>
             <a:r>
               <a:rPr lang="en-US" sz="2400">
@@ -6333,20 +6520,10 @@
                 <a:latin typeface="Comic Sans MS" panose="030F0702030302020204" charset="0"/>
                 <a:cs typeface="Comic Sans MS" panose="030F0702030302020204" charset="0"/>
               </a:rPr>
-              <a:t>er - </a:t>
-            </a:r>
-            <a:r>
-              <a:rPr lang="en-IN" altLang="en-US">
-                <a:solidFill>
-                  <a:schemeClr val="bg1"/>
-                </a:solidFill>
-                <a:latin typeface="Comic Sans MS" panose="030F0702030302020204" charset="0"/>
-                <a:cs typeface="Comic Sans MS" panose="030F0702030302020204" charset="0"/>
-              </a:rPr>
-              <a:t>use</a:t>
-            </a:r>
-            <a:r>
-              <a:rPr lang="en-US">
+              <a:t> in the Context for free access without the prop-</a:t>
+            </a:r>
+            <a:r>
+              <a:rPr lang="en-US" sz="2400">
                 <a:solidFill>
                   <a:schemeClr val="bg1"/>
                 </a:solidFill>
@@ -6357,119 +6534,14 @@
               <a:t>d</a:t>
             </a:r>
             <a:r>
-              <a:rPr lang="en-IN" altLang="en-US">
-                <a:solidFill>
-                  <a:schemeClr val="bg1"/>
-                </a:solidFill>
-                <a:latin typeface="Comic Sans MS" panose="030F0702030302020204" charset="0"/>
-                <a:cs typeface="Comic Sans MS" panose="030F0702030302020204" charset="0"/>
-              </a:rPr>
-              <a:t> for ren</a:t>
-            </a:r>
-            <a:r>
-              <a:rPr lang="en-US">
-                <a:solidFill>
-                  <a:schemeClr val="bg1"/>
-                </a:solidFill>
-                <a:latin typeface="Comic Sans MS" panose="030F0702030302020204" charset="0"/>
-                <a:cs typeface="Comic Sans MS" panose="030F0702030302020204" charset="0"/>
-                <a:sym typeface="+mn-ea"/>
-              </a:rPr>
-              <a:t>d</a:t>
-            </a:r>
-            <a:r>
-              <a:rPr lang="en-IN" altLang="en-US">
-                <a:solidFill>
-                  <a:schemeClr val="bg1"/>
-                </a:solidFill>
-                <a:latin typeface="Comic Sans MS" panose="030F0702030302020204" charset="0"/>
-                <a:cs typeface="Comic Sans MS" panose="030F0702030302020204" charset="0"/>
-              </a:rPr>
-              <a:t>ering map on the web-app an</a:t>
-            </a:r>
-            <a:r>
-              <a:rPr lang="en-US">
-                <a:solidFill>
-                  <a:schemeClr val="bg1"/>
-                </a:solidFill>
-                <a:latin typeface="Comic Sans MS" panose="030F0702030302020204" charset="0"/>
-                <a:cs typeface="Comic Sans MS" panose="030F0702030302020204" charset="0"/>
-                <a:sym typeface="+mn-ea"/>
-              </a:rPr>
-              <a:t>d</a:t>
-            </a:r>
-            <a:r>
-              <a:rPr lang="en-IN" altLang="en-US">
-                <a:solidFill>
-                  <a:schemeClr val="bg1"/>
-                </a:solidFill>
-                <a:latin typeface="Comic Sans MS" panose="030F0702030302020204" charset="0"/>
-                <a:cs typeface="Comic Sans MS" panose="030F0702030302020204" charset="0"/>
-              </a:rPr>
-              <a:t> geolocate the </a:t>
-            </a:r>
-            <a:r>
-              <a:rPr lang="en-US">
-                <a:solidFill>
-                  <a:schemeClr val="bg1"/>
-                </a:solidFill>
-                <a:latin typeface="Comic Sans MS" panose="030F0702030302020204" charset="0"/>
-                <a:cs typeface="Comic Sans MS" panose="030F0702030302020204" charset="0"/>
-                <a:sym typeface="+mn-ea"/>
-              </a:rPr>
-              <a:t>d</a:t>
-            </a:r>
-            <a:r>
-              <a:rPr lang="en-IN" altLang="en-US">
-                <a:solidFill>
-                  <a:schemeClr val="bg1"/>
-                </a:solidFill>
-                <a:latin typeface="Comic Sans MS" panose="030F0702030302020204" charset="0"/>
-                <a:cs typeface="Comic Sans MS" panose="030F0702030302020204" charset="0"/>
-              </a:rPr>
-              <a:t>esire</a:t>
-            </a:r>
-            <a:r>
-              <a:rPr lang="en-US">
-                <a:solidFill>
-                  <a:schemeClr val="bg1"/>
-                </a:solidFill>
-                <a:latin typeface="Comic Sans MS" panose="030F0702030302020204" charset="0"/>
-                <a:cs typeface="Comic Sans MS" panose="030F0702030302020204" charset="0"/>
-                <a:sym typeface="+mn-ea"/>
-              </a:rPr>
-              <a:t>d</a:t>
-            </a:r>
-            <a:r>
-              <a:rPr lang="en-IN" altLang="en-US">
-                <a:solidFill>
-                  <a:schemeClr val="bg1"/>
-                </a:solidFill>
-                <a:latin typeface="Comic Sans MS" panose="030F0702030302020204" charset="0"/>
-                <a:cs typeface="Comic Sans MS" panose="030F0702030302020204" charset="0"/>
-              </a:rPr>
-              <a:t> search location using ‘react-mapbox-gl’ ma</a:t>
-            </a:r>
-            <a:r>
-              <a:rPr lang="en-US">
-                <a:solidFill>
-                  <a:schemeClr val="bg1"/>
-                </a:solidFill>
-                <a:latin typeface="Comic Sans MS" panose="030F0702030302020204" charset="0"/>
-                <a:cs typeface="Comic Sans MS" panose="030F0702030302020204" charset="0"/>
-                <a:sym typeface="+mn-ea"/>
-              </a:rPr>
-              <a:t>d</a:t>
-            </a:r>
-            <a:r>
-              <a:rPr lang="en-IN" altLang="en-US">
-                <a:solidFill>
-                  <a:schemeClr val="bg1"/>
-                </a:solidFill>
-                <a:latin typeface="Comic Sans MS" panose="030F0702030302020204" charset="0"/>
-                <a:cs typeface="Comic Sans MS" panose="030F0702030302020204" charset="0"/>
-              </a:rPr>
-              <a:t>e by Uber</a:t>
+              <a:rPr lang="en-IN" altLang="en-US" sz="2400">
+                <a:solidFill>
+                  <a:schemeClr val="bg1"/>
+                </a:solidFill>
+                <a:latin typeface="Comic Sans MS" panose="030F0702030302020204" charset="0"/>
+                <a:cs typeface="Comic Sans MS" panose="030F0702030302020204" charset="0"/>
+              </a:rPr>
+              <a:t>rilling</a:t>
             </a:r>
             <a:br>
               <a:rPr lang="en-IN" altLang="en-US" sz="2400">
@@ -6493,6 +6565,37 @@
               <a:buAutoNum type="arabicPeriod"/>
             </a:pPr>
             <a:r>
+              <a:rPr lang="en-IN" altLang="en-US" sz="2800" b="1" i="1">
+                <a:solidFill>
+                  <a:schemeClr val="bg1"/>
+                </a:solidFill>
+                <a:latin typeface="Comic Sans MS" panose="030F0702030302020204" charset="0"/>
+                <a:cs typeface="Comic Sans MS" panose="030F0702030302020204" charset="0"/>
+              </a:rPr>
+              <a:t>Price Pre</a:t>
+            </a:r>
+            <a:r>
+              <a:rPr lang="en-US" sz="2800" b="1" i="1">
+                <a:solidFill>
+                  <a:schemeClr val="bg1"/>
+                </a:solidFill>
+                <a:latin typeface="Comic Sans MS" panose="030F0702030302020204" charset="0"/>
+                <a:cs typeface="Comic Sans MS" panose="030F0702030302020204" charset="0"/>
+                <a:sym typeface="+mn-ea"/>
+              </a:rPr>
+              <a:t>d</a:t>
+            </a:r>
+            <a:r>
+              <a:rPr lang="en-IN" altLang="en-US" sz="2800" b="1" i="1">
+                <a:solidFill>
+                  <a:schemeClr val="bg1"/>
+                </a:solidFill>
+                <a:latin typeface="Comic Sans MS" panose="030F0702030302020204" charset="0"/>
+                <a:cs typeface="Comic Sans MS" panose="030F0702030302020204" charset="0"/>
+              </a:rPr>
+              <a:t>iction (POST) :</a:t>
+            </a:r>
+            <a:r>
               <a:rPr lang="en-IN" altLang="en-US" sz="2400">
                 <a:solidFill>
                   <a:schemeClr val="bg1"/>
@@ -6500,7 +6603,18 @@
                 <a:latin typeface="Comic Sans MS" panose="030F0702030302020204" charset="0"/>
                 <a:cs typeface="Comic Sans MS" panose="030F0702030302020204" charset="0"/>
               </a:rPr>
-              <a:t>Meta </a:t>
+              <a:t> it respon</a:t>
+            </a:r>
+            <a:r>
+              <a:rPr lang="en-US" sz="2400">
+                <a:solidFill>
+                  <a:schemeClr val="bg1"/>
+                </a:solidFill>
+                <a:latin typeface="Comic Sans MS" panose="030F0702030302020204" charset="0"/>
+                <a:cs typeface="Comic Sans MS" panose="030F0702030302020204" charset="0"/>
+                <a:sym typeface="+mn-ea"/>
+              </a:rPr>
+              <a:t>d</a:t>
             </a:r>
             <a:r>
               <a:rPr lang="en-IN" altLang="en-US" sz="2400">
@@ -6509,9 +6623,19 @@
                 </a:solidFill>
                 <a:latin typeface="Comic Sans MS" panose="030F0702030302020204" charset="0"/>
                 <a:cs typeface="Comic Sans MS" panose="030F0702030302020204" charset="0"/>
-                <a:sym typeface="+mn-ea"/>
-              </a:rPr>
-              <a:t>Data</a:t>
+              </a:rPr>
+              <a:t> in price in lakhs &amp; has require</a:t>
+            </a:r>
+            <a:r>
+              <a:rPr lang="en-US" sz="2400">
+                <a:solidFill>
+                  <a:schemeClr val="bg1"/>
+                </a:solidFill>
+                <a:latin typeface="Comic Sans MS" panose="030F0702030302020204" charset="0"/>
+                <a:cs typeface="Comic Sans MS" panose="030F0702030302020204" charset="0"/>
+                <a:sym typeface="+mn-ea"/>
+              </a:rPr>
+              <a:t>d</a:t>
             </a:r>
             <a:r>
               <a:rPr lang="en-IN" altLang="en-US" sz="2400">
@@ -6521,20 +6645,10 @@
                 <a:latin typeface="Comic Sans MS" panose="030F0702030302020204" charset="0"/>
                 <a:cs typeface="Comic Sans MS" panose="030F0702030302020204" charset="0"/>
               </a:rPr>
-              <a:t> - </a:t>
-            </a:r>
-            <a:r>
-              <a:rPr lang="en-IN" altLang="en-US">
-                <a:solidFill>
-                  <a:schemeClr val="bg1"/>
-                </a:solidFill>
-                <a:latin typeface="Comic Sans MS" panose="030F0702030302020204" charset="0"/>
-                <a:cs typeface="Comic Sans MS" panose="030F0702030302020204" charset="0"/>
-              </a:rPr>
-              <a:t>for ren</a:t>
-            </a:r>
-            <a:r>
-              <a:rPr lang="en-US">
+              <a:t> parameters in its request such as the bhk, sqft, location, bath &amp; balcony. Its not global but a hook which is calle</a:t>
+            </a:r>
+            <a:r>
+              <a:rPr lang="en-US" sz="2400">
                 <a:solidFill>
                   <a:schemeClr val="bg1"/>
                 </a:solidFill>
@@ -6545,17 +6659,17 @@
               <a:t>d</a:t>
             </a:r>
             <a:r>
-              <a:rPr lang="en-IN" altLang="en-US">
-                <a:solidFill>
-                  <a:schemeClr val="bg1"/>
-                </a:solidFill>
-                <a:latin typeface="Comic Sans MS" panose="030F0702030302020204" charset="0"/>
-                <a:cs typeface="Comic Sans MS" panose="030F0702030302020204" charset="0"/>
-              </a:rPr>
-              <a:t>ering the result on the right si</a:t>
-            </a:r>
-            <a:r>
-              <a:rPr lang="en-US">
+              <a:rPr lang="en-IN" altLang="en-US" sz="2400">
+                <a:solidFill>
+                  <a:schemeClr val="bg1"/>
+                </a:solidFill>
+                <a:latin typeface="Comic Sans MS" panose="030F0702030302020204" charset="0"/>
+                <a:cs typeface="Comic Sans MS" panose="030F0702030302020204" charset="0"/>
+              </a:rPr>
+              <a:t> when require</a:t>
+            </a:r>
+            <a:r>
+              <a:rPr lang="en-US" sz="2400">
                 <a:solidFill>
                   <a:schemeClr val="bg1"/>
                 </a:solidFill>
@@ -6565,25 +6679,6 @@
               </a:rPr>
               <a:t>d</a:t>
             </a:r>
-            <a:r>
-              <a:rPr lang="en-IN" altLang="en-US">
-                <a:solidFill>
-                  <a:schemeClr val="bg1"/>
-                </a:solidFill>
-                <a:latin typeface="Comic Sans MS" panose="030F0702030302020204" charset="0"/>
-                <a:cs typeface="Comic Sans MS" panose="030F0702030302020204" charset="0"/>
-              </a:rPr>
-              <a:t>e</a:t>
-            </a:r>
-            <a:br>
-              <a:rPr lang="en-IN" altLang="en-US">
-                <a:solidFill>
-                  <a:schemeClr val="bg1"/>
-                </a:solidFill>
-                <a:latin typeface="Comic Sans MS" panose="030F0702030302020204" charset="0"/>
-                <a:cs typeface="Comic Sans MS" panose="030F0702030302020204" charset="0"/>
-              </a:rPr>
-            </a:br>
             <a:endParaRPr lang="en-IN" altLang="en-US" sz="2400">
               <a:solidFill>
                 <a:schemeClr val="bg1"/>
@@ -6592,80 +6687,6 @@
               <a:cs typeface="Comic Sans MS" panose="030F0702030302020204" charset="0"/>
             </a:endParaRPr>
           </a:p>
-          <a:p>
-            <a:pPr marL="514350" indent="-514350">
-              <a:buAutoNum type="arabicPeriod"/>
-            </a:pPr>
-            <a:r>
-              <a:rPr lang="en-IN" altLang="en-US" sz="2400">
-                <a:solidFill>
-                  <a:schemeClr val="bg1"/>
-                </a:solidFill>
-                <a:latin typeface="Comic Sans MS" panose="030F0702030302020204" charset="0"/>
-                <a:cs typeface="Comic Sans MS" panose="030F0702030302020204" charset="0"/>
-              </a:rPr>
-              <a:t>Mo</a:t>
-            </a:r>
-            <a:r>
-              <a:rPr lang="en-US" sz="2400">
-                <a:solidFill>
-                  <a:schemeClr val="bg1"/>
-                </a:solidFill>
-                <a:latin typeface="Comic Sans MS" panose="030F0702030302020204" charset="0"/>
-                <a:cs typeface="Comic Sans MS" panose="030F0702030302020204" charset="0"/>
-                <a:sym typeface="+mn-ea"/>
-              </a:rPr>
-              <a:t>d</a:t>
-            </a:r>
-            <a:r>
-              <a:rPr lang="en-IN" altLang="en-US" sz="2400">
-                <a:solidFill>
-                  <a:schemeClr val="bg1"/>
-                </a:solidFill>
-                <a:latin typeface="Comic Sans MS" panose="030F0702030302020204" charset="0"/>
-                <a:cs typeface="Comic Sans MS" panose="030F0702030302020204" charset="0"/>
-              </a:rPr>
-              <a:t>al Form - </a:t>
-            </a:r>
-            <a:r>
-              <a:rPr lang="en-IN" altLang="en-US">
-                <a:solidFill>
-                  <a:schemeClr val="bg1"/>
-                </a:solidFill>
-                <a:latin typeface="Comic Sans MS" panose="030F0702030302020204" charset="0"/>
-                <a:cs typeface="Comic Sans MS" panose="030F0702030302020204" charset="0"/>
-              </a:rPr>
-              <a:t>for accepting the parameters from user. Formik is use</a:t>
-            </a:r>
-            <a:r>
-              <a:rPr lang="en-US">
-                <a:solidFill>
-                  <a:schemeClr val="bg1"/>
-                </a:solidFill>
-                <a:latin typeface="Comic Sans MS" panose="030F0702030302020204" charset="0"/>
-                <a:cs typeface="Comic Sans MS" panose="030F0702030302020204" charset="0"/>
-                <a:sym typeface="+mn-ea"/>
-              </a:rPr>
-              <a:t>d</a:t>
-            </a:r>
-            <a:r>
-              <a:rPr lang="en-IN" altLang="en-US">
-                <a:solidFill>
-                  <a:schemeClr val="bg1"/>
-                </a:solidFill>
-                <a:latin typeface="Comic Sans MS" panose="030F0702030302020204" charset="0"/>
-                <a:cs typeface="Comic Sans MS" panose="030F0702030302020204" charset="0"/>
-              </a:rPr>
-              <a:t> for its optimize performance &amp; efficiency</a:t>
-            </a:r>
-            <a:endParaRPr lang="en-IN" altLang="en-US">
-              <a:solidFill>
-                <a:schemeClr val="bg1"/>
-              </a:solidFill>
-              <a:latin typeface="Comic Sans MS" panose="030F0702030302020204" charset="0"/>
-              <a:cs typeface="Comic Sans MS" panose="030F0702030302020204" charset="0"/>
-            </a:endParaRPr>
-          </a:p>
         </p:txBody>
       </p:sp>
       <p:sp>
@@ -6676,7 +6697,7 @@
         </p:nvSpPr>
         <p:spPr>
           <a:xfrm>
-            <a:off x="619125" y="461010"/>
+            <a:off x="461010" y="375920"/>
             <a:ext cx="7042785" cy="829945"/>
           </a:xfrm>
           <a:prstGeom prst="rect">
@@ -6698,7 +6719,18 @@
                 <a:cs typeface="Comic Sans MS" panose="030F0702030302020204" charset="0"/>
                 <a:sym typeface="+mn-ea"/>
               </a:rPr>
-              <a:t>Components</a:t>
+              <a:t>D</a:t>
+            </a:r>
+            <a:r>
+              <a:rPr lang="en-IN" altLang="en-US" sz="4800" i="1">
+                <a:solidFill>
+                  <a:schemeClr val="bg1"/>
+                </a:solidFill>
+                <a:latin typeface="Comic Sans MS" panose="030F0702030302020204" charset="0"/>
+                <a:cs typeface="Comic Sans MS" panose="030F0702030302020204" charset="0"/>
+                <a:sym typeface="+mn-ea"/>
+              </a:rPr>
+              <a:t>ata Link Layer</a:t>
             </a:r>
             <a:endParaRPr lang="en-IN" altLang="en-US" sz="4800">
               <a:solidFill>
@@ -6708,6 +6740,30 @@
           </a:p>
         </p:txBody>
       </p:sp>
+      <p:pic>
+        <p:nvPicPr>
+          <p:cNvPr id="4" name="Picture 3" descr="layers"/>
+          <p:cNvPicPr>
+            <a:picLocks noChangeAspect="1"/>
+          </p:cNvPicPr>
+          <p:nvPr/>
+        </p:nvPicPr>
+        <p:blipFill>
+          <a:blip r:embed="rId2"/>
+          <a:stretch>
+            <a:fillRect/>
+          </a:stretch>
+        </p:blipFill>
+        <p:spPr>
+          <a:xfrm>
+            <a:off x="8072755" y="1712595"/>
+            <a:ext cx="3735705" cy="3735705"/>
+          </a:xfrm>
+          <a:prstGeom prst="rect">
+            <a:avLst/>
+          </a:prstGeom>
+        </p:spPr>
+      </p:pic>
       <p:sp>
         <p:nvSpPr>
           <p:cNvPr id="6" name="Rectangle: Rounded Corners 16"/>
@@ -6781,30 +6837,6 @@
           </a:p>
         </p:txBody>
       </p:sp>
-      <p:pic>
-        <p:nvPicPr>
-          <p:cNvPr id="2" name="Picture 1" descr="abstract"/>
-          <p:cNvPicPr>
-            <a:picLocks noChangeAspect="1"/>
-          </p:cNvPicPr>
-          <p:nvPr/>
-        </p:nvPicPr>
-        <p:blipFill>
-          <a:blip r:embed="rId2"/>
-          <a:stretch>
-            <a:fillRect/>
-          </a:stretch>
-        </p:blipFill>
-        <p:spPr>
-          <a:xfrm>
-            <a:off x="7553960" y="1290955"/>
-            <a:ext cx="4638040" cy="4876800"/>
-          </a:xfrm>
-          <a:prstGeom prst="rect">
-            <a:avLst/>
-          </a:prstGeom>
-        </p:spPr>
-      </p:pic>
     </p:spTree>
   </p:cSld>
   <p:clrMapOvr>
@@ -6825,32 +6857,14 @@
       <p:grpSpPr/>
       <p:sp>
         <p:nvSpPr>
-          <p:cNvPr id="4" name="Title 3"/>
-          <p:cNvSpPr>
-            <a:spLocks noGrp="1"/>
-          </p:cNvSpPr>
-          <p:nvPr>
-            <p:ph type="title"/>
-          </p:nvPr>
-        </p:nvSpPr>
-        <p:spPr/>
-        <p:txBody>
-          <a:bodyPr/>
-          <a:p>
-            <a:endParaRPr lang="en-US"/>
-          </a:p>
-        </p:txBody>
-      </p:sp>
-      <p:sp>
-        <p:nvSpPr>
-          <p:cNvPr id="6" name="Rectangle 4"/>
+          <p:cNvPr id="5" name="Rectangle 4"/>
           <p:cNvSpPr/>
           <p:nvPr/>
         </p:nvSpPr>
         <p:spPr>
           <a:xfrm>
             <a:off x="0" y="0"/>
-            <a:ext cx="12265660" cy="6858000"/>
+            <a:ext cx="12192000" cy="6858000"/>
           </a:xfrm>
           <a:prstGeom prst="rect">
             <a:avLst/>
@@ -6886,9 +6900,581 @@
           </a:p>
         </p:txBody>
       </p:sp>
-      <p:sp>
-        <p:nvSpPr>
-          <p:cNvPr id="17" name="Rectangle: Rounded Corners 16"/>
+      <p:pic>
+        <p:nvPicPr>
+          <p:cNvPr id="7" name="Picture 6" descr="A picture containing animal, reptile&#10;&#10;Description automatically generated"/>
+          <p:cNvPicPr>
+            <a:picLocks noChangeAspect="1"/>
+          </p:cNvPicPr>
+          <p:nvPr/>
+        </p:nvPicPr>
+        <p:blipFill rotWithShape="1">
+          <a:blip r:embed="rId1">
+            <a:alphaModFix amt="18000"/>
+            <a:extLst>
+              <a:ext uri="{28A0092B-C50C-407E-A947-70E740481C1C}">
+                <a14:useLocalDpi xmlns:a14="http://schemas.microsoft.com/office/drawing/2010/main" val="0"/>
+              </a:ext>
+            </a:extLst>
+          </a:blip>
+          <a:srcRect l="27557" t="32804" r="19028" b="32275"/>
+          <a:stretch>
+            <a:fillRect/>
+          </a:stretch>
+        </p:blipFill>
+        <p:spPr>
+          <a:xfrm>
+            <a:off x="184785" y="2726690"/>
+            <a:ext cx="12192000" cy="5358765"/>
+          </a:xfrm>
+          <a:prstGeom prst="rect">
+            <a:avLst/>
+          </a:prstGeom>
+        </p:spPr>
+      </p:pic>
+      <p:sp>
+        <p:nvSpPr>
+          <p:cNvPr id="9" name="Text Box 8"/>
+          <p:cNvSpPr txBox="1"/>
+          <p:nvPr/>
+        </p:nvSpPr>
+        <p:spPr>
+          <a:xfrm>
+            <a:off x="537210" y="1595755"/>
+            <a:ext cx="7124700" cy="4615815"/>
+          </a:xfrm>
+          <a:prstGeom prst="rect">
+            <a:avLst/>
+          </a:prstGeom>
+          <a:noFill/>
+        </p:spPr>
+        <p:txBody>
+          <a:bodyPr wrap="square" rtlCol="0">
+            <a:spAutoFit/>
+          </a:bodyPr>
+          <a:p>
+            <a:r>
+              <a:rPr lang="en-IN" sz="2400">
+                <a:solidFill>
+                  <a:schemeClr val="bg1"/>
+                </a:solidFill>
+                <a:latin typeface="Comic Sans MS" panose="030F0702030302020204" charset="0"/>
+                <a:cs typeface="Comic Sans MS" panose="030F0702030302020204" charset="0"/>
+              </a:rPr>
+              <a:t>The concept of library &amp; framework of JS is </a:t>
+            </a:r>
+            <a:r>
+              <a:rPr lang="en-US" sz="2400">
+                <a:solidFill>
+                  <a:schemeClr val="bg1"/>
+                </a:solidFill>
+                <a:latin typeface="Comic Sans MS" panose="030F0702030302020204" charset="0"/>
+                <a:cs typeface="Comic Sans MS" panose="030F0702030302020204" charset="0"/>
+                <a:sym typeface="+mn-ea"/>
+              </a:rPr>
+              <a:t>d</a:t>
+            </a:r>
+            <a:r>
+              <a:rPr lang="en-IN" sz="2400">
+                <a:solidFill>
+                  <a:schemeClr val="bg1"/>
+                </a:solidFill>
+                <a:latin typeface="Comic Sans MS" panose="030F0702030302020204" charset="0"/>
+                <a:cs typeface="Comic Sans MS" panose="030F0702030302020204" charset="0"/>
+              </a:rPr>
+              <a:t>epen</a:t>
+            </a:r>
+            <a:r>
+              <a:rPr lang="en-US" sz="2400">
+                <a:solidFill>
+                  <a:schemeClr val="bg1"/>
+                </a:solidFill>
+                <a:latin typeface="Comic Sans MS" panose="030F0702030302020204" charset="0"/>
+                <a:cs typeface="Comic Sans MS" panose="030F0702030302020204" charset="0"/>
+                <a:sym typeface="+mn-ea"/>
+              </a:rPr>
+              <a:t>d</a:t>
+            </a:r>
+            <a:r>
+              <a:rPr lang="en-IN" sz="2400">
+                <a:solidFill>
+                  <a:schemeClr val="bg1"/>
+                </a:solidFill>
+                <a:latin typeface="Comic Sans MS" panose="030F0702030302020204" charset="0"/>
+                <a:cs typeface="Comic Sans MS" panose="030F0702030302020204" charset="0"/>
+              </a:rPr>
+              <a:t>ent upon components. Its ma</a:t>
+            </a:r>
+            <a:r>
+              <a:rPr lang="en-US" sz="2400">
+                <a:solidFill>
+                  <a:schemeClr val="bg1"/>
+                </a:solidFill>
+                <a:latin typeface="Comic Sans MS" panose="030F0702030302020204" charset="0"/>
+                <a:cs typeface="Comic Sans MS" panose="030F0702030302020204" charset="0"/>
+                <a:sym typeface="+mn-ea"/>
+              </a:rPr>
+              <a:t>d</a:t>
+            </a:r>
+            <a:r>
+              <a:rPr lang="en-IN" sz="2400">
+                <a:solidFill>
+                  <a:schemeClr val="bg1"/>
+                </a:solidFill>
+                <a:latin typeface="Comic Sans MS" panose="030F0702030302020204" charset="0"/>
+                <a:cs typeface="Comic Sans MS" panose="030F0702030302020204" charset="0"/>
+              </a:rPr>
+              <a:t>e to make our life easy &amp; reuse as many times we want. Here we ma</a:t>
+            </a:r>
+            <a:r>
+              <a:rPr lang="en-US" sz="2400">
+                <a:solidFill>
+                  <a:schemeClr val="bg1"/>
+                </a:solidFill>
+                <a:latin typeface="Comic Sans MS" panose="030F0702030302020204" charset="0"/>
+                <a:cs typeface="Comic Sans MS" panose="030F0702030302020204" charset="0"/>
+                <a:sym typeface="+mn-ea"/>
+              </a:rPr>
+              <a:t>d</a:t>
+            </a:r>
+            <a:r>
+              <a:rPr lang="en-IN" sz="2400">
+                <a:solidFill>
+                  <a:schemeClr val="bg1"/>
+                </a:solidFill>
+                <a:latin typeface="Comic Sans MS" panose="030F0702030302020204" charset="0"/>
+                <a:cs typeface="Comic Sans MS" panose="030F0702030302020204" charset="0"/>
+              </a:rPr>
+              <a:t>e 3 components :</a:t>
+            </a:r>
+            <a:endParaRPr lang="en-IN" altLang="en-US" sz="2400">
+              <a:solidFill>
+                <a:schemeClr val="bg1"/>
+              </a:solidFill>
+              <a:latin typeface="Comic Sans MS" panose="030F0702030302020204" charset="0"/>
+              <a:cs typeface="Comic Sans MS" panose="030F0702030302020204" charset="0"/>
+            </a:endParaRPr>
+          </a:p>
+          <a:p>
+            <a:endParaRPr lang="en-IN" altLang="en-US" sz="2400">
+              <a:solidFill>
+                <a:schemeClr val="bg1"/>
+              </a:solidFill>
+              <a:latin typeface="Comic Sans MS" panose="030F0702030302020204" charset="0"/>
+              <a:cs typeface="Comic Sans MS" panose="030F0702030302020204" charset="0"/>
+            </a:endParaRPr>
+          </a:p>
+          <a:p>
+            <a:pPr marL="514350" indent="-514350">
+              <a:buAutoNum type="arabicPeriod"/>
+            </a:pPr>
+            <a:r>
+              <a:rPr lang="en-IN" altLang="en-US" sz="2400">
+                <a:solidFill>
+                  <a:schemeClr val="bg1"/>
+                </a:solidFill>
+                <a:latin typeface="Comic Sans MS" panose="030F0702030302020204" charset="0"/>
+                <a:cs typeface="Comic Sans MS" panose="030F0702030302020204" charset="0"/>
+              </a:rPr>
+              <a:t>MapBox Map &amp; Geoco</a:t>
+            </a:r>
+            <a:r>
+              <a:rPr lang="en-US" sz="2400">
+                <a:solidFill>
+                  <a:schemeClr val="bg1"/>
+                </a:solidFill>
+                <a:latin typeface="Comic Sans MS" panose="030F0702030302020204" charset="0"/>
+                <a:cs typeface="Comic Sans MS" panose="030F0702030302020204" charset="0"/>
+                <a:sym typeface="+mn-ea"/>
+              </a:rPr>
+              <a:t>d</a:t>
+            </a:r>
+            <a:r>
+              <a:rPr lang="en-IN" altLang="en-US" sz="2400">
+                <a:solidFill>
+                  <a:schemeClr val="bg1"/>
+                </a:solidFill>
+                <a:latin typeface="Comic Sans MS" panose="030F0702030302020204" charset="0"/>
+                <a:cs typeface="Comic Sans MS" panose="030F0702030302020204" charset="0"/>
+              </a:rPr>
+              <a:t>er - </a:t>
+            </a:r>
+            <a:r>
+              <a:rPr lang="en-IN" altLang="en-US">
+                <a:solidFill>
+                  <a:schemeClr val="bg1"/>
+                </a:solidFill>
+                <a:latin typeface="Comic Sans MS" panose="030F0702030302020204" charset="0"/>
+                <a:cs typeface="Comic Sans MS" panose="030F0702030302020204" charset="0"/>
+              </a:rPr>
+              <a:t>use</a:t>
+            </a:r>
+            <a:r>
+              <a:rPr lang="en-US">
+                <a:solidFill>
+                  <a:schemeClr val="bg1"/>
+                </a:solidFill>
+                <a:latin typeface="Comic Sans MS" panose="030F0702030302020204" charset="0"/>
+                <a:cs typeface="Comic Sans MS" panose="030F0702030302020204" charset="0"/>
+                <a:sym typeface="+mn-ea"/>
+              </a:rPr>
+              <a:t>d</a:t>
+            </a:r>
+            <a:r>
+              <a:rPr lang="en-IN" altLang="en-US">
+                <a:solidFill>
+                  <a:schemeClr val="bg1"/>
+                </a:solidFill>
+                <a:latin typeface="Comic Sans MS" panose="030F0702030302020204" charset="0"/>
+                <a:cs typeface="Comic Sans MS" panose="030F0702030302020204" charset="0"/>
+              </a:rPr>
+              <a:t> for ren</a:t>
+            </a:r>
+            <a:r>
+              <a:rPr lang="en-US">
+                <a:solidFill>
+                  <a:schemeClr val="bg1"/>
+                </a:solidFill>
+                <a:latin typeface="Comic Sans MS" panose="030F0702030302020204" charset="0"/>
+                <a:cs typeface="Comic Sans MS" panose="030F0702030302020204" charset="0"/>
+                <a:sym typeface="+mn-ea"/>
+              </a:rPr>
+              <a:t>d</a:t>
+            </a:r>
+            <a:r>
+              <a:rPr lang="en-IN" altLang="en-US">
+                <a:solidFill>
+                  <a:schemeClr val="bg1"/>
+                </a:solidFill>
+                <a:latin typeface="Comic Sans MS" panose="030F0702030302020204" charset="0"/>
+                <a:cs typeface="Comic Sans MS" panose="030F0702030302020204" charset="0"/>
+              </a:rPr>
+              <a:t>ering map on the web-app an</a:t>
+            </a:r>
+            <a:r>
+              <a:rPr lang="en-US">
+                <a:solidFill>
+                  <a:schemeClr val="bg1"/>
+                </a:solidFill>
+                <a:latin typeface="Comic Sans MS" panose="030F0702030302020204" charset="0"/>
+                <a:cs typeface="Comic Sans MS" panose="030F0702030302020204" charset="0"/>
+                <a:sym typeface="+mn-ea"/>
+              </a:rPr>
+              <a:t>d</a:t>
+            </a:r>
+            <a:r>
+              <a:rPr lang="en-IN" altLang="en-US">
+                <a:solidFill>
+                  <a:schemeClr val="bg1"/>
+                </a:solidFill>
+                <a:latin typeface="Comic Sans MS" panose="030F0702030302020204" charset="0"/>
+                <a:cs typeface="Comic Sans MS" panose="030F0702030302020204" charset="0"/>
+              </a:rPr>
+              <a:t> geolocate the </a:t>
+            </a:r>
+            <a:r>
+              <a:rPr lang="en-US">
+                <a:solidFill>
+                  <a:schemeClr val="bg1"/>
+                </a:solidFill>
+                <a:latin typeface="Comic Sans MS" panose="030F0702030302020204" charset="0"/>
+                <a:cs typeface="Comic Sans MS" panose="030F0702030302020204" charset="0"/>
+                <a:sym typeface="+mn-ea"/>
+              </a:rPr>
+              <a:t>d</a:t>
+            </a:r>
+            <a:r>
+              <a:rPr lang="en-IN" altLang="en-US">
+                <a:solidFill>
+                  <a:schemeClr val="bg1"/>
+                </a:solidFill>
+                <a:latin typeface="Comic Sans MS" panose="030F0702030302020204" charset="0"/>
+                <a:cs typeface="Comic Sans MS" panose="030F0702030302020204" charset="0"/>
+              </a:rPr>
+              <a:t>esire</a:t>
+            </a:r>
+            <a:r>
+              <a:rPr lang="en-US">
+                <a:solidFill>
+                  <a:schemeClr val="bg1"/>
+                </a:solidFill>
+                <a:latin typeface="Comic Sans MS" panose="030F0702030302020204" charset="0"/>
+                <a:cs typeface="Comic Sans MS" panose="030F0702030302020204" charset="0"/>
+                <a:sym typeface="+mn-ea"/>
+              </a:rPr>
+              <a:t>d</a:t>
+            </a:r>
+            <a:r>
+              <a:rPr lang="en-IN" altLang="en-US">
+                <a:solidFill>
+                  <a:schemeClr val="bg1"/>
+                </a:solidFill>
+                <a:latin typeface="Comic Sans MS" panose="030F0702030302020204" charset="0"/>
+                <a:cs typeface="Comic Sans MS" panose="030F0702030302020204" charset="0"/>
+              </a:rPr>
+              <a:t> search location using ‘react-mapbox-gl’ ma</a:t>
+            </a:r>
+            <a:r>
+              <a:rPr lang="en-US">
+                <a:solidFill>
+                  <a:schemeClr val="bg1"/>
+                </a:solidFill>
+                <a:latin typeface="Comic Sans MS" panose="030F0702030302020204" charset="0"/>
+                <a:cs typeface="Comic Sans MS" panose="030F0702030302020204" charset="0"/>
+                <a:sym typeface="+mn-ea"/>
+              </a:rPr>
+              <a:t>d</a:t>
+            </a:r>
+            <a:r>
+              <a:rPr lang="en-IN" altLang="en-US">
+                <a:solidFill>
+                  <a:schemeClr val="bg1"/>
+                </a:solidFill>
+                <a:latin typeface="Comic Sans MS" panose="030F0702030302020204" charset="0"/>
+                <a:cs typeface="Comic Sans MS" panose="030F0702030302020204" charset="0"/>
+              </a:rPr>
+              <a:t>e by Uber</a:t>
+            </a:r>
+            <a:br>
+              <a:rPr lang="en-IN" altLang="en-US" sz="2400">
+                <a:solidFill>
+                  <a:schemeClr val="bg1"/>
+                </a:solidFill>
+                <a:latin typeface="Comic Sans MS" panose="030F0702030302020204" charset="0"/>
+                <a:cs typeface="Comic Sans MS" panose="030F0702030302020204" charset="0"/>
+              </a:rPr>
+            </a:br>
+            <a:endParaRPr lang="en-IN" altLang="en-US" sz="2400">
+              <a:solidFill>
+                <a:schemeClr val="bg1"/>
+              </a:solidFill>
+              <a:latin typeface="Comic Sans MS" panose="030F0702030302020204" charset="0"/>
+              <a:cs typeface="Comic Sans MS" panose="030F0702030302020204" charset="0"/>
+            </a:endParaRPr>
+          </a:p>
+          <a:p>
+            <a:pPr marL="514350" indent="-514350">
+              <a:buAutoNum type="arabicPeriod"/>
+            </a:pPr>
+            <a:r>
+              <a:rPr lang="en-IN" altLang="en-US" sz="2400">
+                <a:solidFill>
+                  <a:schemeClr val="bg1"/>
+                </a:solidFill>
+                <a:latin typeface="Comic Sans MS" panose="030F0702030302020204" charset="0"/>
+                <a:cs typeface="Comic Sans MS" panose="030F0702030302020204" charset="0"/>
+              </a:rPr>
+              <a:t>Meta </a:t>
+            </a:r>
+            <a:r>
+              <a:rPr lang="en-IN" altLang="en-US" sz="2400">
+                <a:solidFill>
+                  <a:schemeClr val="bg1"/>
+                </a:solidFill>
+                <a:latin typeface="Comic Sans MS" panose="030F0702030302020204" charset="0"/>
+                <a:cs typeface="Comic Sans MS" panose="030F0702030302020204" charset="0"/>
+                <a:sym typeface="+mn-ea"/>
+              </a:rPr>
+              <a:t>Data</a:t>
+            </a:r>
+            <a:r>
+              <a:rPr lang="en-IN" altLang="en-US" sz="2400">
+                <a:solidFill>
+                  <a:schemeClr val="bg1"/>
+                </a:solidFill>
+                <a:latin typeface="Comic Sans MS" panose="030F0702030302020204" charset="0"/>
+                <a:cs typeface="Comic Sans MS" panose="030F0702030302020204" charset="0"/>
+              </a:rPr>
+              <a:t> - </a:t>
+            </a:r>
+            <a:r>
+              <a:rPr lang="en-IN" altLang="en-US">
+                <a:solidFill>
+                  <a:schemeClr val="bg1"/>
+                </a:solidFill>
+                <a:latin typeface="Comic Sans MS" panose="030F0702030302020204" charset="0"/>
+                <a:cs typeface="Comic Sans MS" panose="030F0702030302020204" charset="0"/>
+              </a:rPr>
+              <a:t>for ren</a:t>
+            </a:r>
+            <a:r>
+              <a:rPr lang="en-US">
+                <a:solidFill>
+                  <a:schemeClr val="bg1"/>
+                </a:solidFill>
+                <a:latin typeface="Comic Sans MS" panose="030F0702030302020204" charset="0"/>
+                <a:cs typeface="Comic Sans MS" panose="030F0702030302020204" charset="0"/>
+                <a:sym typeface="+mn-ea"/>
+              </a:rPr>
+              <a:t>d</a:t>
+            </a:r>
+            <a:r>
+              <a:rPr lang="en-IN" altLang="en-US">
+                <a:solidFill>
+                  <a:schemeClr val="bg1"/>
+                </a:solidFill>
+                <a:latin typeface="Comic Sans MS" panose="030F0702030302020204" charset="0"/>
+                <a:cs typeface="Comic Sans MS" panose="030F0702030302020204" charset="0"/>
+              </a:rPr>
+              <a:t>ering the result on the right si</a:t>
+            </a:r>
+            <a:r>
+              <a:rPr lang="en-US">
+                <a:solidFill>
+                  <a:schemeClr val="bg1"/>
+                </a:solidFill>
+                <a:latin typeface="Comic Sans MS" panose="030F0702030302020204" charset="0"/>
+                <a:cs typeface="Comic Sans MS" panose="030F0702030302020204" charset="0"/>
+                <a:sym typeface="+mn-ea"/>
+              </a:rPr>
+              <a:t>d</a:t>
+            </a:r>
+            <a:r>
+              <a:rPr lang="en-IN" altLang="en-US">
+                <a:solidFill>
+                  <a:schemeClr val="bg1"/>
+                </a:solidFill>
+                <a:latin typeface="Comic Sans MS" panose="030F0702030302020204" charset="0"/>
+                <a:cs typeface="Comic Sans MS" panose="030F0702030302020204" charset="0"/>
+              </a:rPr>
+              <a:t>e</a:t>
+            </a:r>
+            <a:br>
+              <a:rPr lang="en-IN" altLang="en-US">
+                <a:solidFill>
+                  <a:schemeClr val="bg1"/>
+                </a:solidFill>
+                <a:latin typeface="Comic Sans MS" panose="030F0702030302020204" charset="0"/>
+                <a:cs typeface="Comic Sans MS" panose="030F0702030302020204" charset="0"/>
+              </a:rPr>
+            </a:br>
+            <a:endParaRPr lang="en-IN" altLang="en-US" sz="2400">
+              <a:solidFill>
+                <a:schemeClr val="bg1"/>
+              </a:solidFill>
+              <a:latin typeface="Comic Sans MS" panose="030F0702030302020204" charset="0"/>
+              <a:cs typeface="Comic Sans MS" panose="030F0702030302020204" charset="0"/>
+            </a:endParaRPr>
+          </a:p>
+          <a:p>
+            <a:pPr marL="514350" indent="-514350">
+              <a:buAutoNum type="arabicPeriod"/>
+            </a:pPr>
+            <a:r>
+              <a:rPr lang="en-IN" altLang="en-US" sz="2400">
+                <a:solidFill>
+                  <a:schemeClr val="bg1"/>
+                </a:solidFill>
+                <a:latin typeface="Comic Sans MS" panose="030F0702030302020204" charset="0"/>
+                <a:cs typeface="Comic Sans MS" panose="030F0702030302020204" charset="0"/>
+              </a:rPr>
+              <a:t>Mo</a:t>
+            </a:r>
+            <a:r>
+              <a:rPr lang="en-US" sz="2400">
+                <a:solidFill>
+                  <a:schemeClr val="bg1"/>
+                </a:solidFill>
+                <a:latin typeface="Comic Sans MS" panose="030F0702030302020204" charset="0"/>
+                <a:cs typeface="Comic Sans MS" panose="030F0702030302020204" charset="0"/>
+                <a:sym typeface="+mn-ea"/>
+              </a:rPr>
+              <a:t>d</a:t>
+            </a:r>
+            <a:r>
+              <a:rPr lang="en-IN" altLang="en-US" sz="2400">
+                <a:solidFill>
+                  <a:schemeClr val="bg1"/>
+                </a:solidFill>
+                <a:latin typeface="Comic Sans MS" panose="030F0702030302020204" charset="0"/>
+                <a:cs typeface="Comic Sans MS" panose="030F0702030302020204" charset="0"/>
+              </a:rPr>
+              <a:t>al Form - </a:t>
+            </a:r>
+            <a:r>
+              <a:rPr lang="en-IN" altLang="en-US">
+                <a:solidFill>
+                  <a:schemeClr val="bg1"/>
+                </a:solidFill>
+                <a:latin typeface="Comic Sans MS" panose="030F0702030302020204" charset="0"/>
+                <a:cs typeface="Comic Sans MS" panose="030F0702030302020204" charset="0"/>
+              </a:rPr>
+              <a:t>for accepting the parameters from user. Formik is use</a:t>
+            </a:r>
+            <a:r>
+              <a:rPr lang="en-US">
+                <a:solidFill>
+                  <a:schemeClr val="bg1"/>
+                </a:solidFill>
+                <a:latin typeface="Comic Sans MS" panose="030F0702030302020204" charset="0"/>
+                <a:cs typeface="Comic Sans MS" panose="030F0702030302020204" charset="0"/>
+                <a:sym typeface="+mn-ea"/>
+              </a:rPr>
+              <a:t>d</a:t>
+            </a:r>
+            <a:r>
+              <a:rPr lang="en-IN" altLang="en-US">
+                <a:solidFill>
+                  <a:schemeClr val="bg1"/>
+                </a:solidFill>
+                <a:latin typeface="Comic Sans MS" panose="030F0702030302020204" charset="0"/>
+                <a:cs typeface="Comic Sans MS" panose="030F0702030302020204" charset="0"/>
+              </a:rPr>
+              <a:t> for its optimize performance &amp; efficiency</a:t>
+            </a:r>
+            <a:endParaRPr lang="en-IN" altLang="en-US">
+              <a:solidFill>
+                <a:schemeClr val="bg1"/>
+              </a:solidFill>
+              <a:latin typeface="Comic Sans MS" panose="030F0702030302020204" charset="0"/>
+              <a:cs typeface="Comic Sans MS" panose="030F0702030302020204" charset="0"/>
+            </a:endParaRPr>
+          </a:p>
+        </p:txBody>
+      </p:sp>
+      <p:sp>
+        <p:nvSpPr>
+          <p:cNvPr id="3" name="Text Box 2"/>
+          <p:cNvSpPr txBox="1"/>
+          <p:nvPr/>
+        </p:nvSpPr>
+        <p:spPr>
+          <a:xfrm>
+            <a:off x="619125" y="461010"/>
+            <a:ext cx="7042785" cy="829945"/>
+          </a:xfrm>
+          <a:prstGeom prst="rect">
+            <a:avLst/>
+          </a:prstGeom>
+          <a:noFill/>
+        </p:spPr>
+        <p:txBody>
+          <a:bodyPr wrap="square" rtlCol="0">
+            <a:spAutoFit/>
+          </a:bodyPr>
+          <a:p>
+            <a:r>
+              <a:rPr lang="en-IN" altLang="en-US" sz="4800">
+                <a:solidFill>
+                  <a:schemeClr val="bg1"/>
+                </a:solidFill>
+                <a:latin typeface="Comic Sans MS" panose="030F0702030302020204" charset="0"/>
+                <a:cs typeface="Comic Sans MS" panose="030F0702030302020204" charset="0"/>
+                <a:sym typeface="+mn-ea"/>
+              </a:rPr>
+              <a:t>Components</a:t>
+            </a:r>
+            <a:endParaRPr lang="en-IN" altLang="en-US" sz="4800">
+              <a:solidFill>
+                <a:schemeClr val="bg1"/>
+              </a:solidFill>
+            </a:endParaRPr>
+          </a:p>
+        </p:txBody>
+      </p:sp>
+      <p:sp>
+        <p:nvSpPr>
+          <p:cNvPr id="6" name="Rectangle: Rounded Corners 16"/>
           <p:cNvSpPr/>
           <p:nvPr/>
         </p:nvSpPr>
@@ -6961,71 +7547,28 @@
       </p:sp>
       <p:pic>
         <p:nvPicPr>
-          <p:cNvPr id="2" name="Content Placeholder 1"/>
+          <p:cNvPr id="2" name="Picture 1" descr="abstract"/>
           <p:cNvPicPr>
             <a:picLocks noChangeAspect="1"/>
           </p:cNvPicPr>
-          <p:nvPr>
-            <p:ph sz="half" idx="2"/>
-          </p:nvPr>
+          <p:nvPr/>
         </p:nvPicPr>
         <p:blipFill>
-          <a:blip r:embed="rId1"/>
+          <a:blip r:embed="rId2"/>
           <a:stretch>
             <a:fillRect/>
           </a:stretch>
         </p:blipFill>
         <p:spPr>
           <a:xfrm>
-            <a:off x="332105" y="365125"/>
-            <a:ext cx="11575415" cy="5604510"/>
+            <a:off x="7553960" y="1290955"/>
+            <a:ext cx="4638040" cy="4876800"/>
           </a:xfrm>
           <a:prstGeom prst="rect">
             <a:avLst/>
           </a:prstGeom>
         </p:spPr>
       </p:pic>
-      <p:sp>
-        <p:nvSpPr>
-          <p:cNvPr id="14" name="Text Box 13"/>
-          <p:cNvSpPr txBox="1"/>
-          <p:nvPr/>
-        </p:nvSpPr>
-        <p:spPr>
-          <a:xfrm>
-            <a:off x="3865880" y="5888355"/>
-            <a:ext cx="4796155" cy="829945"/>
-          </a:xfrm>
-          <a:prstGeom prst="rect">
-            <a:avLst/>
-          </a:prstGeom>
-          <a:noFill/>
-        </p:spPr>
-        <p:txBody>
-          <a:bodyPr wrap="square" rtlCol="0">
-            <a:spAutoFit/>
-          </a:bodyPr>
-          <a:p>
-            <a:r>
-              <a:rPr lang="en-IN" altLang="en-US" sz="4800" b="1">
-                <a:solidFill>
-                  <a:schemeClr val="bg1"/>
-                </a:solidFill>
-                <a:latin typeface="Comic Sans MS" panose="030F0702030302020204" charset="0"/>
-                <a:cs typeface="Comic Sans MS" panose="030F0702030302020204" charset="0"/>
-              </a:rPr>
-              <a:t>Map Component</a:t>
-            </a:r>
-            <a:endParaRPr lang="en-IN" altLang="en-US" sz="4800" b="1">
-              <a:solidFill>
-                <a:schemeClr val="bg1"/>
-              </a:solidFill>
-              <a:latin typeface="Comic Sans MS" panose="030F0702030302020204" charset="0"/>
-              <a:cs typeface="Comic Sans MS" panose="030F0702030302020204" charset="0"/>
-            </a:endParaRPr>
-          </a:p>
-        </p:txBody>
-      </p:sp>
     </p:spTree>
   </p:cSld>
   <p:clrMapOvr>
@@ -7182,11 +7725,13 @@
       </p:sp>
       <p:pic>
         <p:nvPicPr>
-          <p:cNvPr id="10" name="Picture 9"/>
+          <p:cNvPr id="2" name="Content Placeholder 1"/>
           <p:cNvPicPr>
             <a:picLocks noChangeAspect="1"/>
           </p:cNvPicPr>
-          <p:nvPr/>
+          <p:nvPr>
+            <p:ph sz="half" idx="2"/>
+          </p:nvPr>
         </p:nvPicPr>
         <p:blipFill>
           <a:blip r:embed="rId1"/>
@@ -7196,8 +7741,8 @@
         </p:blipFill>
         <p:spPr>
           <a:xfrm>
-            <a:off x="838835" y="838200"/>
-            <a:ext cx="10605770" cy="4657090"/>
+            <a:off x="332105" y="365125"/>
+            <a:ext cx="11575415" cy="5604510"/>
           </a:xfrm>
           <a:prstGeom prst="rect">
             <a:avLst/>
@@ -7206,14 +7751,14 @@
       </p:pic>
       <p:sp>
         <p:nvSpPr>
-          <p:cNvPr id="16" name="Text Box 15"/>
+          <p:cNvPr id="14" name="Text Box 13"/>
           <p:cNvSpPr txBox="1"/>
           <p:nvPr/>
         </p:nvSpPr>
         <p:spPr>
           <a:xfrm>
-            <a:off x="3121025" y="5840095"/>
-            <a:ext cx="6532880" cy="768350"/>
+            <a:off x="3865880" y="5888355"/>
+            <a:ext cx="4796155" cy="829945"/>
           </a:xfrm>
           <a:prstGeom prst="rect">
             <a:avLst/>
@@ -7226,49 +7771,16 @@
           </a:bodyPr>
           <a:p>
             <a:r>
-              <a:rPr lang="en-IN" altLang="en-US" sz="4400" b="1">
-                <a:solidFill>
-                  <a:schemeClr val="bg1"/>
-                </a:solidFill>
-                <a:latin typeface="Comic Sans MS" panose="030F0702030302020204" charset="0"/>
-                <a:cs typeface="Comic Sans MS" panose="030F0702030302020204" charset="0"/>
-                <a:sym typeface="+mn-ea"/>
-              </a:rPr>
-              <a:t>Mo</a:t>
-            </a:r>
-            <a:r>
-              <a:rPr lang="en-US" sz="4400" b="1">
-                <a:solidFill>
-                  <a:schemeClr val="bg1"/>
-                </a:solidFill>
-                <a:latin typeface="Comic Sans MS" panose="030F0702030302020204" charset="0"/>
-                <a:cs typeface="Comic Sans MS" panose="030F0702030302020204" charset="0"/>
-                <a:sym typeface="+mn-ea"/>
-              </a:rPr>
-              <a:t>d</a:t>
-            </a:r>
-            <a:r>
-              <a:rPr lang="en-IN" altLang="en-US" sz="4400" b="1">
-                <a:solidFill>
-                  <a:schemeClr val="bg1"/>
-                </a:solidFill>
-                <a:latin typeface="Comic Sans MS" panose="030F0702030302020204" charset="0"/>
-                <a:cs typeface="Comic Sans MS" panose="030F0702030302020204" charset="0"/>
-                <a:sym typeface="+mn-ea"/>
-              </a:rPr>
-              <a:t>al Form</a:t>
-            </a:r>
-            <a:r>
-              <a:rPr lang="en-IN" altLang="en-US" sz="4400" b="1">
-                <a:solidFill>
-                  <a:schemeClr val="bg1"/>
-                </a:solidFill>
-                <a:latin typeface="Comic Sans MS" panose="030F0702030302020204" charset="0"/>
-                <a:cs typeface="Comic Sans MS" panose="030F0702030302020204" charset="0"/>
-              </a:rPr>
-              <a:t> Component</a:t>
-            </a:r>
-            <a:endParaRPr lang="en-IN" altLang="en-US" sz="4400" b="1">
+              <a:rPr lang="en-IN" altLang="en-US" sz="4800" b="1">
+                <a:solidFill>
+                  <a:schemeClr val="bg1"/>
+                </a:solidFill>
+                <a:latin typeface="Comic Sans MS" panose="030F0702030302020204" charset="0"/>
+                <a:cs typeface="Comic Sans MS" panose="030F0702030302020204" charset="0"/>
+              </a:rPr>
+              <a:t>Map Component</a:t>
+            </a:r>
+            <a:endParaRPr lang="en-IN" altLang="en-US" sz="4800" b="1">
               <a:solidFill>
                 <a:schemeClr val="bg1"/>
               </a:solidFill>
@@ -7434,7 +7946,7 @@
       </p:sp>
       <p:pic>
         <p:nvPicPr>
-          <p:cNvPr id="11" name="Picture 10"/>
+          <p:cNvPr id="10" name="Picture 9"/>
           <p:cNvPicPr>
             <a:picLocks noChangeAspect="1"/>
           </p:cNvPicPr>
@@ -7448,8 +7960,8 @@
         </p:blipFill>
         <p:spPr>
           <a:xfrm>
-            <a:off x="4236720" y="243840"/>
-            <a:ext cx="3944620" cy="6031865"/>
+            <a:off x="838835" y="838200"/>
+            <a:ext cx="10605770" cy="4657090"/>
           </a:xfrm>
           <a:prstGeom prst="rect">
             <a:avLst/>
@@ -7458,14 +7970,14 @@
       </p:pic>
       <p:sp>
         <p:nvSpPr>
-          <p:cNvPr id="18" name="Text Box 17"/>
+          <p:cNvPr id="16" name="Text Box 15"/>
           <p:cNvSpPr txBox="1"/>
           <p:nvPr/>
         </p:nvSpPr>
         <p:spPr>
           <a:xfrm>
-            <a:off x="3670300" y="6235065"/>
-            <a:ext cx="5076825" cy="645160"/>
+            <a:off x="3121025" y="5840095"/>
+            <a:ext cx="6532880" cy="768350"/>
           </a:xfrm>
           <a:prstGeom prst="rect">
             <a:avLst/>
@@ -7478,18 +7990,40 @@
           </a:bodyPr>
           <a:p>
             <a:r>
-              <a:rPr lang="en-IN" altLang="en-US" sz="3600" b="1">
-                <a:solidFill>
-                  <a:schemeClr val="bg1"/>
-                </a:solidFill>
-                <a:latin typeface="Comic Sans MS" panose="030F0702030302020204" charset="0"/>
-                <a:cs typeface="Comic Sans MS" panose="030F0702030302020204" charset="0"/>
-                <a:sym typeface="+mn-ea"/>
-              </a:rPr>
-              <a:t>Meta Data</a:t>
-            </a:r>
-            <a:r>
-              <a:rPr lang="en-IN" altLang="en-US" sz="3600" b="1">
+              <a:rPr lang="en-IN" altLang="en-US" sz="4400" b="1">
+                <a:solidFill>
+                  <a:schemeClr val="bg1"/>
+                </a:solidFill>
+                <a:latin typeface="Comic Sans MS" panose="030F0702030302020204" charset="0"/>
+                <a:cs typeface="Comic Sans MS" panose="030F0702030302020204" charset="0"/>
+                <a:sym typeface="+mn-ea"/>
+              </a:rPr>
+              <a:t>Mo</a:t>
+            </a:r>
+            <a:r>
+              <a:rPr lang="en-US" sz="4400" b="1">
+                <a:solidFill>
+                  <a:schemeClr val="bg1"/>
+                </a:solidFill>
+                <a:latin typeface="Comic Sans MS" panose="030F0702030302020204" charset="0"/>
+                <a:cs typeface="Comic Sans MS" panose="030F0702030302020204" charset="0"/>
+                <a:sym typeface="+mn-ea"/>
+              </a:rPr>
+              <a:t>d</a:t>
+            </a:r>
+            <a:r>
+              <a:rPr lang="en-IN" altLang="en-US" sz="4400" b="1">
+                <a:solidFill>
+                  <a:schemeClr val="bg1"/>
+                </a:solidFill>
+                <a:latin typeface="Comic Sans MS" panose="030F0702030302020204" charset="0"/>
+                <a:cs typeface="Comic Sans MS" panose="030F0702030302020204" charset="0"/>
+                <a:sym typeface="+mn-ea"/>
+              </a:rPr>
+              <a:t>al Form</a:t>
+            </a:r>
+            <a:r>
+              <a:rPr lang="en-IN" altLang="en-US" sz="4400" b="1">
                 <a:solidFill>
                   <a:schemeClr val="bg1"/>
                 </a:solidFill>
@@ -7498,7 +8032,7 @@
               </a:rPr>
               <a:t> Component</a:t>
             </a:r>
-            <a:endParaRPr lang="en-IN" altLang="en-US" sz="3600" b="1">
+            <a:endParaRPr lang="en-IN" altLang="en-US" sz="4400" b="1">
               <a:solidFill>
                 <a:schemeClr val="bg1"/>
               </a:solidFill>
@@ -7528,14 +8062,32 @@
       <p:grpSpPr/>
       <p:sp>
         <p:nvSpPr>
-          <p:cNvPr id="5" name="Rectangle 4"/>
+          <p:cNvPr id="4" name="Title 3"/>
+          <p:cNvSpPr>
+            <a:spLocks noGrp="1"/>
+          </p:cNvSpPr>
+          <p:nvPr>
+            <p:ph type="title"/>
+          </p:nvPr>
+        </p:nvSpPr>
+        <p:spPr/>
+        <p:txBody>
+          <a:bodyPr/>
+          <a:p>
+            <a:endParaRPr lang="en-US"/>
+          </a:p>
+        </p:txBody>
+      </p:sp>
+      <p:sp>
+        <p:nvSpPr>
+          <p:cNvPr id="6" name="Rectangle 4"/>
           <p:cNvSpPr/>
           <p:nvPr/>
         </p:nvSpPr>
         <p:spPr>
           <a:xfrm>
             <a:off x="0" y="0"/>
-            <a:ext cx="12192000" cy="6858000"/>
+            <a:ext cx="12265660" cy="6858000"/>
           </a:xfrm>
           <a:prstGeom prst="rect">
             <a:avLst/>
@@ -7566,370 +8118,14 @@
         <p:txBody>
           <a:bodyPr rtlCol="0" anchor="ctr"/>
           <a:p>
-            <a:pPr algn="dist"/>
+            <a:pPr algn="ctr"/>
             <a:endParaRPr lang="en-ID"/>
           </a:p>
         </p:txBody>
       </p:sp>
       <p:sp>
         <p:nvSpPr>
-          <p:cNvPr id="6" name="Text Box 5"/>
-          <p:cNvSpPr txBox="1"/>
-          <p:nvPr/>
-        </p:nvSpPr>
-        <p:spPr>
-          <a:xfrm>
-            <a:off x="521970" y="419100"/>
-            <a:ext cx="7720965" cy="829945"/>
-          </a:xfrm>
-          <a:prstGeom prst="rect">
-            <a:avLst/>
-          </a:prstGeom>
-          <a:noFill/>
-        </p:spPr>
-        <p:txBody>
-          <a:bodyPr wrap="square" rtlCol="0">
-            <a:spAutoFit/>
-          </a:bodyPr>
-          <a:p>
-            <a:r>
-              <a:rPr lang="en-IN" sz="4800" i="1">
-                <a:solidFill>
-                  <a:schemeClr val="bg1"/>
-                </a:solidFill>
-                <a:latin typeface="Comic Sans MS" panose="030F0702030302020204" charset="0"/>
-                <a:cs typeface="Comic Sans MS" panose="030F0702030302020204" charset="0"/>
-                <a:sym typeface="+mn-ea"/>
-              </a:rPr>
-              <a:t>Resolving Prop-</a:t>
-            </a:r>
-            <a:r>
-              <a:rPr lang="en-US" sz="4800" i="1">
-                <a:solidFill>
-                  <a:schemeClr val="bg1"/>
-                </a:solidFill>
-                <a:latin typeface="Comic Sans MS" panose="030F0702030302020204" charset="0"/>
-                <a:cs typeface="Comic Sans MS" panose="030F0702030302020204" charset="0"/>
-                <a:sym typeface="+mn-ea"/>
-              </a:rPr>
-              <a:t>D</a:t>
-            </a:r>
-            <a:r>
-              <a:rPr lang="en-IN" sz="4800" i="1">
-                <a:solidFill>
-                  <a:schemeClr val="bg1"/>
-                </a:solidFill>
-                <a:latin typeface="Comic Sans MS" panose="030F0702030302020204" charset="0"/>
-                <a:cs typeface="Comic Sans MS" panose="030F0702030302020204" charset="0"/>
-                <a:sym typeface="+mn-ea"/>
-              </a:rPr>
-              <a:t>rilling</a:t>
-            </a:r>
-            <a:endParaRPr lang="en-US" sz="4800">
-              <a:solidFill>
-                <a:schemeClr val="bg1"/>
-              </a:solidFill>
-            </a:endParaRPr>
-          </a:p>
-        </p:txBody>
-      </p:sp>
-      <p:sp>
-        <p:nvSpPr>
           <p:cNvPr id="17" name="Rectangle: Rounded Corners 16"/>
-          <p:cNvSpPr/>
-          <p:nvPr/>
-        </p:nvSpPr>
-        <p:spPr>
-          <a:xfrm>
-            <a:off x="10543262" y="6409060"/>
-            <a:ext cx="1483417" cy="320869"/>
-          </a:xfrm>
-          <a:prstGeom prst="roundRect">
-            <a:avLst>
-              <a:gd name="adj" fmla="val 50000"/>
-            </a:avLst>
-          </a:prstGeom>
-          <a:gradFill flip="none" rotWithShape="1">
-            <a:gsLst>
-              <a:gs pos="0">
-                <a:srgbClr val="E30000"/>
-              </a:gs>
-              <a:gs pos="100000">
-                <a:srgbClr val="760303"/>
-              </a:gs>
-            </a:gsLst>
-            <a:lin ang="10800000" scaled="0"/>
-          </a:gradFill>
-          <a:ln>
-            <a:noFill/>
-          </a:ln>
-        </p:spPr>
-        <p:style>
-          <a:lnRef idx="2">
-            <a:schemeClr val="accent1">
-              <a:shade val="50000"/>
-            </a:schemeClr>
-          </a:lnRef>
-          <a:fillRef idx="1">
-            <a:schemeClr val="accent1"/>
-          </a:fillRef>
-          <a:effectRef idx="0">
-            <a:schemeClr val="accent1"/>
-          </a:effectRef>
-          <a:fontRef idx="minor">
-            <a:schemeClr val="lt1"/>
-          </a:fontRef>
-        </p:style>
-        <p:txBody>
-          <a:bodyPr rtlCol="0" anchor="ctr"/>
-          <a:lstStyle/>
-          <a:p>
-            <a:pPr algn="ctr"/>
-            <a:r>
-              <a:rPr lang="en-US" altLang="en-ID" sz="1400" dirty="0">
-                <a:solidFill>
-                  <a:schemeClr val="tx1"/>
-                </a:solidFill>
-                <a:latin typeface="Arial Black" panose="020B0A04020102020204" pitchFamily="34" charset="0"/>
-                <a:cs typeface="Arial Black" panose="020B0A04020102020204" pitchFamily="34" charset="0"/>
-              </a:rPr>
-              <a:t>Bioscope</a:t>
-            </a:r>
-            <a:endParaRPr lang="en-US" altLang="en-ID" sz="1400" dirty="0">
-              <a:solidFill>
-                <a:schemeClr val="tx1"/>
-              </a:solidFill>
-              <a:latin typeface="Arial Black" panose="020B0A04020102020204" pitchFamily="34" charset="0"/>
-              <a:cs typeface="Arial Black" panose="020B0A04020102020204" pitchFamily="34" charset="0"/>
-            </a:endParaRPr>
-          </a:p>
-        </p:txBody>
-      </p:sp>
-      <p:sp>
-        <p:nvSpPr>
-          <p:cNvPr id="3" name="Text Box 2"/>
-          <p:cNvSpPr txBox="1"/>
-          <p:nvPr/>
-        </p:nvSpPr>
-        <p:spPr>
-          <a:xfrm>
-            <a:off x="521970" y="1612900"/>
-            <a:ext cx="7370445" cy="4892675"/>
-          </a:xfrm>
-          <a:prstGeom prst="rect">
-            <a:avLst/>
-          </a:prstGeom>
-          <a:noFill/>
-        </p:spPr>
-        <p:txBody>
-          <a:bodyPr wrap="square" rtlCol="0">
-            <a:spAutoFit/>
-          </a:bodyPr>
-          <a:p>
-            <a:r>
-              <a:rPr lang="en-US" sz="2400">
-                <a:solidFill>
-                  <a:schemeClr val="bg1"/>
-                </a:solidFill>
-                <a:latin typeface="Comic Sans MS" panose="030F0702030302020204" charset="0"/>
-                <a:cs typeface="Comic Sans MS" panose="030F0702030302020204" charset="0"/>
-              </a:rPr>
-              <a:t>Prop drilling is a situation where data is passed from one component through multiple interdependent components until we get to the component where the data is needed</a:t>
-            </a:r>
-            <a:br>
-              <a:rPr lang="en-US" sz="2400">
-                <a:solidFill>
-                  <a:schemeClr val="bg1"/>
-                </a:solidFill>
-                <a:latin typeface="Comic Sans MS" panose="030F0702030302020204" charset="0"/>
-                <a:cs typeface="Comic Sans MS" panose="030F0702030302020204" charset="0"/>
-              </a:rPr>
-            </a:br>
-            <a:br>
-              <a:rPr lang="en-US" sz="2400">
-                <a:solidFill>
-                  <a:schemeClr val="bg1"/>
-                </a:solidFill>
-                <a:latin typeface="Comic Sans MS" panose="030F0702030302020204" charset="0"/>
-                <a:cs typeface="Comic Sans MS" panose="030F0702030302020204" charset="0"/>
-              </a:rPr>
-            </a:br>
-            <a:r>
-              <a:rPr lang="en-US" sz="2400">
-                <a:solidFill>
-                  <a:schemeClr val="bg1"/>
-                </a:solidFill>
-                <a:latin typeface="Comic Sans MS" panose="030F0702030302020204" charset="0"/>
-                <a:cs typeface="Comic Sans MS" panose="030F0702030302020204" charset="0"/>
-              </a:rPr>
-              <a:t>It makes the application slower, re</a:t>
-            </a:r>
-            <a:r>
-              <a:rPr lang="en-US" sz="2400">
-                <a:solidFill>
-                  <a:schemeClr val="bg1"/>
-                </a:solidFill>
-                <a:latin typeface="Comic Sans MS" panose="030F0702030302020204" charset="0"/>
-                <a:cs typeface="Comic Sans MS" panose="030F0702030302020204" charset="0"/>
-                <a:sym typeface="+mn-ea"/>
-              </a:rPr>
-              <a:t>d</a:t>
-            </a:r>
-            <a:r>
-              <a:rPr lang="en-US" sz="2400">
-                <a:solidFill>
-                  <a:schemeClr val="bg1"/>
-                </a:solidFill>
-                <a:latin typeface="Comic Sans MS" panose="030F0702030302020204" charset="0"/>
-                <a:cs typeface="Comic Sans MS" panose="030F0702030302020204" charset="0"/>
-              </a:rPr>
-              <a:t>uces efficiency &amp; increases latency. Which nee</a:t>
-            </a:r>
-            <a:r>
-              <a:rPr lang="en-US" sz="2400">
-                <a:solidFill>
-                  <a:schemeClr val="bg1"/>
-                </a:solidFill>
-                <a:latin typeface="Comic Sans MS" panose="030F0702030302020204" charset="0"/>
-                <a:cs typeface="Comic Sans MS" panose="030F0702030302020204" charset="0"/>
-                <a:sym typeface="+mn-ea"/>
-              </a:rPr>
-              <a:t>d</a:t>
-            </a:r>
-            <a:r>
-              <a:rPr lang="en-US" sz="2400">
-                <a:solidFill>
-                  <a:schemeClr val="bg1"/>
-                </a:solidFill>
-                <a:latin typeface="Comic Sans MS" panose="030F0702030302020204" charset="0"/>
-                <a:cs typeface="Comic Sans MS" panose="030F0702030302020204" charset="0"/>
-              </a:rPr>
-              <a:t>s to be remove</a:t>
-            </a:r>
-            <a:r>
-              <a:rPr lang="en-US" sz="2400">
-                <a:solidFill>
-                  <a:schemeClr val="bg1"/>
-                </a:solidFill>
-                <a:latin typeface="Comic Sans MS" panose="030F0702030302020204" charset="0"/>
-                <a:cs typeface="Comic Sans MS" panose="030F0702030302020204" charset="0"/>
-                <a:sym typeface="+mn-ea"/>
-              </a:rPr>
-              <a:t>d</a:t>
-            </a:r>
-            <a:r>
-              <a:rPr lang="en-US" sz="2400">
-                <a:solidFill>
-                  <a:schemeClr val="bg1"/>
-                </a:solidFill>
-                <a:latin typeface="Comic Sans MS" panose="030F0702030302020204" charset="0"/>
-                <a:cs typeface="Comic Sans MS" panose="030F0702030302020204" charset="0"/>
-              </a:rPr>
-              <a:t> for better performance</a:t>
-            </a:r>
-            <a:endParaRPr lang="en-US" sz="2400">
-              <a:solidFill>
-                <a:schemeClr val="bg1"/>
-              </a:solidFill>
-              <a:latin typeface="Comic Sans MS" panose="030F0702030302020204" charset="0"/>
-              <a:cs typeface="Comic Sans MS" panose="030F0702030302020204" charset="0"/>
-            </a:endParaRPr>
-          </a:p>
-          <a:p>
-            <a:endParaRPr lang="en-US" sz="2400">
-              <a:solidFill>
-                <a:schemeClr val="bg1"/>
-              </a:solidFill>
-              <a:latin typeface="Comic Sans MS" panose="030F0702030302020204" charset="0"/>
-              <a:cs typeface="Comic Sans MS" panose="030F0702030302020204" charset="0"/>
-            </a:endParaRPr>
-          </a:p>
-          <a:p>
-            <a:r>
-              <a:rPr lang="en-US" sz="2400" b="1">
-                <a:solidFill>
-                  <a:schemeClr val="bg1"/>
-                </a:solidFill>
-                <a:latin typeface="Arial" panose="020B0604020202020204" pitchFamily="34" charset="0"/>
-                <a:cs typeface="Arial" panose="020B0604020202020204" pitchFamily="34" charset="0"/>
-              </a:rPr>
-              <a:t>→</a:t>
-            </a:r>
-            <a:r>
-              <a:rPr lang="en-US" sz="2400">
-                <a:solidFill>
-                  <a:schemeClr val="bg1"/>
-                </a:solidFill>
-                <a:latin typeface="Arial" panose="020B0604020202020204" pitchFamily="34" charset="0"/>
-                <a:cs typeface="Arial" panose="020B0604020202020204" pitchFamily="34" charset="0"/>
-              </a:rPr>
-              <a:t> </a:t>
-            </a:r>
-            <a:r>
-              <a:rPr lang="en-US" sz="2400">
-                <a:solidFill>
-                  <a:schemeClr val="bg1"/>
-                </a:solidFill>
-                <a:latin typeface="Comic Sans MS" panose="030F0702030302020204" charset="0"/>
-                <a:cs typeface="Comic Sans MS" panose="030F0702030302020204" charset="0"/>
-              </a:rPr>
-              <a:t>We have resolve</a:t>
-            </a:r>
-            <a:r>
-              <a:rPr lang="en-US" sz="2400">
-                <a:solidFill>
-                  <a:schemeClr val="bg1"/>
-                </a:solidFill>
-                <a:latin typeface="Comic Sans MS" panose="030F0702030302020204" charset="0"/>
-                <a:cs typeface="Comic Sans MS" panose="030F0702030302020204" charset="0"/>
-                <a:sym typeface="+mn-ea"/>
-              </a:rPr>
-              <a:t>d</a:t>
-            </a:r>
-            <a:r>
-              <a:rPr lang="en-US" sz="2400">
-                <a:solidFill>
-                  <a:schemeClr val="bg1"/>
-                </a:solidFill>
-                <a:latin typeface="Comic Sans MS" panose="030F0702030302020204" charset="0"/>
-                <a:cs typeface="Comic Sans MS" panose="030F0702030302020204" charset="0"/>
-              </a:rPr>
-              <a:t> the prop </a:t>
-            </a:r>
-            <a:r>
-              <a:rPr lang="en-US" sz="2400">
-                <a:solidFill>
-                  <a:schemeClr val="bg1"/>
-                </a:solidFill>
-                <a:latin typeface="Comic Sans MS" panose="030F0702030302020204" charset="0"/>
-                <a:cs typeface="Comic Sans MS" panose="030F0702030302020204" charset="0"/>
-                <a:sym typeface="+mn-ea"/>
-              </a:rPr>
-              <a:t>d</a:t>
-            </a:r>
-            <a:r>
-              <a:rPr lang="en-US" sz="2400">
-                <a:solidFill>
-                  <a:schemeClr val="bg1"/>
-                </a:solidFill>
-                <a:latin typeface="Comic Sans MS" panose="030F0702030302020204" charset="0"/>
-                <a:cs typeface="Comic Sans MS" panose="030F0702030302020204" charset="0"/>
-              </a:rPr>
-              <a:t>rilling by using ‘’Context-Api” which makes the states global, making the state reachable from anywhere on the tree</a:t>
-            </a:r>
-            <a:endParaRPr lang="en-US" sz="2400">
-              <a:solidFill>
-                <a:schemeClr val="bg1"/>
-              </a:solidFill>
-              <a:latin typeface="Comic Sans MS" panose="030F0702030302020204" charset="0"/>
-              <a:cs typeface="Comic Sans MS" panose="030F0702030302020204" charset="0"/>
-            </a:endParaRPr>
-          </a:p>
-        </p:txBody>
-      </p:sp>
-      <p:sp>
-        <p:nvSpPr>
-          <p:cNvPr id="4" name="Rectangle: Rounded Corners 16"/>
           <p:cNvSpPr/>
           <p:nvPr/>
         </p:nvSpPr>
@@ -8002,7 +8198,7 @@
       </p:sp>
       <p:pic>
         <p:nvPicPr>
-          <p:cNvPr id="9" name="Picture 8" descr="moustache"/>
+          <p:cNvPr id="11" name="Picture 10"/>
           <p:cNvPicPr>
             <a:picLocks noChangeAspect="1"/>
           </p:cNvPicPr>
@@ -8016,14 +8212,66 @@
         </p:blipFill>
         <p:spPr>
           <a:xfrm>
-            <a:off x="7733030" y="1249045"/>
-            <a:ext cx="4002405" cy="4002405"/>
+            <a:off x="4236720" y="243840"/>
+            <a:ext cx="3944620" cy="6031865"/>
           </a:xfrm>
           <a:prstGeom prst="rect">
             <a:avLst/>
           </a:prstGeom>
         </p:spPr>
       </p:pic>
+      <p:sp>
+        <p:nvSpPr>
+          <p:cNvPr id="18" name="Text Box 17"/>
+          <p:cNvSpPr txBox="1"/>
+          <p:nvPr/>
+        </p:nvSpPr>
+        <p:spPr>
+          <a:xfrm>
+            <a:off x="3670300" y="6235065"/>
+            <a:ext cx="5076825" cy="645160"/>
+          </a:xfrm>
+          <a:prstGeom prst="rect">
+            <a:avLst/>
+          </a:prstGeom>
+          <a:noFill/>
+        </p:spPr>
+        <p:txBody>
+          <a:bodyPr wrap="square" rtlCol="0">
+            <a:spAutoFit/>
+          </a:bodyPr>
+          <a:p>
+            <a:r>
+              <a:rPr lang="en-IN" altLang="en-US" sz="3600" b="1">
+                <a:solidFill>
+                  <a:schemeClr val="bg1"/>
+                </a:solidFill>
+                <a:latin typeface="Comic Sans MS" panose="030F0702030302020204" charset="0"/>
+                <a:cs typeface="Comic Sans MS" panose="030F0702030302020204" charset="0"/>
+                <a:sym typeface="+mn-ea"/>
+              </a:rPr>
+              <a:t>Meta Data</a:t>
+            </a:r>
+            <a:r>
+              <a:rPr lang="en-IN" altLang="en-US" sz="3600" b="1">
+                <a:solidFill>
+                  <a:schemeClr val="bg1"/>
+                </a:solidFill>
+                <a:latin typeface="Comic Sans MS" panose="030F0702030302020204" charset="0"/>
+                <a:cs typeface="Comic Sans MS" panose="030F0702030302020204" charset="0"/>
+              </a:rPr>
+              <a:t> Component</a:t>
+            </a:r>
+            <a:endParaRPr lang="en-IN" altLang="en-US" sz="3600" b="1">
+              <a:solidFill>
+                <a:schemeClr val="bg1"/>
+              </a:solidFill>
+              <a:latin typeface="Comic Sans MS" panose="030F0702030302020204" charset="0"/>
+              <a:cs typeface="Comic Sans MS" panose="030F0702030302020204" charset="0"/>
+            </a:endParaRPr>
+          </a:p>
+        </p:txBody>
+      </p:sp>
     </p:spTree>
   </p:cSld>
   <p:clrMapOvr>
@@ -8050,7 +8298,7 @@
         </p:nvSpPr>
         <p:spPr>
           <a:xfrm>
-            <a:off x="0" y="-635"/>
+            <a:off x="0" y="0"/>
             <a:ext cx="12192000" cy="6858000"/>
           </a:xfrm>
           <a:prstGeom prst="rect">
@@ -8082,21 +8330,21 @@
         <p:txBody>
           <a:bodyPr rtlCol="0" anchor="ctr"/>
           <a:p>
-            <a:pPr algn="ctr"/>
+            <a:pPr algn="dist"/>
             <a:endParaRPr lang="en-ID"/>
           </a:p>
         </p:txBody>
       </p:sp>
       <p:sp>
         <p:nvSpPr>
-          <p:cNvPr id="4" name="Text Box 3"/>
+          <p:cNvPr id="6" name="Text Box 5"/>
           <p:cNvSpPr txBox="1"/>
           <p:nvPr/>
         </p:nvSpPr>
         <p:spPr>
           <a:xfrm>
-            <a:off x="335915" y="137160"/>
-            <a:ext cx="6849110" cy="829945"/>
+            <a:off x="521970" y="419100"/>
+            <a:ext cx="7720965" cy="829945"/>
           </a:xfrm>
           <a:prstGeom prst="rect">
             <a:avLst/>
@@ -8109,59 +8357,128 @@
           </a:bodyPr>
           <a:p>
             <a:r>
+              <a:rPr lang="en-IN" sz="4800" i="1">
+                <a:solidFill>
+                  <a:schemeClr val="bg1"/>
+                </a:solidFill>
+                <a:latin typeface="Comic Sans MS" panose="030F0702030302020204" charset="0"/>
+                <a:cs typeface="Comic Sans MS" panose="030F0702030302020204" charset="0"/>
+                <a:sym typeface="+mn-ea"/>
+              </a:rPr>
+              <a:t>Resolving Prop-</a:t>
+            </a:r>
+            <a:r>
               <a:rPr lang="en-US" sz="4800" i="1">
                 <a:solidFill>
                   <a:schemeClr val="bg1"/>
                 </a:solidFill>
                 <a:latin typeface="Comic Sans MS" panose="030F0702030302020204" charset="0"/>
                 <a:cs typeface="Comic Sans MS" panose="030F0702030302020204" charset="0"/>
-              </a:rPr>
-              <a:t>Component Life-Cycle</a:t>
-            </a:r>
-            <a:endParaRPr lang="en-US" sz="4800" i="1">
+                <a:sym typeface="+mn-ea"/>
+              </a:rPr>
+              <a:t>D</a:t>
+            </a:r>
+            <a:r>
+              <a:rPr lang="en-IN" sz="4800" i="1">
+                <a:solidFill>
+                  <a:schemeClr val="bg1"/>
+                </a:solidFill>
+                <a:latin typeface="Comic Sans MS" panose="030F0702030302020204" charset="0"/>
+                <a:cs typeface="Comic Sans MS" panose="030F0702030302020204" charset="0"/>
+                <a:sym typeface="+mn-ea"/>
+              </a:rPr>
+              <a:t>rilling</a:t>
+            </a:r>
+            <a:endParaRPr lang="en-US" sz="4800">
               <a:solidFill>
                 <a:schemeClr val="bg1"/>
               </a:solidFill>
-              <a:latin typeface="Comic Sans MS" panose="030F0702030302020204" charset="0"/>
-              <a:cs typeface="Comic Sans MS" panose="030F0702030302020204" charset="0"/>
             </a:endParaRPr>
           </a:p>
         </p:txBody>
       </p:sp>
-      <p:pic>
-        <p:nvPicPr>
-          <p:cNvPr id="3" name="Picture 2" descr="cycle"/>
-          <p:cNvPicPr>
-            <a:picLocks noChangeAspect="1"/>
-          </p:cNvPicPr>
+      <p:sp>
+        <p:nvSpPr>
+          <p:cNvPr id="17" name="Rectangle: Rounded Corners 16"/>
+          <p:cNvSpPr/>
           <p:nvPr/>
-        </p:nvPicPr>
-        <p:blipFill>
-          <a:blip r:embed="rId1"/>
-          <a:stretch>
-            <a:fillRect/>
-          </a:stretch>
-        </p:blipFill>
+        </p:nvSpPr>
         <p:spPr>
           <a:xfrm>
-            <a:off x="7315200" y="650240"/>
-            <a:ext cx="4876800" cy="4876800"/>
+            <a:off x="10543262" y="6409060"/>
+            <a:ext cx="1483417" cy="320869"/>
           </a:xfrm>
-          <a:prstGeom prst="rect">
-            <a:avLst/>
+          <a:prstGeom prst="roundRect">
+            <a:avLst>
+              <a:gd name="adj" fmla="val 50000"/>
+            </a:avLst>
           </a:prstGeom>
+          <a:gradFill flip="none" rotWithShape="1">
+            <a:gsLst>
+              <a:gs pos="0">
+                <a:srgbClr val="E30000"/>
+              </a:gs>
+              <a:gs pos="100000">
+                <a:srgbClr val="760303"/>
+              </a:gs>
+            </a:gsLst>
+            <a:lin ang="10800000" scaled="0"/>
+          </a:gradFill>
+          <a:ln>
+            <a:noFill/>
+          </a:ln>
         </p:spPr>
-      </p:pic>
-      <p:sp>
-        <p:nvSpPr>
-          <p:cNvPr id="6" name="Text Box 5"/>
+        <p:style>
+          <a:lnRef idx="2">
+            <a:schemeClr val="accent1">
+              <a:shade val="50000"/>
+            </a:schemeClr>
+          </a:lnRef>
+          <a:fillRef idx="1">
+            <a:schemeClr val="accent1"/>
+          </a:fillRef>
+          <a:effectRef idx="0">
+            <a:schemeClr val="accent1"/>
+          </a:effectRef>
+          <a:fontRef idx="minor">
+            <a:schemeClr val="lt1"/>
+          </a:fontRef>
+        </p:style>
+        <p:txBody>
+          <a:bodyPr rtlCol="0" anchor="ctr"/>
+          <a:lstStyle/>
+          <a:p>
+            <a:pPr algn="ctr"/>
+            <a:r>
+              <a:rPr lang="en-US" altLang="en-ID" sz="1400" dirty="0">
+                <a:solidFill>
+                  <a:schemeClr val="tx1"/>
+                </a:solidFill>
+                <a:latin typeface="Arial Black" panose="020B0A04020102020204" pitchFamily="34" charset="0"/>
+                <a:cs typeface="Arial Black" panose="020B0A04020102020204" pitchFamily="34" charset="0"/>
+              </a:rPr>
+              <a:t>Bioscope</a:t>
+            </a:r>
+            <a:endParaRPr lang="en-US" altLang="en-ID" sz="1400" dirty="0">
+              <a:solidFill>
+                <a:schemeClr val="tx1"/>
+              </a:solidFill>
+              <a:latin typeface="Arial Black" panose="020B0A04020102020204" pitchFamily="34" charset="0"/>
+              <a:cs typeface="Arial Black" panose="020B0A04020102020204" pitchFamily="34" charset="0"/>
+            </a:endParaRPr>
+          </a:p>
+        </p:txBody>
+      </p:sp>
+      <p:sp>
+        <p:nvSpPr>
+          <p:cNvPr id="3" name="Text Box 2"/>
           <p:cNvSpPr txBox="1"/>
           <p:nvPr/>
         </p:nvSpPr>
         <p:spPr>
           <a:xfrm>
-            <a:off x="424815" y="1223645"/>
-            <a:ext cx="6970395" cy="5262245"/>
+            <a:off x="521970" y="1612900"/>
+            <a:ext cx="7370445" cy="4892675"/>
           </a:xfrm>
           <a:prstGeom prst="rect">
             <a:avLst/>
@@ -8181,7 +8498,98 @@
                 <a:latin typeface="Comic Sans MS" panose="030F0702030302020204" charset="0"/>
                 <a:cs typeface="Comic Sans MS" panose="030F0702030302020204" charset="0"/>
               </a:rPr>
-              <a:t>Each component in React has a lifecycle which we can monitor and manipulate during its three main phases</a:t>
+              <a:t>Prop drilling is a situation where data is passed from one component through multiple interdependent components until we get to the component where the data is needed</a:t>
+            </a:r>
+            <a:br>
+              <a:rPr lang="en-US" sz="2400">
+                <a:solidFill>
+                  <a:schemeClr val="bg1"/>
+                </a:solidFill>
+                <a:latin typeface="Comic Sans MS" panose="030F0702030302020204" charset="0"/>
+                <a:cs typeface="Comic Sans MS" panose="030F0702030302020204" charset="0"/>
+              </a:rPr>
+            </a:br>
+            <a:br>
+              <a:rPr lang="en-US" sz="2400">
+                <a:solidFill>
+                  <a:schemeClr val="bg1"/>
+                </a:solidFill>
+                <a:latin typeface="Comic Sans MS" panose="030F0702030302020204" charset="0"/>
+                <a:cs typeface="Comic Sans MS" panose="030F0702030302020204" charset="0"/>
+              </a:rPr>
+            </a:br>
+            <a:r>
+              <a:rPr lang="en-US" sz="2400">
+                <a:solidFill>
+                  <a:schemeClr val="bg1"/>
+                </a:solidFill>
+                <a:latin typeface="Comic Sans MS" panose="030F0702030302020204" charset="0"/>
+                <a:cs typeface="Comic Sans MS" panose="030F0702030302020204" charset="0"/>
+              </a:rPr>
+              <a:t>It makes the application slower, re</a:t>
+            </a:r>
+            <a:r>
+              <a:rPr lang="en-US" sz="2400">
+                <a:solidFill>
+                  <a:schemeClr val="bg1"/>
+                </a:solidFill>
+                <a:latin typeface="Comic Sans MS" panose="030F0702030302020204" charset="0"/>
+                <a:cs typeface="Comic Sans MS" panose="030F0702030302020204" charset="0"/>
+                <a:sym typeface="+mn-ea"/>
+              </a:rPr>
+              <a:t>d</a:t>
+            </a:r>
+            <a:r>
+              <a:rPr lang="en-US" sz="2400">
+                <a:solidFill>
+                  <a:schemeClr val="bg1"/>
+                </a:solidFill>
+                <a:latin typeface="Comic Sans MS" panose="030F0702030302020204" charset="0"/>
+                <a:cs typeface="Comic Sans MS" panose="030F0702030302020204" charset="0"/>
+              </a:rPr>
+              <a:t>uces efficiency &amp; increases latency. Which nee</a:t>
+            </a:r>
+            <a:r>
+              <a:rPr lang="en-US" sz="2400">
+                <a:solidFill>
+                  <a:schemeClr val="bg1"/>
+                </a:solidFill>
+                <a:latin typeface="Comic Sans MS" panose="030F0702030302020204" charset="0"/>
+                <a:cs typeface="Comic Sans MS" panose="030F0702030302020204" charset="0"/>
+                <a:sym typeface="+mn-ea"/>
+              </a:rPr>
+              <a:t>d</a:t>
+            </a:r>
+            <a:r>
+              <a:rPr lang="en-US" sz="2400">
+                <a:solidFill>
+                  <a:schemeClr val="bg1"/>
+                </a:solidFill>
+                <a:latin typeface="Comic Sans MS" panose="030F0702030302020204" charset="0"/>
+                <a:cs typeface="Comic Sans MS" panose="030F0702030302020204" charset="0"/>
+              </a:rPr>
+              <a:t>s to be remove</a:t>
+            </a:r>
+            <a:r>
+              <a:rPr lang="en-US" sz="2400">
+                <a:solidFill>
+                  <a:schemeClr val="bg1"/>
+                </a:solidFill>
+                <a:latin typeface="Comic Sans MS" panose="030F0702030302020204" charset="0"/>
+                <a:cs typeface="Comic Sans MS" panose="030F0702030302020204" charset="0"/>
+                <a:sym typeface="+mn-ea"/>
+              </a:rPr>
+              <a:t>d</a:t>
+            </a:r>
+            <a:r>
+              <a:rPr lang="en-US" sz="2400">
+                <a:solidFill>
+                  <a:schemeClr val="bg1"/>
+                </a:solidFill>
+                <a:latin typeface="Comic Sans MS" panose="030F0702030302020204" charset="0"/>
+                <a:cs typeface="Comic Sans MS" panose="030F0702030302020204" charset="0"/>
+              </a:rPr>
+              <a:t> for better performance</a:t>
             </a:r>
             <a:endParaRPr lang="en-US" sz="2400">
               <a:solidFill>
@@ -8202,16 +8610,26 @@
           </a:p>
           <a:p>
             <a:r>
+              <a:rPr lang="en-US" sz="2400" b="1">
+                <a:solidFill>
+                  <a:schemeClr val="bg1"/>
+                </a:solidFill>
+                <a:latin typeface="Arial" panose="020B0604020202020204" pitchFamily="34" charset="0"/>
+                <a:cs typeface="Arial" panose="020B0604020202020204" pitchFamily="34" charset="0"/>
+              </a:rPr>
+              <a:t>→</a:t>
+            </a:r>
+            <a:r>
               <a:rPr lang="en-US" sz="2400">
                 <a:solidFill>
                   <a:schemeClr val="bg1"/>
                 </a:solidFill>
-                <a:latin typeface="Comic Sans MS" panose="030F0702030302020204" charset="0"/>
-                <a:cs typeface="Comic Sans MS" panose="030F0702030302020204" charset="0"/>
-              </a:rPr>
-              <a:t>The three phases are: Mounting, Updating, and Unmounting</a:t>
-            </a:r>
-            <a:br>
+                <a:latin typeface="Arial" panose="020B0604020202020204" pitchFamily="34" charset="0"/>
+                <a:cs typeface="Arial" panose="020B0604020202020204" pitchFamily="34" charset="0"/>
+              </a:rPr>
+              <a:t> </a:t>
+            </a:r>
+            <a:r>
               <a:rPr lang="en-US" sz="2400">
                 <a:solidFill>
                   <a:schemeClr val="bg1"/>
@@ -8219,16 +8637,19 @@
                 <a:latin typeface="Comic Sans MS" panose="030F0702030302020204" charset="0"/>
                 <a:cs typeface="Comic Sans MS" panose="030F0702030302020204" charset="0"/>
               </a:rPr>
-            </a:br>
-            <a:br>
+              <a:t>We have resolve</a:t>
+            </a:r>
+            <a:r>
               <a:rPr lang="en-US" sz="2400">
                 <a:solidFill>
                   <a:schemeClr val="bg1"/>
                 </a:solidFill>
                 <a:latin typeface="Comic Sans MS" panose="030F0702030302020204" charset="0"/>
                 <a:cs typeface="Comic Sans MS" panose="030F0702030302020204" charset="0"/>
-              </a:rPr>
-            </a:br>
+                <a:sym typeface="+mn-ea"/>
+              </a:rPr>
+              <a:t>d</a:t>
+            </a:r>
             <a:r>
               <a:rPr lang="en-US" sz="2400">
                 <a:solidFill>
@@ -8237,7 +8658,7 @@
                 <a:latin typeface="Comic Sans MS" panose="030F0702030302020204" charset="0"/>
                 <a:cs typeface="Comic Sans MS" panose="030F0702030302020204" charset="0"/>
               </a:rPr>
-              <a:t>In this project lifecycle of each component has its trigger </a:t>
+              <a:t> the prop </a:t>
             </a:r>
             <a:r>
               <a:rPr lang="en-US" sz="2400">
@@ -8258,7 +8679,7 @@
                 <a:latin typeface="Comic Sans MS" panose="030F0702030302020204" charset="0"/>
                 <a:cs typeface="Comic Sans MS" panose="030F0702030302020204" charset="0"/>
               </a:rPr>
-              <a:t>epenency :</a:t>
+              <a:t>rilling by using ‘’Context-Api” which makes the states global, making the state reachable from anywhere on the tree</a:t>
             </a:r>
             <a:endParaRPr lang="en-US" sz="2400">
               <a:solidFill>
@@ -8268,331 +8689,11 @@
               <a:cs typeface="Comic Sans MS" panose="030F0702030302020204" charset="0"/>
             </a:endParaRPr>
           </a:p>
-          <a:p>
-            <a:endParaRPr lang="en-US" sz="2400">
-              <a:solidFill>
-                <a:schemeClr val="bg1"/>
-              </a:solidFill>
-              <a:latin typeface="Comic Sans MS" panose="030F0702030302020204" charset="0"/>
-              <a:cs typeface="Comic Sans MS" panose="030F0702030302020204" charset="0"/>
-            </a:endParaRPr>
-          </a:p>
-          <a:p>
-            <a:r>
-              <a:rPr lang="en-US" sz="2400" b="1" i="1">
-                <a:solidFill>
-                  <a:schemeClr val="bg1"/>
-                </a:solidFill>
-                <a:latin typeface="Comic Sans MS" panose="030F0702030302020204" charset="0"/>
-                <a:cs typeface="Comic Sans MS" panose="030F0702030302020204" charset="0"/>
-              </a:rPr>
-              <a:t>MapBox</a:t>
-            </a:r>
-            <a:r>
-              <a:rPr lang="en-US" sz="2400">
-                <a:solidFill>
-                  <a:schemeClr val="bg1"/>
-                </a:solidFill>
-                <a:latin typeface="Comic Sans MS" panose="030F0702030302020204" charset="0"/>
-                <a:cs typeface="Comic Sans MS" panose="030F0702030302020204" charset="0"/>
-              </a:rPr>
-              <a:t> </a:t>
-            </a:r>
-            <a:r>
-              <a:rPr lang="en-US" sz="2400" b="1">
-                <a:solidFill>
-                  <a:schemeClr val="bg1"/>
-                </a:solidFill>
-                <a:latin typeface="Comic Sans MS" panose="030F0702030302020204" charset="0"/>
-                <a:cs typeface="Comic Sans MS" panose="030F0702030302020204" charset="0"/>
-                <a:sym typeface="+mn-ea"/>
-              </a:rPr>
-              <a:t>→</a:t>
-            </a:r>
-            <a:r>
-              <a:rPr lang="en-US" sz="2400">
-                <a:solidFill>
-                  <a:schemeClr val="bg1"/>
-                </a:solidFill>
-                <a:latin typeface="Comic Sans MS" panose="030F0702030302020204" charset="0"/>
-                <a:cs typeface="Comic Sans MS" panose="030F0702030302020204" charset="0"/>
-              </a:rPr>
-              <a:t> </a:t>
-            </a:r>
-            <a:r>
-              <a:rPr lang="en-IN" altLang="en-US" sz="2400">
-                <a:solidFill>
-                  <a:schemeClr val="bg1"/>
-                </a:solidFill>
-                <a:latin typeface="Comic Sans MS" panose="030F0702030302020204" charset="0"/>
-                <a:cs typeface="Comic Sans MS" panose="030F0702030302020204" charset="0"/>
-                <a:sym typeface="+mn-ea"/>
-              </a:rPr>
-              <a:t>web-app reloa</a:t>
-            </a:r>
-            <a:r>
-              <a:rPr lang="en-US" sz="2400">
-                <a:solidFill>
-                  <a:schemeClr val="bg1"/>
-                </a:solidFill>
-                <a:latin typeface="Comic Sans MS" panose="030F0702030302020204" charset="0"/>
-                <a:cs typeface="Comic Sans MS" panose="030F0702030302020204" charset="0"/>
-                <a:sym typeface="+mn-ea"/>
-              </a:rPr>
-              <a:t>d</a:t>
-            </a:r>
-            <a:endParaRPr lang="en-US" sz="2400">
-              <a:solidFill>
-                <a:schemeClr val="bg1"/>
-              </a:solidFill>
-              <a:latin typeface="Comic Sans MS" panose="030F0702030302020204" charset="0"/>
-              <a:cs typeface="Comic Sans MS" panose="030F0702030302020204" charset="0"/>
-              <a:sym typeface="+mn-ea"/>
-            </a:endParaRPr>
-          </a:p>
-          <a:p>
-            <a:r>
-              <a:rPr lang="en-US" sz="2400" b="1" i="1">
-                <a:solidFill>
-                  <a:schemeClr val="bg1"/>
-                </a:solidFill>
-                <a:latin typeface="Comic Sans MS" panose="030F0702030302020204" charset="0"/>
-                <a:cs typeface="Comic Sans MS" panose="030F0702030302020204" charset="0"/>
-              </a:rPr>
-              <a:t>Mo</a:t>
-            </a:r>
-            <a:r>
-              <a:rPr lang="en-US" sz="2400" b="1" i="1">
-                <a:solidFill>
-                  <a:schemeClr val="bg1"/>
-                </a:solidFill>
-                <a:latin typeface="Comic Sans MS" panose="030F0702030302020204" charset="0"/>
-                <a:cs typeface="Comic Sans MS" panose="030F0702030302020204" charset="0"/>
-                <a:sym typeface="+mn-ea"/>
-              </a:rPr>
-              <a:t>dal Form</a:t>
-            </a:r>
-            <a:r>
-              <a:rPr lang="en-US" sz="2400">
-                <a:solidFill>
-                  <a:schemeClr val="bg1"/>
-                </a:solidFill>
-                <a:latin typeface="Comic Sans MS" panose="030F0702030302020204" charset="0"/>
-                <a:cs typeface="Comic Sans MS" panose="030F0702030302020204" charset="0"/>
-                <a:sym typeface="+mn-ea"/>
-              </a:rPr>
-              <a:t> </a:t>
-            </a:r>
-            <a:r>
-              <a:rPr lang="en-US" sz="2400" b="1">
-                <a:solidFill>
-                  <a:schemeClr val="bg1"/>
-                </a:solidFill>
-                <a:latin typeface="Comic Sans MS" panose="030F0702030302020204" charset="0"/>
-                <a:cs typeface="Comic Sans MS" panose="030F0702030302020204" charset="0"/>
-                <a:sym typeface="+mn-ea"/>
-              </a:rPr>
-              <a:t>→</a:t>
-            </a:r>
-            <a:r>
-              <a:rPr lang="en-US" sz="2400">
-                <a:solidFill>
-                  <a:schemeClr val="bg1"/>
-                </a:solidFill>
-                <a:latin typeface="Comic Sans MS" panose="030F0702030302020204" charset="0"/>
-                <a:cs typeface="Comic Sans MS" panose="030F0702030302020204" charset="0"/>
-                <a:sym typeface="+mn-ea"/>
-              </a:rPr>
-              <a:t> search</a:t>
-            </a:r>
-            <a:r>
-              <a:rPr lang="en-IN" altLang="en-US" sz="2400">
-                <a:solidFill>
-                  <a:schemeClr val="bg1"/>
-                </a:solidFill>
-                <a:latin typeface="Comic Sans MS" panose="030F0702030302020204" charset="0"/>
-                <a:cs typeface="Comic Sans MS" panose="030F0702030302020204" charset="0"/>
-                <a:sym typeface="+mn-ea"/>
-              </a:rPr>
-              <a:t>-</a:t>
-            </a:r>
-            <a:r>
-              <a:rPr lang="en-US" sz="2400">
-                <a:solidFill>
-                  <a:schemeClr val="bg1"/>
-                </a:solidFill>
-                <a:latin typeface="Comic Sans MS" panose="030F0702030302020204" charset="0"/>
-                <a:cs typeface="Comic Sans MS" panose="030F0702030302020204" charset="0"/>
-                <a:sym typeface="+mn-ea"/>
-              </a:rPr>
-              <a:t>request</a:t>
-            </a:r>
-            <a:br>
-              <a:rPr lang="en-US" sz="2400">
-                <a:solidFill>
-                  <a:schemeClr val="bg1"/>
-                </a:solidFill>
-                <a:latin typeface="Comic Sans MS" panose="030F0702030302020204" charset="0"/>
-                <a:cs typeface="Comic Sans MS" panose="030F0702030302020204" charset="0"/>
-                <a:sym typeface="+mn-ea"/>
-              </a:rPr>
-            </a:br>
-            <a:r>
-              <a:rPr lang="en-US" sz="2400" b="1" i="1">
-                <a:solidFill>
-                  <a:schemeClr val="bg1"/>
-                </a:solidFill>
-                <a:latin typeface="Comic Sans MS" panose="030F0702030302020204" charset="0"/>
-                <a:cs typeface="Comic Sans MS" panose="030F0702030302020204" charset="0"/>
-                <a:sym typeface="+mn-ea"/>
-              </a:rPr>
-              <a:t>Price Prediction</a:t>
-            </a:r>
-            <a:r>
-              <a:rPr lang="en-US" sz="2400">
-                <a:solidFill>
-                  <a:schemeClr val="bg1"/>
-                </a:solidFill>
-                <a:latin typeface="Comic Sans MS" panose="030F0702030302020204" charset="0"/>
-                <a:cs typeface="Comic Sans MS" panose="030F0702030302020204" charset="0"/>
-                <a:sym typeface="+mn-ea"/>
-              </a:rPr>
-              <a:t> </a:t>
-            </a:r>
-            <a:r>
-              <a:rPr lang="en-US" sz="2400" b="1">
-                <a:solidFill>
-                  <a:schemeClr val="bg1"/>
-                </a:solidFill>
-                <a:latin typeface="Comic Sans MS" panose="030F0702030302020204" charset="0"/>
-                <a:cs typeface="Comic Sans MS" panose="030F0702030302020204" charset="0"/>
-                <a:sym typeface="+mn-ea"/>
-              </a:rPr>
-              <a:t>→</a:t>
-            </a:r>
-            <a:r>
-              <a:rPr lang="en-US" sz="2400">
-                <a:solidFill>
-                  <a:schemeClr val="bg1"/>
-                </a:solidFill>
-                <a:latin typeface="Comic Sans MS" panose="030F0702030302020204" charset="0"/>
-                <a:cs typeface="Comic Sans MS" panose="030F0702030302020204" charset="0"/>
-                <a:sym typeface="+mn-ea"/>
-              </a:rPr>
-              <a:t> search</a:t>
-            </a:r>
-            <a:r>
-              <a:rPr lang="en-IN" altLang="en-US" sz="2400">
-                <a:solidFill>
-                  <a:schemeClr val="bg1"/>
-                </a:solidFill>
-                <a:latin typeface="Comic Sans MS" panose="030F0702030302020204" charset="0"/>
-                <a:cs typeface="Comic Sans MS" panose="030F0702030302020204" charset="0"/>
-                <a:sym typeface="+mn-ea"/>
-              </a:rPr>
-              <a:t>-</a:t>
-            </a:r>
-            <a:r>
-              <a:rPr lang="en-US" sz="2400">
-                <a:solidFill>
-                  <a:schemeClr val="bg1"/>
-                </a:solidFill>
-                <a:latin typeface="Comic Sans MS" panose="030F0702030302020204" charset="0"/>
-                <a:cs typeface="Comic Sans MS" panose="030F0702030302020204" charset="0"/>
-                <a:sym typeface="+mn-ea"/>
-              </a:rPr>
-              <a:t>request</a:t>
-            </a:r>
-            <a:endParaRPr lang="en-US" sz="2400">
-              <a:solidFill>
-                <a:schemeClr val="bg1"/>
-              </a:solidFill>
-              <a:latin typeface="Comic Sans MS" panose="030F0702030302020204" charset="0"/>
-              <a:cs typeface="Comic Sans MS" panose="030F0702030302020204" charset="0"/>
-              <a:sym typeface="+mn-ea"/>
-            </a:endParaRPr>
-          </a:p>
-          <a:p>
-            <a:r>
-              <a:rPr lang="en-US" sz="2400" b="1" i="1">
-                <a:solidFill>
-                  <a:schemeClr val="bg1"/>
-                </a:solidFill>
-                <a:latin typeface="Comic Sans MS" panose="030F0702030302020204" charset="0"/>
-                <a:cs typeface="Comic Sans MS" panose="030F0702030302020204" charset="0"/>
-                <a:sym typeface="+mn-ea"/>
-              </a:rPr>
-              <a:t>Meta </a:t>
-            </a:r>
-            <a:r>
-              <a:rPr lang="en-US" sz="2400" b="1" i="1">
-                <a:solidFill>
-                  <a:schemeClr val="bg1"/>
-                </a:solidFill>
-                <a:latin typeface="Comic Sans MS" panose="030F0702030302020204" charset="0"/>
-                <a:cs typeface="Comic Sans MS" panose="030F0702030302020204" charset="0"/>
-                <a:sym typeface="+mn-ea"/>
-              </a:rPr>
-              <a:t>D</a:t>
-            </a:r>
-            <a:r>
-              <a:rPr lang="en-US" sz="2400" b="1" i="1">
-                <a:solidFill>
-                  <a:schemeClr val="bg1"/>
-                </a:solidFill>
-                <a:latin typeface="Comic Sans MS" panose="030F0702030302020204" charset="0"/>
-                <a:cs typeface="Comic Sans MS" panose="030F0702030302020204" charset="0"/>
-                <a:sym typeface="+mn-ea"/>
-              </a:rPr>
-              <a:t>ata</a:t>
-            </a:r>
-            <a:r>
-              <a:rPr lang="en-US" sz="2400">
-                <a:solidFill>
-                  <a:schemeClr val="bg1"/>
-                </a:solidFill>
-                <a:latin typeface="Comic Sans MS" panose="030F0702030302020204" charset="0"/>
-                <a:cs typeface="Comic Sans MS" panose="030F0702030302020204" charset="0"/>
-                <a:sym typeface="+mn-ea"/>
-              </a:rPr>
-              <a:t> </a:t>
-            </a:r>
-            <a:r>
-              <a:rPr lang="en-US" sz="2400" b="1">
-                <a:solidFill>
-                  <a:schemeClr val="bg1"/>
-                </a:solidFill>
-                <a:latin typeface="Comic Sans MS" panose="030F0702030302020204" charset="0"/>
-                <a:cs typeface="Comic Sans MS" panose="030F0702030302020204" charset="0"/>
-                <a:sym typeface="+mn-ea"/>
-              </a:rPr>
-              <a:t>→</a:t>
-            </a:r>
-            <a:r>
-              <a:rPr lang="en-US" sz="2400">
-                <a:solidFill>
-                  <a:schemeClr val="bg1"/>
-                </a:solidFill>
-                <a:latin typeface="Comic Sans MS" panose="030F0702030302020204" charset="0"/>
-                <a:cs typeface="Comic Sans MS" panose="030F0702030302020204" charset="0"/>
-                <a:sym typeface="+mn-ea"/>
-              </a:rPr>
-              <a:t> house-price</a:t>
-            </a:r>
-            <a:endParaRPr lang="en-US" sz="2400">
-              <a:solidFill>
-                <a:schemeClr val="bg1"/>
-              </a:solidFill>
-              <a:latin typeface="Comic Sans MS" panose="030F0702030302020204" charset="0"/>
-              <a:cs typeface="Comic Sans MS" panose="030F0702030302020204" charset="0"/>
-              <a:sym typeface="+mn-ea"/>
-            </a:endParaRPr>
-          </a:p>
-        </p:txBody>
-      </p:sp>
-      <p:sp>
-        <p:nvSpPr>
-          <p:cNvPr id="12" name="Rectangle: Rounded Corners 16"/>
+        </p:txBody>
+      </p:sp>
+      <p:sp>
+        <p:nvSpPr>
+          <p:cNvPr id="4" name="Rectangle: Rounded Corners 16"/>
           <p:cNvSpPr/>
           <p:nvPr/>
         </p:nvSpPr>
@@ -8663,6 +8764,30 @@
           </a:p>
         </p:txBody>
       </p:sp>
+      <p:pic>
+        <p:nvPicPr>
+          <p:cNvPr id="9" name="Picture 8" descr="moustache"/>
+          <p:cNvPicPr>
+            <a:picLocks noChangeAspect="1"/>
+          </p:cNvPicPr>
+          <p:nvPr/>
+        </p:nvPicPr>
+        <p:blipFill>
+          <a:blip r:embed="rId1"/>
+          <a:stretch>
+            <a:fillRect/>
+          </a:stretch>
+        </p:blipFill>
+        <p:spPr>
+          <a:xfrm>
+            <a:off x="7733030" y="1249045"/>
+            <a:ext cx="4002405" cy="4002405"/>
+          </a:xfrm>
+          <a:prstGeom prst="rect">
+            <a:avLst/>
+          </a:prstGeom>
+        </p:spPr>
+      </p:pic>
     </p:spTree>
   </p:cSld>
   <p:clrMapOvr>
@@ -8689,7 +8814,7 @@
         </p:nvSpPr>
         <p:spPr>
           <a:xfrm>
-            <a:off x="0" y="0"/>
+            <a:off x="0" y="-635"/>
             <a:ext cx="12192000" cy="6858000"/>
           </a:xfrm>
           <a:prstGeom prst="rect">
@@ -8721,21 +8846,21 @@
         <p:txBody>
           <a:bodyPr rtlCol="0" anchor="ctr"/>
           <a:p>
-            <a:pPr algn="dist"/>
+            <a:pPr algn="ctr"/>
             <a:endParaRPr lang="en-ID"/>
           </a:p>
         </p:txBody>
       </p:sp>
       <p:sp>
         <p:nvSpPr>
-          <p:cNvPr id="6" name="Text Box 5"/>
+          <p:cNvPr id="4" name="Text Box 3"/>
           <p:cNvSpPr txBox="1"/>
           <p:nvPr/>
         </p:nvSpPr>
         <p:spPr>
           <a:xfrm>
-            <a:off x="521970" y="419100"/>
-            <a:ext cx="7720965" cy="829945"/>
+            <a:off x="335915" y="137160"/>
+            <a:ext cx="6849110" cy="829945"/>
           </a:xfrm>
           <a:prstGeom prst="rect">
             <a:avLst/>
@@ -8748,106 +8873,59 @@
           </a:bodyPr>
           <a:p>
             <a:r>
-              <a:rPr lang="en-IN" sz="4800" i="1">
-                <a:solidFill>
-                  <a:schemeClr val="bg1"/>
-                </a:solidFill>
-                <a:latin typeface="Comic Sans MS" panose="030F0702030302020204" charset="0"/>
-                <a:cs typeface="Comic Sans MS" panose="030F0702030302020204" charset="0"/>
-                <a:sym typeface="+mn-ea"/>
-              </a:rPr>
-              <a:t>Testing &amp; Hosting</a:t>
-            </a:r>
-            <a:endParaRPr lang="en-IN" sz="4800">
+              <a:rPr lang="en-US" sz="4800" i="1">
+                <a:solidFill>
+                  <a:schemeClr val="bg1"/>
+                </a:solidFill>
+                <a:latin typeface="Comic Sans MS" panose="030F0702030302020204" charset="0"/>
+                <a:cs typeface="Comic Sans MS" panose="030F0702030302020204" charset="0"/>
+              </a:rPr>
+              <a:t>Component Life-Cycle</a:t>
+            </a:r>
+            <a:endParaRPr lang="en-US" sz="4800" i="1">
               <a:solidFill>
                 <a:schemeClr val="bg1"/>
               </a:solidFill>
+              <a:latin typeface="Comic Sans MS" panose="030F0702030302020204" charset="0"/>
+              <a:cs typeface="Comic Sans MS" panose="030F0702030302020204" charset="0"/>
             </a:endParaRPr>
           </a:p>
         </p:txBody>
       </p:sp>
-      <p:sp>
-        <p:nvSpPr>
-          <p:cNvPr id="17" name="Rectangle: Rounded Corners 16"/>
-          <p:cNvSpPr/>
+      <p:pic>
+        <p:nvPicPr>
+          <p:cNvPr id="3" name="Picture 2" descr="cycle"/>
+          <p:cNvPicPr>
+            <a:picLocks noChangeAspect="1"/>
+          </p:cNvPicPr>
           <p:nvPr/>
-        </p:nvSpPr>
+        </p:nvPicPr>
+        <p:blipFill>
+          <a:blip r:embed="rId1"/>
+          <a:stretch>
+            <a:fillRect/>
+          </a:stretch>
+        </p:blipFill>
         <p:spPr>
           <a:xfrm>
-            <a:off x="10543262" y="6409060"/>
-            <a:ext cx="1483417" cy="320869"/>
+            <a:off x="7315200" y="650240"/>
+            <a:ext cx="4876800" cy="4876800"/>
           </a:xfrm>
-          <a:prstGeom prst="roundRect">
-            <a:avLst>
-              <a:gd name="adj" fmla="val 50000"/>
-            </a:avLst>
+          <a:prstGeom prst="rect">
+            <a:avLst/>
           </a:prstGeom>
-          <a:gradFill flip="none" rotWithShape="1">
-            <a:gsLst>
-              <a:gs pos="0">
-                <a:srgbClr val="E30000"/>
-              </a:gs>
-              <a:gs pos="100000">
-                <a:srgbClr val="760303"/>
-              </a:gs>
-            </a:gsLst>
-            <a:lin ang="10800000" scaled="0"/>
-          </a:gradFill>
-          <a:ln>
-            <a:noFill/>
-          </a:ln>
         </p:spPr>
-        <p:style>
-          <a:lnRef idx="2">
-            <a:schemeClr val="accent1">
-              <a:shade val="50000"/>
-            </a:schemeClr>
-          </a:lnRef>
-          <a:fillRef idx="1">
-            <a:schemeClr val="accent1"/>
-          </a:fillRef>
-          <a:effectRef idx="0">
-            <a:schemeClr val="accent1"/>
-          </a:effectRef>
-          <a:fontRef idx="minor">
-            <a:schemeClr val="lt1"/>
-          </a:fontRef>
-        </p:style>
-        <p:txBody>
-          <a:bodyPr rtlCol="0" anchor="ctr"/>
-          <a:lstStyle/>
-          <a:p>
-            <a:pPr algn="ctr"/>
-            <a:r>
-              <a:rPr lang="en-US" altLang="en-ID" sz="1400" dirty="0">
-                <a:solidFill>
-                  <a:schemeClr val="tx1"/>
-                </a:solidFill>
-                <a:latin typeface="Arial Black" panose="020B0A04020102020204" pitchFamily="34" charset="0"/>
-                <a:cs typeface="Arial Black" panose="020B0A04020102020204" pitchFamily="34" charset="0"/>
-              </a:rPr>
-              <a:t>Bioscope</a:t>
-            </a:r>
-            <a:endParaRPr lang="en-US" altLang="en-ID" sz="1400" dirty="0">
-              <a:solidFill>
-                <a:schemeClr val="tx1"/>
-              </a:solidFill>
-              <a:latin typeface="Arial Black" panose="020B0A04020102020204" pitchFamily="34" charset="0"/>
-              <a:cs typeface="Arial Black" panose="020B0A04020102020204" pitchFamily="34" charset="0"/>
-            </a:endParaRPr>
-          </a:p>
-        </p:txBody>
-      </p:sp>
-      <p:sp>
-        <p:nvSpPr>
-          <p:cNvPr id="3" name="Text Box 2"/>
+      </p:pic>
+      <p:sp>
+        <p:nvSpPr>
+          <p:cNvPr id="6" name="Text Box 5"/>
           <p:cNvSpPr txBox="1"/>
           <p:nvPr/>
         </p:nvSpPr>
         <p:spPr>
           <a:xfrm>
-            <a:off x="521970" y="1612900"/>
-            <a:ext cx="7586980" cy="4276725"/>
+            <a:off x="424815" y="1223645"/>
+            <a:ext cx="6970395" cy="5262245"/>
           </a:xfrm>
           <a:prstGeom prst="rect">
             <a:avLst/>
@@ -8860,77 +8938,16 @@
           </a:bodyPr>
           <a:p>
             <a:r>
-              <a:rPr lang="en-IN" altLang="en-US" sz="2400">
-                <a:solidFill>
-                  <a:schemeClr val="bg1"/>
-                </a:solidFill>
-                <a:latin typeface="Comic Sans MS" panose="030F0702030302020204" charset="0"/>
-                <a:cs typeface="Comic Sans MS" panose="030F0702030302020204" charset="0"/>
-              </a:rPr>
-              <a:t>Testing is integral part of software </a:t>
-            </a:r>
-            <a:r>
               <a:rPr lang="en-US" sz="2400">
                 <a:solidFill>
                   <a:schemeClr val="bg1"/>
                 </a:solidFill>
                 <a:latin typeface="Comic Sans MS" panose="030F0702030302020204" charset="0"/>
                 <a:cs typeface="Comic Sans MS" panose="030F0702030302020204" charset="0"/>
-                <a:sym typeface="+mn-ea"/>
-              </a:rPr>
-              <a:t>d</a:t>
-            </a:r>
-            <a:r>
-              <a:rPr lang="en-IN" altLang="en-US" sz="2400">
-                <a:solidFill>
-                  <a:schemeClr val="bg1"/>
-                </a:solidFill>
-                <a:latin typeface="Comic Sans MS" panose="030F0702030302020204" charset="0"/>
-                <a:cs typeface="Comic Sans MS" panose="030F0702030302020204" charset="0"/>
-              </a:rPr>
-              <a:t>evelopment.</a:t>
-            </a:r>
-            <a:br>
-              <a:rPr lang="en-IN" altLang="en-US" sz="2400">
-                <a:solidFill>
-                  <a:schemeClr val="bg1"/>
-                </a:solidFill>
-                <a:latin typeface="Comic Sans MS" panose="030F0702030302020204" charset="0"/>
-                <a:cs typeface="Comic Sans MS" panose="030F0702030302020204" charset="0"/>
-              </a:rPr>
-            </a:br>
-            <a:r>
-              <a:rPr lang="en-IN" altLang="en-US" sz="2400">
-                <a:solidFill>
-                  <a:schemeClr val="bg1"/>
-                </a:solidFill>
-                <a:latin typeface="Comic Sans MS" panose="030F0702030302020204" charset="0"/>
-                <a:cs typeface="Comic Sans MS" panose="030F0702030302020204" charset="0"/>
-              </a:rPr>
-              <a:t>Hosting cannot be </a:t>
-            </a:r>
-            <a:r>
-              <a:rPr lang="en-US" sz="2400">
-                <a:solidFill>
-                  <a:schemeClr val="bg1"/>
-                </a:solidFill>
-                <a:latin typeface="Comic Sans MS" panose="030F0702030302020204" charset="0"/>
-                <a:cs typeface="Comic Sans MS" panose="030F0702030302020204" charset="0"/>
-                <a:sym typeface="+mn-ea"/>
-              </a:rPr>
-              <a:t>d</a:t>
-            </a:r>
-            <a:r>
-              <a:rPr lang="en-IN" altLang="en-US" sz="2400">
-                <a:solidFill>
-                  <a:schemeClr val="bg1"/>
-                </a:solidFill>
-                <a:latin typeface="Comic Sans MS" panose="030F0702030302020204" charset="0"/>
-                <a:cs typeface="Comic Sans MS" panose="030F0702030302020204" charset="0"/>
-              </a:rPr>
-              <a:t>one without testing</a:t>
-            </a:r>
-            <a:endParaRPr lang="en-IN" altLang="en-US" sz="2400">
+              </a:rPr>
+              <a:t>Each component in React has a lifecycle which we can monitor and manipulate during its three main phases</a:t>
+            </a:r>
+            <a:endParaRPr lang="en-US" sz="2400">
               <a:solidFill>
                 <a:schemeClr val="bg1"/>
               </a:solidFill>
@@ -8939,7 +8956,7 @@
             </a:endParaRPr>
           </a:p>
           <a:p>
-            <a:endParaRPr lang="en-IN" altLang="en-US" sz="2400">
+            <a:endParaRPr lang="en-US" sz="2400">
               <a:solidFill>
                 <a:schemeClr val="bg1"/>
               </a:solidFill>
@@ -8948,9 +8965,105 @@
             </a:endParaRPr>
           </a:p>
           <a:p>
-            <a:pPr lvl="0"/>
-            <a:r>
-              <a:rPr lang="en-US" sz="2800" b="1">
+            <a:r>
+              <a:rPr lang="en-US" sz="2400">
+                <a:solidFill>
+                  <a:schemeClr val="bg1"/>
+                </a:solidFill>
+                <a:latin typeface="Comic Sans MS" panose="030F0702030302020204" charset="0"/>
+                <a:cs typeface="Comic Sans MS" panose="030F0702030302020204" charset="0"/>
+              </a:rPr>
+              <a:t>The three phases are: Mounting, Updating, and Unmounting</a:t>
+            </a:r>
+            <a:br>
+              <a:rPr lang="en-US" sz="2400">
+                <a:solidFill>
+                  <a:schemeClr val="bg1"/>
+                </a:solidFill>
+                <a:latin typeface="Comic Sans MS" panose="030F0702030302020204" charset="0"/>
+                <a:cs typeface="Comic Sans MS" panose="030F0702030302020204" charset="0"/>
+              </a:rPr>
+            </a:br>
+            <a:br>
+              <a:rPr lang="en-US" sz="2400">
+                <a:solidFill>
+                  <a:schemeClr val="bg1"/>
+                </a:solidFill>
+                <a:latin typeface="Comic Sans MS" panose="030F0702030302020204" charset="0"/>
+                <a:cs typeface="Comic Sans MS" panose="030F0702030302020204" charset="0"/>
+              </a:rPr>
+            </a:br>
+            <a:r>
+              <a:rPr lang="en-US" sz="2400">
+                <a:solidFill>
+                  <a:schemeClr val="bg1"/>
+                </a:solidFill>
+                <a:latin typeface="Comic Sans MS" panose="030F0702030302020204" charset="0"/>
+                <a:cs typeface="Comic Sans MS" panose="030F0702030302020204" charset="0"/>
+              </a:rPr>
+              <a:t>In this project lifecycle of each component has its trigger </a:t>
+            </a:r>
+            <a:r>
+              <a:rPr lang="en-US" sz="2400">
+                <a:solidFill>
+                  <a:schemeClr val="bg1"/>
+                </a:solidFill>
+                <a:latin typeface="Comic Sans MS" panose="030F0702030302020204" charset="0"/>
+                <a:cs typeface="Comic Sans MS" panose="030F0702030302020204" charset="0"/>
+                <a:sym typeface="+mn-ea"/>
+              </a:rPr>
+              <a:t>d</a:t>
+            </a:r>
+            <a:r>
+              <a:rPr lang="en-US" sz="2400">
+                <a:solidFill>
+                  <a:schemeClr val="bg1"/>
+                </a:solidFill>
+                <a:latin typeface="Comic Sans MS" panose="030F0702030302020204" charset="0"/>
+                <a:cs typeface="Comic Sans MS" panose="030F0702030302020204" charset="0"/>
+              </a:rPr>
+              <a:t>epenency :</a:t>
+            </a:r>
+            <a:endParaRPr lang="en-US" sz="2400">
+              <a:solidFill>
+                <a:schemeClr val="bg1"/>
+              </a:solidFill>
+              <a:latin typeface="Comic Sans MS" panose="030F0702030302020204" charset="0"/>
+              <a:cs typeface="Comic Sans MS" panose="030F0702030302020204" charset="0"/>
+            </a:endParaRPr>
+          </a:p>
+          <a:p>
+            <a:endParaRPr lang="en-US" sz="2400">
+              <a:solidFill>
+                <a:schemeClr val="bg1"/>
+              </a:solidFill>
+              <a:latin typeface="Comic Sans MS" panose="030F0702030302020204" charset="0"/>
+              <a:cs typeface="Comic Sans MS" panose="030F0702030302020204" charset="0"/>
+            </a:endParaRPr>
+          </a:p>
+          <a:p>
+            <a:r>
+              <a:rPr lang="en-US" sz="2400" b="1" i="1">
+                <a:solidFill>
+                  <a:schemeClr val="bg1"/>
+                </a:solidFill>
+                <a:latin typeface="Comic Sans MS" panose="030F0702030302020204" charset="0"/>
+                <a:cs typeface="Comic Sans MS" panose="030F0702030302020204" charset="0"/>
+              </a:rPr>
+              <a:t>MapBox</a:t>
+            </a:r>
+            <a:r>
+              <a:rPr lang="en-US" sz="2400">
+                <a:solidFill>
+                  <a:schemeClr val="bg1"/>
+                </a:solidFill>
+                <a:latin typeface="Comic Sans MS" panose="030F0702030302020204" charset="0"/>
+                <a:cs typeface="Comic Sans MS" panose="030F0702030302020204" charset="0"/>
+              </a:rPr>
+              <a:t> </a:t>
+            </a:r>
+            <a:r>
+              <a:rPr lang="en-US" sz="2400" b="1">
                 <a:solidFill>
                   <a:schemeClr val="bg1"/>
                 </a:solidFill>
@@ -8961,39 +9074,16 @@
               <a:t>→</a:t>
             </a:r>
             <a:r>
-              <a:rPr lang="en-IN" altLang="en-US" sz="2400" b="1">
-                <a:solidFill>
-                  <a:schemeClr val="bg1"/>
-                </a:solidFill>
-                <a:latin typeface="Comic Sans MS" panose="030F0702030302020204" charset="0"/>
-                <a:cs typeface="Comic Sans MS" panose="030F0702030302020204" charset="0"/>
-                <a:sym typeface="+mn-ea"/>
+              <a:rPr lang="en-US" sz="2400">
+                <a:solidFill>
+                  <a:schemeClr val="bg1"/>
+                </a:solidFill>
+                <a:latin typeface="Comic Sans MS" panose="030F0702030302020204" charset="0"/>
+                <a:cs typeface="Comic Sans MS" panose="030F0702030302020204" charset="0"/>
               </a:rPr>
               <a:t> </a:t>
             </a:r>
             <a:r>
-              <a:rPr lang="en-IN" altLang="en-US" sz="2800" b="1">
-                <a:solidFill>
-                  <a:schemeClr val="bg1"/>
-                </a:solidFill>
-                <a:latin typeface="Comic Sans MS" panose="030F0702030302020204" charset="0"/>
-                <a:cs typeface="Comic Sans MS" panose="030F0702030302020204" charset="0"/>
-                <a:sym typeface="+mn-ea"/>
-              </a:rPr>
-              <a:t>Testing in React :</a:t>
-            </a:r>
-            <a:r>
-              <a:rPr lang="en-IN" altLang="en-US" sz="2400" b="1">
-                <a:solidFill>
-                  <a:schemeClr val="bg1"/>
-                </a:solidFill>
-                <a:latin typeface="Comic Sans MS" panose="030F0702030302020204" charset="0"/>
-                <a:cs typeface="Comic Sans MS" panose="030F0702030302020204" charset="0"/>
-                <a:sym typeface="+mn-ea"/>
-              </a:rPr>
-              <a:t> </a:t>
-            </a:r>
-            <a:r>
               <a:rPr lang="en-IN" altLang="en-US" sz="2400">
                 <a:solidFill>
                   <a:schemeClr val="bg1"/>
@@ -9002,7 +9092,7 @@
                 <a:cs typeface="Comic Sans MS" panose="030F0702030302020204" charset="0"/>
                 <a:sym typeface="+mn-ea"/>
               </a:rPr>
-              <a:t>Unit tests, Integration tests, en</a:t>
+              <a:t>web-app reloa</a:t>
             </a:r>
             <a:r>
               <a:rPr lang="en-US" sz="2400">
@@ -9015,62 +9105,7 @@
               </a:rPr>
               <a:t>d</a:t>
             </a:r>
-            <a:r>
-              <a:rPr lang="en-IN" altLang="en-US" sz="2400">
-                <a:solidFill>
-                  <a:schemeClr val="bg1"/>
-                </a:solidFill>
-                <a:latin typeface="Comic Sans MS" panose="030F0702030302020204" charset="0"/>
-                <a:cs typeface="Comic Sans MS" panose="030F0702030302020204" charset="0"/>
-                <a:sym typeface="+mn-ea"/>
-              </a:rPr>
-              <a:t>-to-en</a:t>
-            </a:r>
-            <a:r>
-              <a:rPr lang="en-US" sz="2400">
-                <a:solidFill>
-                  <a:schemeClr val="bg1"/>
-                </a:solidFill>
-                <a:latin typeface="Comic Sans MS" panose="030F0702030302020204" charset="0"/>
-                <a:cs typeface="Comic Sans MS" panose="030F0702030302020204" charset="0"/>
-                <a:sym typeface="+mn-ea"/>
-              </a:rPr>
-              <a:t>d</a:t>
-            </a:r>
-            <a:r>
-              <a:rPr lang="en-IN" altLang="en-US" sz="2400">
-                <a:solidFill>
-                  <a:schemeClr val="bg1"/>
-                </a:solidFill>
-                <a:latin typeface="Comic Sans MS" panose="030F0702030302020204" charset="0"/>
-                <a:cs typeface="Comic Sans MS" panose="030F0702030302020204" charset="0"/>
-                <a:sym typeface="+mn-ea"/>
-              </a:rPr>
-              <a:t> tests. Unit test is single test of co</a:t>
-            </a:r>
-            <a:r>
-              <a:rPr lang="en-US" sz="2400">
-                <a:solidFill>
-                  <a:schemeClr val="bg1"/>
-                </a:solidFill>
-                <a:latin typeface="Comic Sans MS" panose="030F0702030302020204" charset="0"/>
-                <a:cs typeface="Comic Sans MS" panose="030F0702030302020204" charset="0"/>
-                <a:sym typeface="+mn-ea"/>
-              </a:rPr>
-              <a:t>d</a:t>
-            </a:r>
-            <a:r>
-              <a:rPr lang="en-IN" altLang="en-US" sz="2400">
-                <a:solidFill>
-                  <a:schemeClr val="bg1"/>
-                </a:solidFill>
-                <a:latin typeface="Comic Sans MS" panose="030F0702030302020204" charset="0"/>
-                <a:cs typeface="Comic Sans MS" panose="030F0702030302020204" charset="0"/>
-                <a:sym typeface="+mn-ea"/>
-              </a:rPr>
-              <a:t>e isolation.</a:t>
-            </a:r>
-            <a:endParaRPr lang="en-IN" altLang="en-US" sz="2400">
+            <a:endParaRPr lang="en-US" sz="2400">
               <a:solidFill>
                 <a:schemeClr val="bg1"/>
               </a:solidFill>
@@ -9080,8 +9115,159 @@
             </a:endParaRPr>
           </a:p>
           <a:p>
-            <a:pPr lvl="0"/>
-            <a:endParaRPr lang="en-IN" altLang="en-US" sz="2400" b="1">
+            <a:r>
+              <a:rPr lang="en-US" sz="2400" b="1" i="1">
+                <a:solidFill>
+                  <a:schemeClr val="bg1"/>
+                </a:solidFill>
+                <a:latin typeface="Comic Sans MS" panose="030F0702030302020204" charset="0"/>
+                <a:cs typeface="Comic Sans MS" panose="030F0702030302020204" charset="0"/>
+              </a:rPr>
+              <a:t>Mo</a:t>
+            </a:r>
+            <a:r>
+              <a:rPr lang="en-US" sz="2400" b="1" i="1">
+                <a:solidFill>
+                  <a:schemeClr val="bg1"/>
+                </a:solidFill>
+                <a:latin typeface="Comic Sans MS" panose="030F0702030302020204" charset="0"/>
+                <a:cs typeface="Comic Sans MS" panose="030F0702030302020204" charset="0"/>
+                <a:sym typeface="+mn-ea"/>
+              </a:rPr>
+              <a:t>dal Form</a:t>
+            </a:r>
+            <a:r>
+              <a:rPr lang="en-US" sz="2400">
+                <a:solidFill>
+                  <a:schemeClr val="bg1"/>
+                </a:solidFill>
+                <a:latin typeface="Comic Sans MS" panose="030F0702030302020204" charset="0"/>
+                <a:cs typeface="Comic Sans MS" panose="030F0702030302020204" charset="0"/>
+                <a:sym typeface="+mn-ea"/>
+              </a:rPr>
+              <a:t> </a:t>
+            </a:r>
+            <a:r>
+              <a:rPr lang="en-US" sz="2400" b="1">
+                <a:solidFill>
+                  <a:schemeClr val="bg1"/>
+                </a:solidFill>
+                <a:latin typeface="Comic Sans MS" panose="030F0702030302020204" charset="0"/>
+                <a:cs typeface="Comic Sans MS" panose="030F0702030302020204" charset="0"/>
+                <a:sym typeface="+mn-ea"/>
+              </a:rPr>
+              <a:t>→</a:t>
+            </a:r>
+            <a:r>
+              <a:rPr lang="en-US" sz="2400">
+                <a:solidFill>
+                  <a:schemeClr val="bg1"/>
+                </a:solidFill>
+                <a:latin typeface="Comic Sans MS" panose="030F0702030302020204" charset="0"/>
+                <a:cs typeface="Comic Sans MS" panose="030F0702030302020204" charset="0"/>
+                <a:sym typeface="+mn-ea"/>
+              </a:rPr>
+              <a:t> search</a:t>
+            </a:r>
+            <a:r>
+              <a:rPr lang="en-IN" altLang="en-US" sz="2400">
+                <a:solidFill>
+                  <a:schemeClr val="bg1"/>
+                </a:solidFill>
+                <a:latin typeface="Comic Sans MS" panose="030F0702030302020204" charset="0"/>
+                <a:cs typeface="Comic Sans MS" panose="030F0702030302020204" charset="0"/>
+                <a:sym typeface="+mn-ea"/>
+              </a:rPr>
+              <a:t>-</a:t>
+            </a:r>
+            <a:r>
+              <a:rPr lang="en-US" sz="2400">
+                <a:solidFill>
+                  <a:schemeClr val="bg1"/>
+                </a:solidFill>
+                <a:latin typeface="Comic Sans MS" panose="030F0702030302020204" charset="0"/>
+                <a:cs typeface="Comic Sans MS" panose="030F0702030302020204" charset="0"/>
+                <a:sym typeface="+mn-ea"/>
+              </a:rPr>
+              <a:t>request</a:t>
+            </a:r>
+            <a:br>
+              <a:rPr lang="en-US" sz="2400">
+                <a:solidFill>
+                  <a:schemeClr val="bg1"/>
+                </a:solidFill>
+                <a:latin typeface="Comic Sans MS" panose="030F0702030302020204" charset="0"/>
+                <a:cs typeface="Comic Sans MS" panose="030F0702030302020204" charset="0"/>
+                <a:sym typeface="+mn-ea"/>
+              </a:rPr>
+            </a:br>
+            <a:r>
+              <a:rPr lang="en-US" sz="2400" b="1" i="1">
+                <a:solidFill>
+                  <a:schemeClr val="bg1"/>
+                </a:solidFill>
+                <a:latin typeface="Comic Sans MS" panose="030F0702030302020204" charset="0"/>
+                <a:cs typeface="Comic Sans MS" panose="030F0702030302020204" charset="0"/>
+                <a:sym typeface="+mn-ea"/>
+              </a:rPr>
+              <a:t>Price Prediction</a:t>
+            </a:r>
+            <a:r>
+              <a:rPr lang="en-US" sz="2400">
+                <a:solidFill>
+                  <a:schemeClr val="bg1"/>
+                </a:solidFill>
+                <a:latin typeface="Comic Sans MS" panose="030F0702030302020204" charset="0"/>
+                <a:cs typeface="Comic Sans MS" panose="030F0702030302020204" charset="0"/>
+                <a:sym typeface="+mn-ea"/>
+              </a:rPr>
+              <a:t> </a:t>
+            </a:r>
+            <a:r>
+              <a:rPr lang="en-US" sz="2400" b="1">
+                <a:solidFill>
+                  <a:schemeClr val="bg1"/>
+                </a:solidFill>
+                <a:latin typeface="Comic Sans MS" panose="030F0702030302020204" charset="0"/>
+                <a:cs typeface="Comic Sans MS" panose="030F0702030302020204" charset="0"/>
+                <a:sym typeface="+mn-ea"/>
+              </a:rPr>
+              <a:t>→</a:t>
+            </a:r>
+            <a:r>
+              <a:rPr lang="en-US" sz="2400">
+                <a:solidFill>
+                  <a:schemeClr val="bg1"/>
+                </a:solidFill>
+                <a:latin typeface="Comic Sans MS" panose="030F0702030302020204" charset="0"/>
+                <a:cs typeface="Comic Sans MS" panose="030F0702030302020204" charset="0"/>
+                <a:sym typeface="+mn-ea"/>
+              </a:rPr>
+              <a:t> search</a:t>
+            </a:r>
+            <a:r>
+              <a:rPr lang="en-IN" altLang="en-US" sz="2400">
+                <a:solidFill>
+                  <a:schemeClr val="bg1"/>
+                </a:solidFill>
+                <a:latin typeface="Comic Sans MS" panose="030F0702030302020204" charset="0"/>
+                <a:cs typeface="Comic Sans MS" panose="030F0702030302020204" charset="0"/>
+                <a:sym typeface="+mn-ea"/>
+              </a:rPr>
+              <a:t>-</a:t>
+            </a:r>
+            <a:r>
+              <a:rPr lang="en-US" sz="2400">
+                <a:solidFill>
+                  <a:schemeClr val="bg1"/>
+                </a:solidFill>
+                <a:latin typeface="Comic Sans MS" panose="030F0702030302020204" charset="0"/>
+                <a:cs typeface="Comic Sans MS" panose="030F0702030302020204" charset="0"/>
+                <a:sym typeface="+mn-ea"/>
+              </a:rPr>
+              <a:t>request</a:t>
+            </a:r>
+            <a:endParaRPr lang="en-US" sz="2400">
               <a:solidFill>
                 <a:schemeClr val="bg1"/>
               </a:solidFill>
@@ -9091,9 +9277,52 @@
             </a:endParaRPr>
           </a:p>
           <a:p>
-            <a:pPr lvl="0"/>
-            <a:r>
-              <a:rPr lang="en-US" sz="2800" b="1">
+            <a:r>
+              <a:rPr lang="en-US" sz="2400" b="1" i="1">
+                <a:solidFill>
+                  <a:schemeClr val="bg1"/>
+                </a:solidFill>
+                <a:latin typeface="Comic Sans MS" panose="030F0702030302020204" charset="0"/>
+                <a:cs typeface="Comic Sans MS" panose="030F0702030302020204" charset="0"/>
+                <a:sym typeface="+mn-ea"/>
+              </a:rPr>
+              <a:t>Meta </a:t>
+            </a:r>
+            <a:r>
+              <a:rPr lang="en-US" sz="2400" b="1" i="1">
+                <a:solidFill>
+                  <a:schemeClr val="bg1"/>
+                </a:solidFill>
+                <a:latin typeface="Comic Sans MS" panose="030F0702030302020204" charset="0"/>
+                <a:cs typeface="Comic Sans MS" panose="030F0702030302020204" charset="0"/>
+                <a:sym typeface="+mn-ea"/>
+              </a:rPr>
+              <a:t>D</a:t>
+            </a:r>
+            <a:r>
+              <a:rPr lang="en-US" sz="2400" b="1" i="1">
+                <a:solidFill>
+                  <a:schemeClr val="bg1"/>
+                </a:solidFill>
+                <a:latin typeface="Comic Sans MS" panose="030F0702030302020204" charset="0"/>
+                <a:cs typeface="Comic Sans MS" panose="030F0702030302020204" charset="0"/>
+                <a:sym typeface="+mn-ea"/>
+              </a:rPr>
+              <a:t>ata</a:t>
+            </a:r>
+            <a:r>
+              <a:rPr lang="en-US" sz="2400">
+                <a:solidFill>
+                  <a:schemeClr val="bg1"/>
+                </a:solidFill>
+                <a:latin typeface="Comic Sans MS" panose="030F0702030302020204" charset="0"/>
+                <a:cs typeface="Comic Sans MS" panose="030F0702030302020204" charset="0"/>
+                <a:sym typeface="+mn-ea"/>
+              </a:rPr>
+              <a:t> </a:t>
+            </a:r>
+            <a:r>
+              <a:rPr lang="en-US" sz="2400" b="1">
                 <a:solidFill>
                   <a:schemeClr val="bg1"/>
                 </a:solidFill>
@@ -9104,39 +9333,6 @@
               <a:t>→</a:t>
             </a:r>
             <a:r>
-              <a:rPr lang="en-IN" altLang="en-US" sz="2400" b="1">
-                <a:solidFill>
-                  <a:schemeClr val="bg1"/>
-                </a:solidFill>
-                <a:latin typeface="Comic Sans MS" panose="030F0702030302020204" charset="0"/>
-                <a:cs typeface="Comic Sans MS" panose="030F0702030302020204" charset="0"/>
-                <a:sym typeface="+mn-ea"/>
-              </a:rPr>
-              <a:t> </a:t>
-            </a:r>
-            <a:r>
-              <a:rPr lang="en-IN" altLang="en-US" sz="2800" b="1">
-                <a:solidFill>
-                  <a:schemeClr val="bg1"/>
-                </a:solidFill>
-                <a:latin typeface="Comic Sans MS" panose="030F0702030302020204" charset="0"/>
-                <a:cs typeface="Comic Sans MS" panose="030F0702030302020204" charset="0"/>
-                <a:sym typeface="+mn-ea"/>
-              </a:rPr>
-              <a:t>Hosting : </a:t>
-            </a:r>
-            <a:r>
-              <a:rPr lang="en-IN" altLang="en-US" sz="2400">
-                <a:solidFill>
-                  <a:schemeClr val="bg1"/>
-                </a:solidFill>
-                <a:latin typeface="Comic Sans MS" panose="030F0702030302020204" charset="0"/>
-                <a:cs typeface="Comic Sans MS" panose="030F0702030302020204" charset="0"/>
-                <a:sym typeface="+mn-ea"/>
-              </a:rPr>
-              <a:t>After testing the web-app is hoste</a:t>
-            </a:r>
-            <a:r>
               <a:rPr lang="en-US" sz="2400">
                 <a:solidFill>
                   <a:schemeClr val="bg1"/>
@@ -9145,86 +9341,9 @@
                 <a:cs typeface="Comic Sans MS" panose="030F0702030302020204" charset="0"/>
                 <a:sym typeface="+mn-ea"/>
               </a:rPr>
-              <a:t>d</a:t>
-            </a:r>
-            <a:r>
-              <a:rPr lang="en-IN" altLang="en-US" sz="2400">
-                <a:solidFill>
-                  <a:schemeClr val="bg1"/>
-                </a:solidFill>
-                <a:latin typeface="Comic Sans MS" panose="030F0702030302020204" charset="0"/>
-                <a:cs typeface="Comic Sans MS" panose="030F0702030302020204" charset="0"/>
-                <a:sym typeface="+mn-ea"/>
-              </a:rPr>
-              <a:t> on “Netlify” &amp; pipeline</a:t>
-            </a:r>
-            <a:r>
-              <a:rPr lang="en-US" sz="2400">
-                <a:solidFill>
-                  <a:schemeClr val="bg1"/>
-                </a:solidFill>
-                <a:latin typeface="Comic Sans MS" panose="030F0702030302020204" charset="0"/>
-                <a:cs typeface="Comic Sans MS" panose="030F0702030302020204" charset="0"/>
-                <a:sym typeface="+mn-ea"/>
-              </a:rPr>
-              <a:t>d</a:t>
-            </a:r>
-            <a:r>
-              <a:rPr lang="en-IN" altLang="en-US" sz="2400">
-                <a:solidFill>
-                  <a:schemeClr val="bg1"/>
-                </a:solidFill>
-                <a:latin typeface="Comic Sans MS" panose="030F0702030302020204" charset="0"/>
-                <a:cs typeface="Comic Sans MS" panose="030F0702030302020204" charset="0"/>
-                <a:sym typeface="+mn-ea"/>
-              </a:rPr>
-              <a:t> to “Github” so that any changes pushe</a:t>
-            </a:r>
-            <a:r>
-              <a:rPr lang="en-US" sz="2400">
-                <a:solidFill>
-                  <a:schemeClr val="bg1"/>
-                </a:solidFill>
-                <a:latin typeface="Comic Sans MS" panose="030F0702030302020204" charset="0"/>
-                <a:cs typeface="Comic Sans MS" panose="030F0702030302020204" charset="0"/>
-                <a:sym typeface="+mn-ea"/>
-              </a:rPr>
-              <a:t>d</a:t>
-            </a:r>
-            <a:r>
-              <a:rPr lang="en-IN" altLang="en-US" sz="2400">
-                <a:solidFill>
-                  <a:schemeClr val="bg1"/>
-                </a:solidFill>
-                <a:latin typeface="Comic Sans MS" panose="030F0702030302020204" charset="0"/>
-                <a:cs typeface="Comic Sans MS" panose="030F0702030302020204" charset="0"/>
-                <a:sym typeface="+mn-ea"/>
-              </a:rPr>
-              <a:t> to the repository will automatically </a:t>
-            </a:r>
-            <a:r>
-              <a:rPr lang="en-US" sz="2400">
-                <a:solidFill>
-                  <a:schemeClr val="bg1"/>
-                </a:solidFill>
-                <a:latin typeface="Comic Sans MS" panose="030F0702030302020204" charset="0"/>
-                <a:cs typeface="Comic Sans MS" panose="030F0702030302020204" charset="0"/>
-                <a:sym typeface="+mn-ea"/>
-              </a:rPr>
-              <a:t>d</a:t>
-            </a:r>
-            <a:r>
-              <a:rPr lang="en-IN" altLang="en-US" sz="2400">
-                <a:solidFill>
-                  <a:schemeClr val="bg1"/>
-                </a:solidFill>
-                <a:latin typeface="Comic Sans MS" panose="030F0702030302020204" charset="0"/>
-                <a:cs typeface="Comic Sans MS" panose="030F0702030302020204" charset="0"/>
-                <a:sym typeface="+mn-ea"/>
-              </a:rPr>
-              <a:t>eploy the changes on the Internet</a:t>
-            </a:r>
-            <a:endParaRPr lang="en-IN" altLang="en-US" sz="2400">
+              <a:t> house-price</a:t>
+            </a:r>
+            <a:endParaRPr lang="en-US" sz="2400">
               <a:solidFill>
                 <a:schemeClr val="bg1"/>
               </a:solidFill>
@@ -9237,7 +9356,7 @@
       </p:sp>
       <p:sp>
         <p:nvSpPr>
-          <p:cNvPr id="4" name="Rectangle: Rounded Corners 16"/>
+          <p:cNvPr id="12" name="Rectangle: Rounded Corners 16"/>
           <p:cNvSpPr/>
           <p:nvPr/>
         </p:nvSpPr>
@@ -9308,30 +9427,6 @@
           </a:p>
         </p:txBody>
       </p:sp>
-      <p:pic>
-        <p:nvPicPr>
-          <p:cNvPr id="2" name="Picture 1" descr="cyber-attack"/>
-          <p:cNvPicPr>
-            <a:picLocks noChangeAspect="1"/>
-          </p:cNvPicPr>
-          <p:nvPr/>
-        </p:nvPicPr>
-        <p:blipFill>
-          <a:blip r:embed="rId1"/>
-          <a:stretch>
-            <a:fillRect/>
-          </a:stretch>
-        </p:blipFill>
-        <p:spPr>
-          <a:xfrm>
-            <a:off x="7956550" y="1506855"/>
-            <a:ext cx="3844290" cy="3844290"/>
-          </a:xfrm>
-          <a:prstGeom prst="rect">
-            <a:avLst/>
-          </a:prstGeom>
-        </p:spPr>
-      </p:pic>
     </p:spTree>
   </p:cSld>
   <p:clrMapOvr>
@@ -9716,32 +9811,14 @@
       <p:grpSpPr/>
       <p:sp>
         <p:nvSpPr>
-          <p:cNvPr id="3" name="Title 2"/>
-          <p:cNvSpPr>
-            <a:spLocks noGrp="1"/>
-          </p:cNvSpPr>
-          <p:nvPr>
-            <p:ph type="title"/>
-          </p:nvPr>
-        </p:nvSpPr>
-        <p:spPr/>
-        <p:txBody>
-          <a:bodyPr/>
-          <a:p>
-            <a:endParaRPr lang="en-US"/>
-          </a:p>
-        </p:txBody>
-      </p:sp>
-      <p:sp>
-        <p:nvSpPr>
-          <p:cNvPr id="6" name="Rectangle 4"/>
+          <p:cNvPr id="5" name="Rectangle 4"/>
           <p:cNvSpPr/>
           <p:nvPr/>
         </p:nvSpPr>
         <p:spPr>
           <a:xfrm>
             <a:off x="0" y="0"/>
-            <a:ext cx="12265660" cy="6858000"/>
+            <a:ext cx="12192000" cy="6858000"/>
           </a:xfrm>
           <a:prstGeom prst="rect">
             <a:avLst/>
@@ -9772,55 +9849,21 @@
         <p:txBody>
           <a:bodyPr rtlCol="0" anchor="ctr"/>
           <a:p>
-            <a:pPr algn="ctr"/>
+            <a:pPr algn="dist"/>
             <a:endParaRPr lang="en-ID"/>
           </a:p>
         </p:txBody>
       </p:sp>
-      <p:pic>
-        <p:nvPicPr>
-          <p:cNvPr id="7" name="Content Placeholder 6" descr="A picture containing animal, reptile&#10;&#10;Description automatically generated"/>
-          <p:cNvPicPr>
-            <a:picLocks noChangeAspect="1"/>
-          </p:cNvPicPr>
-          <p:nvPr>
-            <p:ph sz="half" idx="1"/>
-          </p:nvPr>
-        </p:nvPicPr>
-        <p:blipFill rotWithShape="1">
-          <a:blip r:embed="rId1">
-            <a:alphaModFix amt="18000"/>
-            <a:extLst>
-              <a:ext uri="{28A0092B-C50C-407E-A947-70E740481C1C}">
-                <a14:useLocalDpi xmlns:a14="http://schemas.microsoft.com/office/drawing/2010/main" val="0"/>
-              </a:ext>
-            </a:extLst>
-          </a:blip>
-          <a:srcRect l="27557" t="32804" r="19028" b="32275"/>
-          <a:stretch>
-            <a:fillRect/>
-          </a:stretch>
-        </p:blipFill>
+      <p:sp>
+        <p:nvSpPr>
+          <p:cNvPr id="6" name="Text Box 5"/>
+          <p:cNvSpPr txBox="1"/>
+          <p:nvPr/>
+        </p:nvSpPr>
         <p:spPr>
           <a:xfrm>
-            <a:off x="838200" y="2169795"/>
-            <a:ext cx="5181600" cy="3662680"/>
-          </a:xfrm>
-          <a:prstGeom prst="rect">
-            <a:avLst/>
-          </a:prstGeom>
-        </p:spPr>
-      </p:pic>
-      <p:sp>
-        <p:nvSpPr>
-          <p:cNvPr id="22" name="Text Box 21"/>
-          <p:cNvSpPr txBox="1"/>
-          <p:nvPr/>
-        </p:nvSpPr>
-        <p:spPr>
-          <a:xfrm>
-            <a:off x="3883025" y="2326005"/>
-            <a:ext cx="4500245" cy="2799715"/>
+            <a:off x="521970" y="419100"/>
+            <a:ext cx="7720965" cy="829945"/>
           </a:xfrm>
           <a:prstGeom prst="rect">
             <a:avLst/>
@@ -9833,17 +9876,129 @@
           </a:bodyPr>
           <a:p>
             <a:r>
-              <a:rPr lang="en-IN" altLang="en-US" sz="8800" b="1">
-                <a:solidFill>
-                  <a:schemeClr val="bg1"/>
-                </a:solidFill>
-                <a:latin typeface="Comic Sans MS" panose="030F0702030302020204" charset="0"/>
-                <a:cs typeface="Comic Sans MS" panose="030F0702030302020204" charset="0"/>
-              </a:rPr>
-              <a:t>~ Final Pro</a:t>
-            </a:r>
-            <a:r>
-              <a:rPr lang="en-US" sz="8800" b="1">
+              <a:rPr lang="en-IN" sz="4800" i="1">
+                <a:solidFill>
+                  <a:schemeClr val="bg1"/>
+                </a:solidFill>
+                <a:latin typeface="Comic Sans MS" panose="030F0702030302020204" charset="0"/>
+                <a:cs typeface="Comic Sans MS" panose="030F0702030302020204" charset="0"/>
+                <a:sym typeface="+mn-ea"/>
+              </a:rPr>
+              <a:t>Testing &amp; Hosting</a:t>
+            </a:r>
+            <a:endParaRPr lang="en-IN" sz="4800">
+              <a:solidFill>
+                <a:schemeClr val="bg1"/>
+              </a:solidFill>
+            </a:endParaRPr>
+          </a:p>
+        </p:txBody>
+      </p:sp>
+      <p:sp>
+        <p:nvSpPr>
+          <p:cNvPr id="17" name="Rectangle: Rounded Corners 16"/>
+          <p:cNvSpPr/>
+          <p:nvPr/>
+        </p:nvSpPr>
+        <p:spPr>
+          <a:xfrm>
+            <a:off x="10543262" y="6409060"/>
+            <a:ext cx="1483417" cy="320869"/>
+          </a:xfrm>
+          <a:prstGeom prst="roundRect">
+            <a:avLst>
+              <a:gd name="adj" fmla="val 50000"/>
+            </a:avLst>
+          </a:prstGeom>
+          <a:gradFill flip="none" rotWithShape="1">
+            <a:gsLst>
+              <a:gs pos="0">
+                <a:srgbClr val="E30000"/>
+              </a:gs>
+              <a:gs pos="100000">
+                <a:srgbClr val="760303"/>
+              </a:gs>
+            </a:gsLst>
+            <a:lin ang="10800000" scaled="0"/>
+          </a:gradFill>
+          <a:ln>
+            <a:noFill/>
+          </a:ln>
+        </p:spPr>
+        <p:style>
+          <a:lnRef idx="2">
+            <a:schemeClr val="accent1">
+              <a:shade val="50000"/>
+            </a:schemeClr>
+          </a:lnRef>
+          <a:fillRef idx="1">
+            <a:schemeClr val="accent1"/>
+          </a:fillRef>
+          <a:effectRef idx="0">
+            <a:schemeClr val="accent1"/>
+          </a:effectRef>
+          <a:fontRef idx="minor">
+            <a:schemeClr val="lt1"/>
+          </a:fontRef>
+        </p:style>
+        <p:txBody>
+          <a:bodyPr rtlCol="0" anchor="ctr"/>
+          <a:lstStyle/>
+          <a:p>
+            <a:pPr algn="ctr"/>
+            <a:r>
+              <a:rPr lang="en-US" altLang="en-ID" sz="1400" dirty="0">
+                <a:solidFill>
+                  <a:schemeClr val="tx1"/>
+                </a:solidFill>
+                <a:latin typeface="Arial Black" panose="020B0A04020102020204" pitchFamily="34" charset="0"/>
+                <a:cs typeface="Arial Black" panose="020B0A04020102020204" pitchFamily="34" charset="0"/>
+              </a:rPr>
+              <a:t>Bioscope</a:t>
+            </a:r>
+            <a:endParaRPr lang="en-US" altLang="en-ID" sz="1400" dirty="0">
+              <a:solidFill>
+                <a:schemeClr val="tx1"/>
+              </a:solidFill>
+              <a:latin typeface="Arial Black" panose="020B0A04020102020204" pitchFamily="34" charset="0"/>
+              <a:cs typeface="Arial Black" panose="020B0A04020102020204" pitchFamily="34" charset="0"/>
+            </a:endParaRPr>
+          </a:p>
+        </p:txBody>
+      </p:sp>
+      <p:sp>
+        <p:nvSpPr>
+          <p:cNvPr id="3" name="Text Box 2"/>
+          <p:cNvSpPr txBox="1"/>
+          <p:nvPr/>
+        </p:nvSpPr>
+        <p:spPr>
+          <a:xfrm>
+            <a:off x="521970" y="1612900"/>
+            <a:ext cx="7586980" cy="4276725"/>
+          </a:xfrm>
+          <a:prstGeom prst="rect">
+            <a:avLst/>
+          </a:prstGeom>
+          <a:noFill/>
+        </p:spPr>
+        <p:txBody>
+          <a:bodyPr wrap="square" rtlCol="0">
+            <a:spAutoFit/>
+          </a:bodyPr>
+          <a:p>
+            <a:r>
+              <a:rPr lang="en-IN" altLang="en-US" sz="2400">
+                <a:solidFill>
+                  <a:schemeClr val="bg1"/>
+                </a:solidFill>
+                <a:latin typeface="Comic Sans MS" panose="030F0702030302020204" charset="0"/>
+                <a:cs typeface="Comic Sans MS" panose="030F0702030302020204" charset="0"/>
+              </a:rPr>
+              <a:t>Testing is integral part of software </a:t>
+            </a:r>
+            <a:r>
+              <a:rPr lang="en-US" sz="2400">
                 <a:solidFill>
                   <a:schemeClr val="bg1"/>
                 </a:solidFill>
@@ -9854,16 +10009,56 @@
               <a:t>d</a:t>
             </a:r>
             <a:r>
-              <a:rPr lang="en-IN" altLang="en-US" sz="8800" b="1">
-                <a:solidFill>
-                  <a:schemeClr val="bg1"/>
-                </a:solidFill>
-                <a:latin typeface="Comic Sans MS" panose="030F0702030302020204" charset="0"/>
-                <a:cs typeface="Comic Sans MS" panose="030F0702030302020204" charset="0"/>
-              </a:rPr>
-              <a:t>uct</a:t>
-            </a:r>
-            <a:endParaRPr lang="en-IN" altLang="en-US" sz="8800" b="1">
+              <a:rPr lang="en-IN" altLang="en-US" sz="2400">
+                <a:solidFill>
+                  <a:schemeClr val="bg1"/>
+                </a:solidFill>
+                <a:latin typeface="Comic Sans MS" panose="030F0702030302020204" charset="0"/>
+                <a:cs typeface="Comic Sans MS" panose="030F0702030302020204" charset="0"/>
+              </a:rPr>
+              <a:t>evelopment.</a:t>
+            </a:r>
+            <a:br>
+              <a:rPr lang="en-IN" altLang="en-US" sz="2400">
+                <a:solidFill>
+                  <a:schemeClr val="bg1"/>
+                </a:solidFill>
+                <a:latin typeface="Comic Sans MS" panose="030F0702030302020204" charset="0"/>
+                <a:cs typeface="Comic Sans MS" panose="030F0702030302020204" charset="0"/>
+              </a:rPr>
+            </a:br>
+            <a:r>
+              <a:rPr lang="en-IN" altLang="en-US" sz="2400">
+                <a:solidFill>
+                  <a:schemeClr val="bg1"/>
+                </a:solidFill>
+                <a:latin typeface="Comic Sans MS" panose="030F0702030302020204" charset="0"/>
+                <a:cs typeface="Comic Sans MS" panose="030F0702030302020204" charset="0"/>
+              </a:rPr>
+              <a:t>Hosting cannot be </a:t>
+            </a:r>
+            <a:r>
+              <a:rPr lang="en-US" sz="2400">
+                <a:solidFill>
+                  <a:schemeClr val="bg1"/>
+                </a:solidFill>
+                <a:latin typeface="Comic Sans MS" panose="030F0702030302020204" charset="0"/>
+                <a:cs typeface="Comic Sans MS" panose="030F0702030302020204" charset="0"/>
+                <a:sym typeface="+mn-ea"/>
+              </a:rPr>
+              <a:t>d</a:t>
+            </a:r>
+            <a:r>
+              <a:rPr lang="en-IN" altLang="en-US" sz="2400">
+                <a:solidFill>
+                  <a:schemeClr val="bg1"/>
+                </a:solidFill>
+                <a:latin typeface="Comic Sans MS" panose="030F0702030302020204" charset="0"/>
+                <a:cs typeface="Comic Sans MS" panose="030F0702030302020204" charset="0"/>
+              </a:rPr>
+              <a:t>one without testing</a:t>
+            </a:r>
+            <a:endParaRPr lang="en-IN" altLang="en-US" sz="2400">
               <a:solidFill>
                 <a:schemeClr val="bg1"/>
               </a:solidFill>
@@ -9871,11 +10066,306 @@
               <a:cs typeface="Comic Sans MS" panose="030F0702030302020204" charset="0"/>
             </a:endParaRPr>
           </a:p>
-        </p:txBody>
-      </p:sp>
-      <p:sp>
-        <p:nvSpPr>
-          <p:cNvPr id="17" name="Rectangle: Rounded Corners 16"/>
+          <a:p>
+            <a:endParaRPr lang="en-IN" altLang="en-US" sz="2400">
+              <a:solidFill>
+                <a:schemeClr val="bg1"/>
+              </a:solidFill>
+              <a:latin typeface="Comic Sans MS" panose="030F0702030302020204" charset="0"/>
+              <a:cs typeface="Comic Sans MS" panose="030F0702030302020204" charset="0"/>
+            </a:endParaRPr>
+          </a:p>
+          <a:p>
+            <a:pPr lvl="0"/>
+            <a:r>
+              <a:rPr lang="en-US" sz="2800" b="1">
+                <a:solidFill>
+                  <a:schemeClr val="bg1"/>
+                </a:solidFill>
+                <a:latin typeface="Comic Sans MS" panose="030F0702030302020204" charset="0"/>
+                <a:cs typeface="Comic Sans MS" panose="030F0702030302020204" charset="0"/>
+                <a:sym typeface="+mn-ea"/>
+              </a:rPr>
+              <a:t>→</a:t>
+            </a:r>
+            <a:r>
+              <a:rPr lang="en-IN" altLang="en-US" sz="2400" b="1">
+                <a:solidFill>
+                  <a:schemeClr val="bg1"/>
+                </a:solidFill>
+                <a:latin typeface="Comic Sans MS" panose="030F0702030302020204" charset="0"/>
+                <a:cs typeface="Comic Sans MS" panose="030F0702030302020204" charset="0"/>
+                <a:sym typeface="+mn-ea"/>
+              </a:rPr>
+              <a:t> </a:t>
+            </a:r>
+            <a:r>
+              <a:rPr lang="en-IN" altLang="en-US" sz="2800" b="1">
+                <a:solidFill>
+                  <a:schemeClr val="bg1"/>
+                </a:solidFill>
+                <a:latin typeface="Comic Sans MS" panose="030F0702030302020204" charset="0"/>
+                <a:cs typeface="Comic Sans MS" panose="030F0702030302020204" charset="0"/>
+                <a:sym typeface="+mn-ea"/>
+              </a:rPr>
+              <a:t>Testing in React :</a:t>
+            </a:r>
+            <a:r>
+              <a:rPr lang="en-IN" altLang="en-US" sz="2400" b="1">
+                <a:solidFill>
+                  <a:schemeClr val="bg1"/>
+                </a:solidFill>
+                <a:latin typeface="Comic Sans MS" panose="030F0702030302020204" charset="0"/>
+                <a:cs typeface="Comic Sans MS" panose="030F0702030302020204" charset="0"/>
+                <a:sym typeface="+mn-ea"/>
+              </a:rPr>
+              <a:t> </a:t>
+            </a:r>
+            <a:r>
+              <a:rPr lang="en-IN" altLang="en-US" sz="2400">
+                <a:solidFill>
+                  <a:schemeClr val="bg1"/>
+                </a:solidFill>
+                <a:latin typeface="Comic Sans MS" panose="030F0702030302020204" charset="0"/>
+                <a:cs typeface="Comic Sans MS" panose="030F0702030302020204" charset="0"/>
+                <a:sym typeface="+mn-ea"/>
+              </a:rPr>
+              <a:t>Unit tests, Integration tests, en</a:t>
+            </a:r>
+            <a:r>
+              <a:rPr lang="en-US" sz="2400">
+                <a:solidFill>
+                  <a:schemeClr val="bg1"/>
+                </a:solidFill>
+                <a:latin typeface="Comic Sans MS" panose="030F0702030302020204" charset="0"/>
+                <a:cs typeface="Comic Sans MS" panose="030F0702030302020204" charset="0"/>
+                <a:sym typeface="+mn-ea"/>
+              </a:rPr>
+              <a:t>d</a:t>
+            </a:r>
+            <a:r>
+              <a:rPr lang="en-IN" altLang="en-US" sz="2400">
+                <a:solidFill>
+                  <a:schemeClr val="bg1"/>
+                </a:solidFill>
+                <a:latin typeface="Comic Sans MS" panose="030F0702030302020204" charset="0"/>
+                <a:cs typeface="Comic Sans MS" panose="030F0702030302020204" charset="0"/>
+                <a:sym typeface="+mn-ea"/>
+              </a:rPr>
+              <a:t>-to-en</a:t>
+            </a:r>
+            <a:r>
+              <a:rPr lang="en-US" sz="2400">
+                <a:solidFill>
+                  <a:schemeClr val="bg1"/>
+                </a:solidFill>
+                <a:latin typeface="Comic Sans MS" panose="030F0702030302020204" charset="0"/>
+                <a:cs typeface="Comic Sans MS" panose="030F0702030302020204" charset="0"/>
+                <a:sym typeface="+mn-ea"/>
+              </a:rPr>
+              <a:t>d</a:t>
+            </a:r>
+            <a:r>
+              <a:rPr lang="en-IN" altLang="en-US" sz="2400">
+                <a:solidFill>
+                  <a:schemeClr val="bg1"/>
+                </a:solidFill>
+                <a:latin typeface="Comic Sans MS" panose="030F0702030302020204" charset="0"/>
+                <a:cs typeface="Comic Sans MS" panose="030F0702030302020204" charset="0"/>
+                <a:sym typeface="+mn-ea"/>
+              </a:rPr>
+              <a:t> tests. Unit test is single test of co</a:t>
+            </a:r>
+            <a:r>
+              <a:rPr lang="en-US" sz="2400">
+                <a:solidFill>
+                  <a:schemeClr val="bg1"/>
+                </a:solidFill>
+                <a:latin typeface="Comic Sans MS" panose="030F0702030302020204" charset="0"/>
+                <a:cs typeface="Comic Sans MS" panose="030F0702030302020204" charset="0"/>
+                <a:sym typeface="+mn-ea"/>
+              </a:rPr>
+              <a:t>d</a:t>
+            </a:r>
+            <a:r>
+              <a:rPr lang="en-IN" altLang="en-US" sz="2400">
+                <a:solidFill>
+                  <a:schemeClr val="bg1"/>
+                </a:solidFill>
+                <a:latin typeface="Comic Sans MS" panose="030F0702030302020204" charset="0"/>
+                <a:cs typeface="Comic Sans MS" panose="030F0702030302020204" charset="0"/>
+                <a:sym typeface="+mn-ea"/>
+              </a:rPr>
+              <a:t>e isolation.</a:t>
+            </a:r>
+            <a:endParaRPr lang="en-IN" altLang="en-US" sz="2400">
+              <a:solidFill>
+                <a:schemeClr val="bg1"/>
+              </a:solidFill>
+              <a:latin typeface="Comic Sans MS" panose="030F0702030302020204" charset="0"/>
+              <a:cs typeface="Comic Sans MS" panose="030F0702030302020204" charset="0"/>
+              <a:sym typeface="+mn-ea"/>
+            </a:endParaRPr>
+          </a:p>
+          <a:p>
+            <a:pPr lvl="0"/>
+            <a:endParaRPr lang="en-IN" altLang="en-US" sz="2400" b="1">
+              <a:solidFill>
+                <a:schemeClr val="bg1"/>
+              </a:solidFill>
+              <a:latin typeface="Comic Sans MS" panose="030F0702030302020204" charset="0"/>
+              <a:cs typeface="Comic Sans MS" panose="030F0702030302020204" charset="0"/>
+              <a:sym typeface="+mn-ea"/>
+            </a:endParaRPr>
+          </a:p>
+          <a:p>
+            <a:pPr lvl="0"/>
+            <a:r>
+              <a:rPr lang="en-US" sz="2800" b="1">
+                <a:solidFill>
+                  <a:schemeClr val="bg1"/>
+                </a:solidFill>
+                <a:latin typeface="Comic Sans MS" panose="030F0702030302020204" charset="0"/>
+                <a:cs typeface="Comic Sans MS" panose="030F0702030302020204" charset="0"/>
+                <a:sym typeface="+mn-ea"/>
+              </a:rPr>
+              <a:t>→</a:t>
+            </a:r>
+            <a:r>
+              <a:rPr lang="en-IN" altLang="en-US" sz="2400" b="1">
+                <a:solidFill>
+                  <a:schemeClr val="bg1"/>
+                </a:solidFill>
+                <a:latin typeface="Comic Sans MS" panose="030F0702030302020204" charset="0"/>
+                <a:cs typeface="Comic Sans MS" panose="030F0702030302020204" charset="0"/>
+                <a:sym typeface="+mn-ea"/>
+              </a:rPr>
+              <a:t> </a:t>
+            </a:r>
+            <a:r>
+              <a:rPr lang="en-IN" altLang="en-US" sz="2800" b="1">
+                <a:solidFill>
+                  <a:schemeClr val="bg1"/>
+                </a:solidFill>
+                <a:latin typeface="Comic Sans MS" panose="030F0702030302020204" charset="0"/>
+                <a:cs typeface="Comic Sans MS" panose="030F0702030302020204" charset="0"/>
+                <a:sym typeface="+mn-ea"/>
+              </a:rPr>
+              <a:t>Hosting : </a:t>
+            </a:r>
+            <a:r>
+              <a:rPr lang="en-IN" altLang="en-US" sz="2400">
+                <a:solidFill>
+                  <a:schemeClr val="bg1"/>
+                </a:solidFill>
+                <a:latin typeface="Comic Sans MS" panose="030F0702030302020204" charset="0"/>
+                <a:cs typeface="Comic Sans MS" panose="030F0702030302020204" charset="0"/>
+                <a:sym typeface="+mn-ea"/>
+              </a:rPr>
+              <a:t>After testing the web-app is hoste</a:t>
+            </a:r>
+            <a:r>
+              <a:rPr lang="en-US" sz="2400">
+                <a:solidFill>
+                  <a:schemeClr val="bg1"/>
+                </a:solidFill>
+                <a:latin typeface="Comic Sans MS" panose="030F0702030302020204" charset="0"/>
+                <a:cs typeface="Comic Sans MS" panose="030F0702030302020204" charset="0"/>
+                <a:sym typeface="+mn-ea"/>
+              </a:rPr>
+              <a:t>d</a:t>
+            </a:r>
+            <a:r>
+              <a:rPr lang="en-IN" altLang="en-US" sz="2400">
+                <a:solidFill>
+                  <a:schemeClr val="bg1"/>
+                </a:solidFill>
+                <a:latin typeface="Comic Sans MS" panose="030F0702030302020204" charset="0"/>
+                <a:cs typeface="Comic Sans MS" panose="030F0702030302020204" charset="0"/>
+                <a:sym typeface="+mn-ea"/>
+              </a:rPr>
+              <a:t> on “Netlify” &amp; pipeline</a:t>
+            </a:r>
+            <a:r>
+              <a:rPr lang="en-US" sz="2400">
+                <a:solidFill>
+                  <a:schemeClr val="bg1"/>
+                </a:solidFill>
+                <a:latin typeface="Comic Sans MS" panose="030F0702030302020204" charset="0"/>
+                <a:cs typeface="Comic Sans MS" panose="030F0702030302020204" charset="0"/>
+                <a:sym typeface="+mn-ea"/>
+              </a:rPr>
+              <a:t>d</a:t>
+            </a:r>
+            <a:r>
+              <a:rPr lang="en-IN" altLang="en-US" sz="2400">
+                <a:solidFill>
+                  <a:schemeClr val="bg1"/>
+                </a:solidFill>
+                <a:latin typeface="Comic Sans MS" panose="030F0702030302020204" charset="0"/>
+                <a:cs typeface="Comic Sans MS" panose="030F0702030302020204" charset="0"/>
+                <a:sym typeface="+mn-ea"/>
+              </a:rPr>
+              <a:t> to “Github” so that any changes pushe</a:t>
+            </a:r>
+            <a:r>
+              <a:rPr lang="en-US" sz="2400">
+                <a:solidFill>
+                  <a:schemeClr val="bg1"/>
+                </a:solidFill>
+                <a:latin typeface="Comic Sans MS" panose="030F0702030302020204" charset="0"/>
+                <a:cs typeface="Comic Sans MS" panose="030F0702030302020204" charset="0"/>
+                <a:sym typeface="+mn-ea"/>
+              </a:rPr>
+              <a:t>d</a:t>
+            </a:r>
+            <a:r>
+              <a:rPr lang="en-IN" altLang="en-US" sz="2400">
+                <a:solidFill>
+                  <a:schemeClr val="bg1"/>
+                </a:solidFill>
+                <a:latin typeface="Comic Sans MS" panose="030F0702030302020204" charset="0"/>
+                <a:cs typeface="Comic Sans MS" panose="030F0702030302020204" charset="0"/>
+                <a:sym typeface="+mn-ea"/>
+              </a:rPr>
+              <a:t> to the repository will automatically </a:t>
+            </a:r>
+            <a:r>
+              <a:rPr lang="en-US" sz="2400">
+                <a:solidFill>
+                  <a:schemeClr val="bg1"/>
+                </a:solidFill>
+                <a:latin typeface="Comic Sans MS" panose="030F0702030302020204" charset="0"/>
+                <a:cs typeface="Comic Sans MS" panose="030F0702030302020204" charset="0"/>
+                <a:sym typeface="+mn-ea"/>
+              </a:rPr>
+              <a:t>d</a:t>
+            </a:r>
+            <a:r>
+              <a:rPr lang="en-IN" altLang="en-US" sz="2400">
+                <a:solidFill>
+                  <a:schemeClr val="bg1"/>
+                </a:solidFill>
+                <a:latin typeface="Comic Sans MS" panose="030F0702030302020204" charset="0"/>
+                <a:cs typeface="Comic Sans MS" panose="030F0702030302020204" charset="0"/>
+                <a:sym typeface="+mn-ea"/>
+              </a:rPr>
+              <a:t>eploy the changes on the Internet</a:t>
+            </a:r>
+            <a:endParaRPr lang="en-IN" altLang="en-US" sz="2400">
+              <a:solidFill>
+                <a:schemeClr val="bg1"/>
+              </a:solidFill>
+              <a:latin typeface="Comic Sans MS" panose="030F0702030302020204" charset="0"/>
+              <a:cs typeface="Comic Sans MS" panose="030F0702030302020204" charset="0"/>
+              <a:sym typeface="+mn-ea"/>
+            </a:endParaRPr>
+          </a:p>
+        </p:txBody>
+      </p:sp>
+      <p:sp>
+        <p:nvSpPr>
+          <p:cNvPr id="4" name="Rectangle: Rounded Corners 16"/>
           <p:cNvSpPr/>
           <p:nvPr/>
         </p:nvSpPr>
@@ -9946,6 +10436,30 @@
           </a:p>
         </p:txBody>
       </p:sp>
+      <p:pic>
+        <p:nvPicPr>
+          <p:cNvPr id="2" name="Picture 1" descr="cyber-attack"/>
+          <p:cNvPicPr>
+            <a:picLocks noChangeAspect="1"/>
+          </p:cNvPicPr>
+          <p:nvPr/>
+        </p:nvPicPr>
+        <p:blipFill>
+          <a:blip r:embed="rId1"/>
+          <a:stretch>
+            <a:fillRect/>
+          </a:stretch>
+        </p:blipFill>
+        <p:spPr>
+          <a:xfrm>
+            <a:off x="7956550" y="1506855"/>
+            <a:ext cx="3844290" cy="3844290"/>
+          </a:xfrm>
+          <a:prstGeom prst="rect">
+            <a:avLst/>
+          </a:prstGeom>
+        </p:spPr>
+      </p:pic>
     </p:spTree>
   </p:cSld>
   <p:clrMapOvr>
@@ -10024,6 +10538,102 @@
           <a:p>
             <a:pPr algn="ctr"/>
             <a:endParaRPr lang="en-ID"/>
+          </a:p>
+        </p:txBody>
+      </p:sp>
+      <p:pic>
+        <p:nvPicPr>
+          <p:cNvPr id="7" name="Content Placeholder 6" descr="A picture containing animal, reptile&#10;&#10;Description automatically generated"/>
+          <p:cNvPicPr>
+            <a:picLocks noChangeAspect="1"/>
+          </p:cNvPicPr>
+          <p:nvPr>
+            <p:ph sz="half" idx="1"/>
+          </p:nvPr>
+        </p:nvPicPr>
+        <p:blipFill rotWithShape="1">
+          <a:blip r:embed="rId1">
+            <a:alphaModFix amt="18000"/>
+            <a:extLst>
+              <a:ext uri="{28A0092B-C50C-407E-A947-70E740481C1C}">
+                <a14:useLocalDpi xmlns:a14="http://schemas.microsoft.com/office/drawing/2010/main" val="0"/>
+              </a:ext>
+            </a:extLst>
+          </a:blip>
+          <a:srcRect l="27557" t="32804" r="19028" b="32275"/>
+          <a:stretch>
+            <a:fillRect/>
+          </a:stretch>
+        </p:blipFill>
+        <p:spPr>
+          <a:xfrm>
+            <a:off x="838200" y="2169795"/>
+            <a:ext cx="5181600" cy="3662680"/>
+          </a:xfrm>
+          <a:prstGeom prst="rect">
+            <a:avLst/>
+          </a:prstGeom>
+        </p:spPr>
+      </p:pic>
+      <p:sp>
+        <p:nvSpPr>
+          <p:cNvPr id="22" name="Text Box 21"/>
+          <p:cNvSpPr txBox="1"/>
+          <p:nvPr/>
+        </p:nvSpPr>
+        <p:spPr>
+          <a:xfrm>
+            <a:off x="3883025" y="2326005"/>
+            <a:ext cx="4500245" cy="2799715"/>
+          </a:xfrm>
+          <a:prstGeom prst="rect">
+            <a:avLst/>
+          </a:prstGeom>
+          <a:noFill/>
+        </p:spPr>
+        <p:txBody>
+          <a:bodyPr wrap="square" rtlCol="0">
+            <a:spAutoFit/>
+          </a:bodyPr>
+          <a:p>
+            <a:r>
+              <a:rPr lang="en-IN" altLang="en-US" sz="8800" b="1">
+                <a:solidFill>
+                  <a:schemeClr val="bg1"/>
+                </a:solidFill>
+                <a:latin typeface="Comic Sans MS" panose="030F0702030302020204" charset="0"/>
+                <a:cs typeface="Comic Sans MS" panose="030F0702030302020204" charset="0"/>
+              </a:rPr>
+              <a:t>~ Final Pro</a:t>
+            </a:r>
+            <a:r>
+              <a:rPr lang="en-US" sz="8800" b="1">
+                <a:solidFill>
+                  <a:schemeClr val="bg1"/>
+                </a:solidFill>
+                <a:latin typeface="Comic Sans MS" panose="030F0702030302020204" charset="0"/>
+                <a:cs typeface="Comic Sans MS" panose="030F0702030302020204" charset="0"/>
+                <a:sym typeface="+mn-ea"/>
+              </a:rPr>
+              <a:t>d</a:t>
+            </a:r>
+            <a:r>
+              <a:rPr lang="en-IN" altLang="en-US" sz="8800" b="1">
+                <a:solidFill>
+                  <a:schemeClr val="bg1"/>
+                </a:solidFill>
+                <a:latin typeface="Comic Sans MS" panose="030F0702030302020204" charset="0"/>
+                <a:cs typeface="Comic Sans MS" panose="030F0702030302020204" charset="0"/>
+              </a:rPr>
+              <a:t>uct</a:t>
+            </a:r>
+            <a:endParaRPr lang="en-IN" altLang="en-US" sz="8800" b="1">
+              <a:solidFill>
+                <a:schemeClr val="bg1"/>
+              </a:solidFill>
+              <a:latin typeface="Comic Sans MS" panose="030F0702030302020204" charset="0"/>
+              <a:cs typeface="Comic Sans MS" panose="030F0702030302020204" charset="0"/>
+            </a:endParaRPr>
           </a:p>
         </p:txBody>
       </p:sp>
@@ -10100,32 +10710,6 @@
           </a:p>
         </p:txBody>
       </p:sp>
-      <p:pic>
-        <p:nvPicPr>
-          <p:cNvPr id="2" name="Content Placeholder 1"/>
-          <p:cNvPicPr>
-            <a:picLocks noChangeAspect="1"/>
-          </p:cNvPicPr>
-          <p:nvPr>
-            <p:ph sz="half" idx="2"/>
-          </p:nvPr>
-        </p:nvPicPr>
-        <p:blipFill>
-          <a:blip r:embed="rId1"/>
-          <a:stretch>
-            <a:fillRect/>
-          </a:stretch>
-        </p:blipFill>
-        <p:spPr>
-          <a:xfrm>
-            <a:off x="379095" y="365125"/>
-            <a:ext cx="11450320" cy="5716905"/>
-          </a:xfrm>
-          <a:prstGeom prst="rect">
-            <a:avLst/>
-          </a:prstGeom>
-        </p:spPr>
-      </p:pic>
     </p:spTree>
   </p:cSld>
   <p:clrMapOvr>
@@ -10204,91 +10788,6 @@
           <a:p>
             <a:pPr algn="ctr"/>
             <a:endParaRPr lang="en-ID"/>
-          </a:p>
-        </p:txBody>
-      </p:sp>
-      <p:pic>
-        <p:nvPicPr>
-          <p:cNvPr id="7" name="Content Placeholder 6" descr="A picture containing animal, reptile&#10;&#10;Description automatically generated"/>
-          <p:cNvPicPr>
-            <a:picLocks noChangeAspect="1"/>
-          </p:cNvPicPr>
-          <p:nvPr>
-            <p:ph sz="half" idx="1"/>
-          </p:nvPr>
-        </p:nvPicPr>
-        <p:blipFill rotWithShape="1">
-          <a:blip r:embed="rId1">
-            <a:alphaModFix amt="18000"/>
-            <a:extLst>
-              <a:ext uri="{28A0092B-C50C-407E-A947-70E740481C1C}">
-                <a14:useLocalDpi xmlns:a14="http://schemas.microsoft.com/office/drawing/2010/main" val="0"/>
-              </a:ext>
-            </a:extLst>
-          </a:blip>
-          <a:srcRect l="27557" t="32804" r="19028" b="32275"/>
-          <a:stretch>
-            <a:fillRect/>
-          </a:stretch>
-        </p:blipFill>
-        <p:spPr>
-          <a:xfrm>
-            <a:off x="838200" y="2169795"/>
-            <a:ext cx="5181600" cy="3662680"/>
-          </a:xfrm>
-          <a:prstGeom prst="rect">
-            <a:avLst/>
-          </a:prstGeom>
-        </p:spPr>
-      </p:pic>
-      <p:sp>
-        <p:nvSpPr>
-          <p:cNvPr id="22" name="Text Box 21"/>
-          <p:cNvSpPr txBox="1"/>
-          <p:nvPr/>
-        </p:nvSpPr>
-        <p:spPr>
-          <a:xfrm>
-            <a:off x="3627755" y="2580640"/>
-            <a:ext cx="4500245" cy="1445260"/>
-          </a:xfrm>
-          <a:prstGeom prst="rect">
-            <a:avLst/>
-          </a:prstGeom>
-          <a:noFill/>
-        </p:spPr>
-        <p:txBody>
-          <a:bodyPr wrap="square" rtlCol="0">
-            <a:spAutoFit/>
-          </a:bodyPr>
-          <a:p>
-            <a:r>
-              <a:rPr lang="en-IN" altLang="en-US" sz="8800" b="1">
-                <a:solidFill>
-                  <a:schemeClr val="bg1"/>
-                </a:solidFill>
-                <a:latin typeface="Comic Sans MS" panose="030F0702030302020204" charset="0"/>
-                <a:cs typeface="Comic Sans MS" panose="030F0702030302020204" charset="0"/>
-              </a:rPr>
-              <a:t>~ </a:t>
-            </a:r>
-            <a:r>
-              <a:rPr lang="en-IN" sz="8800" b="1">
-                <a:solidFill>
-                  <a:schemeClr val="bg1"/>
-                </a:solidFill>
-                <a:latin typeface="Comic Sans MS" panose="030F0702030302020204" charset="0"/>
-                <a:cs typeface="Comic Sans MS" panose="030F0702030302020204" charset="0"/>
-              </a:rPr>
-              <a:t>Links</a:t>
-            </a:r>
-            <a:endParaRPr lang="en-IN" sz="8800" b="1">
-              <a:solidFill>
-                <a:schemeClr val="bg1"/>
-              </a:solidFill>
-              <a:latin typeface="Comic Sans MS" panose="030F0702030302020204" charset="0"/>
-              <a:cs typeface="Comic Sans MS" panose="030F0702030302020204" charset="0"/>
-            </a:endParaRPr>
           </a:p>
         </p:txBody>
       </p:sp>
@@ -10365,6 +10864,32 @@
           </a:p>
         </p:txBody>
       </p:sp>
+      <p:pic>
+        <p:nvPicPr>
+          <p:cNvPr id="2" name="Content Placeholder 1"/>
+          <p:cNvPicPr>
+            <a:picLocks noChangeAspect="1"/>
+          </p:cNvPicPr>
+          <p:nvPr>
+            <p:ph sz="half" idx="2"/>
+          </p:nvPr>
+        </p:nvPicPr>
+        <p:blipFill>
+          <a:blip r:embed="rId1"/>
+          <a:stretch>
+            <a:fillRect/>
+          </a:stretch>
+        </p:blipFill>
+        <p:spPr>
+          <a:xfrm>
+            <a:off x="379095" y="365125"/>
+            <a:ext cx="11450320" cy="5716905"/>
+          </a:xfrm>
+          <a:prstGeom prst="rect">
+            <a:avLst/>
+          </a:prstGeom>
+        </p:spPr>
+      </p:pic>
     </p:spTree>
   </p:cSld>
   <p:clrMapOvr>
@@ -10480,6 +11005,57 @@
           </a:prstGeom>
         </p:spPr>
       </p:pic>
+      <p:sp>
+        <p:nvSpPr>
+          <p:cNvPr id="22" name="Text Box 21"/>
+          <p:cNvSpPr txBox="1"/>
+          <p:nvPr/>
+        </p:nvSpPr>
+        <p:spPr>
+          <a:xfrm>
+            <a:off x="3627755" y="2580640"/>
+            <a:ext cx="4500245" cy="1445260"/>
+          </a:xfrm>
+          <a:prstGeom prst="rect">
+            <a:avLst/>
+          </a:prstGeom>
+          <a:noFill/>
+        </p:spPr>
+        <p:txBody>
+          <a:bodyPr wrap="square" rtlCol="0">
+            <a:spAutoFit/>
+          </a:bodyPr>
+          <a:p>
+            <a:r>
+              <a:rPr lang="en-IN" altLang="en-US" sz="8800" b="1">
+                <a:solidFill>
+                  <a:schemeClr val="bg1"/>
+                </a:solidFill>
+                <a:latin typeface="Comic Sans MS" panose="030F0702030302020204" charset="0"/>
+                <a:cs typeface="Comic Sans MS" panose="030F0702030302020204" charset="0"/>
+              </a:rPr>
+              <a:t>~ </a:t>
+            </a:r>
+            <a:r>
+              <a:rPr lang="en-IN" sz="8800" b="1">
+                <a:solidFill>
+                  <a:schemeClr val="bg1"/>
+                </a:solidFill>
+                <a:latin typeface="Comic Sans MS" panose="030F0702030302020204" charset="0"/>
+                <a:cs typeface="Comic Sans MS" panose="030F0702030302020204" charset="0"/>
+              </a:rPr>
+              <a:t>Links</a:t>
+            </a:r>
+            <a:endParaRPr lang="en-IN" sz="8800" b="1">
+              <a:solidFill>
+                <a:schemeClr val="bg1"/>
+              </a:solidFill>
+              <a:latin typeface="Comic Sans MS" panose="030F0702030302020204" charset="0"/>
+              <a:cs typeface="Comic Sans MS" panose="030F0702030302020204" charset="0"/>
+            </a:endParaRPr>
+          </a:p>
+        </p:txBody>
+      </p:sp>
       <p:sp>
         <p:nvSpPr>
           <p:cNvPr id="17" name="Rectangle: Rounded Corners 16"/>
@@ -10553,6 +11129,194 @@
           </a:p>
         </p:txBody>
       </p:sp>
+    </p:spTree>
+  </p:cSld>
+  <p:clrMapOvr>
+    <a:masterClrMapping/>
+  </p:clrMapOvr>
+</p:sld>
+</file>
+
+<file path=ppt/slides/slide24.xml><?xml version="1.0" encoding="utf-8"?>
+<p:sld xmlns:a="http://schemas.openxmlformats.org/drawingml/2006/main" xmlns:r="http://schemas.openxmlformats.org/officeDocument/2006/relationships" xmlns:p="http://schemas.openxmlformats.org/presentationml/2006/main">
+  <p:cSld>
+    <p:spTree>
+      <p:nvGrpSpPr>
+        <p:cNvPr id="1" name=""/>
+        <p:cNvGrpSpPr/>
+        <p:nvPr/>
+      </p:nvGrpSpPr>
+      <p:grpSpPr/>
+      <p:sp>
+        <p:nvSpPr>
+          <p:cNvPr id="3" name="Title 2"/>
+          <p:cNvSpPr>
+            <a:spLocks noGrp="1"/>
+          </p:cNvSpPr>
+          <p:nvPr>
+            <p:ph type="title"/>
+          </p:nvPr>
+        </p:nvSpPr>
+        <p:spPr/>
+        <p:txBody>
+          <a:bodyPr/>
+          <a:p>
+            <a:endParaRPr lang="en-US"/>
+          </a:p>
+        </p:txBody>
+      </p:sp>
+      <p:sp>
+        <p:nvSpPr>
+          <p:cNvPr id="6" name="Rectangle 4"/>
+          <p:cNvSpPr/>
+          <p:nvPr/>
+        </p:nvSpPr>
+        <p:spPr>
+          <a:xfrm>
+            <a:off x="0" y="0"/>
+            <a:ext cx="12265660" cy="6858000"/>
+          </a:xfrm>
+          <a:prstGeom prst="rect">
+            <a:avLst/>
+          </a:prstGeom>
+          <a:solidFill>
+            <a:schemeClr val="tx1"/>
+          </a:solidFill>
+          <a:ln>
+            <a:noFill/>
+          </a:ln>
+        </p:spPr>
+        <p:style>
+          <a:lnRef idx="2">
+            <a:schemeClr val="accent1">
+              <a:shade val="50000"/>
+            </a:schemeClr>
+          </a:lnRef>
+          <a:fillRef idx="1">
+            <a:schemeClr val="accent1"/>
+          </a:fillRef>
+          <a:effectRef idx="0">
+            <a:schemeClr val="accent1"/>
+          </a:effectRef>
+          <a:fontRef idx="minor">
+            <a:schemeClr val="lt1"/>
+          </a:fontRef>
+        </p:style>
+        <p:txBody>
+          <a:bodyPr rtlCol="0" anchor="ctr"/>
+          <a:p>
+            <a:pPr algn="ctr"/>
+            <a:endParaRPr lang="en-ID"/>
+          </a:p>
+        </p:txBody>
+      </p:sp>
+      <p:pic>
+        <p:nvPicPr>
+          <p:cNvPr id="7" name="Content Placeholder 6" descr="A picture containing animal, reptile&#10;&#10;Description automatically generated"/>
+          <p:cNvPicPr>
+            <a:picLocks noChangeAspect="1"/>
+          </p:cNvPicPr>
+          <p:nvPr>
+            <p:ph sz="half" idx="1"/>
+          </p:nvPr>
+        </p:nvPicPr>
+        <p:blipFill rotWithShape="1">
+          <a:blip r:embed="rId1">
+            <a:alphaModFix amt="18000"/>
+            <a:extLst>
+              <a:ext uri="{28A0092B-C50C-407E-A947-70E740481C1C}">
+                <a14:useLocalDpi xmlns:a14="http://schemas.microsoft.com/office/drawing/2010/main" val="0"/>
+              </a:ext>
+            </a:extLst>
+          </a:blip>
+          <a:srcRect l="27557" t="32804" r="19028" b="32275"/>
+          <a:stretch>
+            <a:fillRect/>
+          </a:stretch>
+        </p:blipFill>
+        <p:spPr>
+          <a:xfrm>
+            <a:off x="838200" y="2169795"/>
+            <a:ext cx="5181600" cy="3662680"/>
+          </a:xfrm>
+          <a:prstGeom prst="rect">
+            <a:avLst/>
+          </a:prstGeom>
+        </p:spPr>
+      </p:pic>
+      <p:sp>
+        <p:nvSpPr>
+          <p:cNvPr id="17" name="Rectangle: Rounded Corners 16"/>
+          <p:cNvSpPr/>
+          <p:nvPr/>
+        </p:nvSpPr>
+        <p:spPr>
+          <a:xfrm>
+            <a:off x="10543262" y="6397630"/>
+            <a:ext cx="1483417" cy="320869"/>
+          </a:xfrm>
+          <a:prstGeom prst="roundRect">
+            <a:avLst>
+              <a:gd name="adj" fmla="val 50000"/>
+            </a:avLst>
+          </a:prstGeom>
+          <a:gradFill flip="none" rotWithShape="1">
+            <a:gsLst>
+              <a:gs pos="0">
+                <a:srgbClr val="FE4444"/>
+              </a:gs>
+              <a:gs pos="100000">
+                <a:srgbClr val="832B2B"/>
+              </a:gs>
+            </a:gsLst>
+            <a:lin ang="10800000" scaled="0"/>
+          </a:gradFill>
+          <a:ln>
+            <a:solidFill>
+              <a:schemeClr val="tx1"/>
+            </a:solidFill>
+          </a:ln>
+        </p:spPr>
+        <p:style>
+          <a:lnRef idx="2">
+            <a:schemeClr val="accent1">
+              <a:shade val="50000"/>
+            </a:schemeClr>
+          </a:lnRef>
+          <a:fillRef idx="1">
+            <a:schemeClr val="accent1"/>
+          </a:fillRef>
+          <a:effectRef idx="0">
+            <a:schemeClr val="accent1"/>
+          </a:effectRef>
+          <a:fontRef idx="minor">
+            <a:schemeClr val="lt1"/>
+          </a:fontRef>
+        </p:style>
+        <p:txBody>
+          <a:bodyPr rtlCol="0" anchor="ctr"/>
+          <a:p>
+            <a:pPr algn="ctr"/>
+            <a:r>
+              <a:rPr lang="en-IN" altLang="en-US" sz="1400" dirty="0">
+                <a:solidFill>
+                  <a:schemeClr val="tx1"/>
+                </a:solidFill>
+                <a:latin typeface="Arial Black" panose="020B0A04020102020204" pitchFamily="34" charset="0"/>
+                <a:cs typeface="Arial Black" panose="020B0A04020102020204" pitchFamily="34" charset="0"/>
+              </a:rPr>
+              <a:t>Housez</a:t>
+            </a:r>
+            <a:endParaRPr lang="en-IN" altLang="en-US" sz="1400" dirty="0">
+              <a:solidFill>
+                <a:schemeClr val="tx1"/>
+              </a:solidFill>
+              <a:latin typeface="Arial Black" panose="020B0A04020102020204" pitchFamily="34" charset="0"/>
+              <a:cs typeface="Arial Black" panose="020B0A04020102020204" pitchFamily="34" charset="0"/>
+            </a:endParaRPr>
+          </a:p>
+        </p:txBody>
+      </p:sp>
       <p:sp>
         <p:nvSpPr>
           <p:cNvPr id="2" name="Text Box 1"/>
@@ -10632,7 +11396,7 @@
                 </a:solidFill>
                 <a:latin typeface="Comic Sans MS" panose="030F0702030302020204" charset="0"/>
                 <a:cs typeface="Comic Sans MS" panose="030F0702030302020204" charset="0"/>
-                <a:hlinkClick r:id="rId2" tooltip="" action="ppaction://hlinkfile"/>
+                <a:hlinkClick r:id="rId2" action="ppaction://hlinkfile"/>
               </a:rPr>
               <a:t>https://github.com/saikatXshrey/college-major-project</a:t>
             </a:r>
@@ -10683,7 +11447,7 @@
                 </a:solidFill>
                 <a:latin typeface="Comic Sans MS" panose="030F0702030302020204" charset="0"/>
                 <a:cs typeface="Comic Sans MS" panose="030F0702030302020204" charset="0"/>
-                <a:hlinkClick r:id="rId3" tooltip="" action="ppaction://hlinkfile"/>
+                <a:hlinkClick r:id="rId3" action="ppaction://hlinkfile"/>
               </a:rPr>
               <a:t>https://github.com/saikatXshrey/college-major-project/tree/ml-model</a:t>
             </a:r>
@@ -10734,7 +11498,7 @@
                 </a:solidFill>
                 <a:latin typeface="Comic Sans MS" panose="030F0702030302020204" charset="0"/>
                 <a:cs typeface="Comic Sans MS" panose="030F0702030302020204" charset="0"/>
-                <a:hlinkClick r:id="rId4" tooltip="" action="ppaction://hlinkfile"/>
+                <a:hlinkClick r:id="rId4" action="ppaction://hlinkfile"/>
               </a:rPr>
               <a:t>https://github.com/saikatXshrey/college-major-project/tree/prediction-api</a:t>
             </a:r>
@@ -10785,7 +11549,7 @@
                 </a:solidFill>
                 <a:latin typeface="Comic Sans MS" panose="030F0702030302020204" charset="0"/>
                 <a:cs typeface="Comic Sans MS" panose="030F0702030302020204" charset="0"/>
-                <a:hlinkClick r:id="rId5" tooltip="" action="ppaction://hlinkfile"/>
+                <a:hlinkClick r:id="rId5" action="ppaction://hlinkfile"/>
               </a:rPr>
               <a:t>https://github.com/saikatXshrey/college-major-project/tree/client</a:t>
             </a:r>
@@ -10843,7 +11607,7 @@
                 </a:solidFill>
                 <a:latin typeface="Comic Sans MS" panose="030F0702030302020204" charset="0"/>
                 <a:cs typeface="Comic Sans MS" panose="030F0702030302020204" charset="0"/>
-                <a:hlinkClick r:id="rId6" tooltip="" action="ppaction://hlinkfile"/>
+                <a:hlinkClick r:id="rId6" action="ppaction://hlinkfile"/>
               </a:rPr>
               <a:t>https://housez.netlify.app/</a:t>
             </a:r>
@@ -10865,7 +11629,7 @@
 </p:sld>
 </file>
 
-<file path=ppt/slides/slide24.xml><?xml version="1.0" encoding="utf-8"?>
+<file path=ppt/slides/slide25.xml><?xml version="1.0" encoding="utf-8"?>
 <p:sld xmlns:a="http://schemas.openxmlformats.org/drawingml/2006/main" xmlns:r="http://schemas.openxmlformats.org/officeDocument/2006/relationships" xmlns:p="http://schemas.openxmlformats.org/presentationml/2006/main">
   <p:cSld>
     <p:spTree>
